--- a/Human Resources Data analyiss final.pptx
+++ b/Human Resources Data analyiss final.pptx
@@ -7,8 +7,8 @@
   <p:sldIdLst>
     <p:sldId id="256" r:id="rId2"/>
     <p:sldId id="257" r:id="rId3"/>
-    <p:sldId id="267" r:id="rId4"/>
-    <p:sldId id="294" r:id="rId5"/>
+    <p:sldId id="294" r:id="rId4"/>
+    <p:sldId id="267" r:id="rId5"/>
     <p:sldId id="268" r:id="rId6"/>
     <p:sldId id="275" r:id="rId7"/>
     <p:sldId id="264" r:id="rId8"/>
@@ -37,56 +37,54 @@
     <p:sldId id="291" r:id="rId31"/>
     <p:sldId id="259" r:id="rId32"/>
     <p:sldId id="292" r:id="rId33"/>
-    <p:sldId id="301" r:id="rId34"/>
-    <p:sldId id="297" r:id="rId35"/>
-    <p:sldId id="303" r:id="rId36"/>
-    <p:sldId id="298" r:id="rId37"/>
-    <p:sldId id="299" r:id="rId38"/>
-    <p:sldId id="293" r:id="rId39"/>
-    <p:sldId id="266" r:id="rId40"/>
+    <p:sldId id="303" r:id="rId34"/>
+    <p:sldId id="298" r:id="rId35"/>
+    <p:sldId id="299" r:id="rId36"/>
+    <p:sldId id="293" r:id="rId37"/>
+    <p:sldId id="266" r:id="rId38"/>
   </p:sldIdLst>
   <p:sldSz cx="18288000" cy="10287000"/>
   <p:notesSz cx="6858000" cy="9144000"/>
   <p:embeddedFontLst>
     <p:embeddedFont>
       <p:font typeface="Aptos Narrow" panose="020B0004020202020204" pitchFamily="34" charset="0"/>
-      <p:regular r:id="rId41"/>
-      <p:bold r:id="rId42"/>
-      <p:italic r:id="rId43"/>
-      <p:boldItalic r:id="rId44"/>
+      <p:regular r:id="rId39"/>
+      <p:bold r:id="rId40"/>
+      <p:italic r:id="rId41"/>
+      <p:boldItalic r:id="rId42"/>
     </p:embeddedFont>
     <p:embeddedFont>
       <p:font typeface="Barlow" panose="00000500000000000000" pitchFamily="2" charset="0"/>
-      <p:regular r:id="rId45"/>
-      <p:bold r:id="rId46"/>
+      <p:regular r:id="rId43"/>
+      <p:bold r:id="rId44"/>
     </p:embeddedFont>
     <p:embeddedFont>
       <p:font typeface="Barlow Bold" panose="00000800000000000000" charset="0"/>
+      <p:regular r:id="rId45"/>
+    </p:embeddedFont>
+    <p:embeddedFont>
+      <p:font typeface="Canva Sans" panose="020B0604020202020204" charset="0"/>
+      <p:regular r:id="rId46"/>
+    </p:embeddedFont>
+    <p:embeddedFont>
+      <p:font typeface="Hero" panose="020B0604020202020204" charset="0"/>
       <p:regular r:id="rId47"/>
     </p:embeddedFont>
     <p:embeddedFont>
-      <p:font typeface="Canva Sans" panose="020B0604020202020204" charset="0"/>
+      <p:font typeface="HK Grotesk Bold" panose="020B0604020202020204" charset="0"/>
       <p:regular r:id="rId48"/>
     </p:embeddedFont>
     <p:embeddedFont>
-      <p:font typeface="Hero" panose="020B0604020202020204" charset="0"/>
+      <p:font typeface="HK Grotesk Medium" panose="020B0604020202020204" charset="0"/>
       <p:regular r:id="rId49"/>
     </p:embeddedFont>
     <p:embeddedFont>
-      <p:font typeface="HK Grotesk Bold" panose="020B0604020202020204" charset="0"/>
+      <p:font typeface="Opun" panose="020B0604020202020204" charset="-34"/>
       <p:regular r:id="rId50"/>
     </p:embeddedFont>
     <p:embeddedFont>
-      <p:font typeface="HK Grotesk Medium" panose="020B0604020202020204" charset="0"/>
+      <p:font typeface="Opun Bold" panose="020B0604020202020204" charset="-34"/>
       <p:regular r:id="rId51"/>
-    </p:embeddedFont>
-    <p:embeddedFont>
-      <p:font typeface="Opun" panose="020B0604020202020204" charset="-34"/>
-      <p:regular r:id="rId52"/>
-    </p:embeddedFont>
-    <p:embeddedFont>
-      <p:font typeface="Opun Bold" panose="020B0604020202020204" charset="-34"/>
-      <p:regular r:id="rId53"/>
     </p:embeddedFont>
   </p:embeddedFontLst>
   <p:defaultTextStyle>
@@ -1697,11 +1695,758 @@
 </dgm:colorsDef>
 </file>
 
+<file path=ppt/diagrams/colors3.xml><?xml version="1.0" encoding="utf-8"?>
+<dgm:colorsDef xmlns:dgm="http://schemas.openxmlformats.org/drawingml/2006/diagram" xmlns:a="http://schemas.openxmlformats.org/drawingml/2006/main" uniqueId="urn:microsoft.com/office/officeart/2005/8/colors/accent1_2">
+  <dgm:title val=""/>
+  <dgm:desc val=""/>
+  <dgm:catLst>
+    <dgm:cat type="accent1" pri="11200"/>
+  </dgm:catLst>
+  <dgm:styleLbl name="node0">
+    <dgm:fillClrLst meth="repeat">
+      <a:schemeClr val="accent1"/>
+    </dgm:fillClrLst>
+    <dgm:linClrLst meth="repeat">
+      <a:schemeClr val="lt1"/>
+    </dgm:linClrLst>
+    <dgm:effectClrLst/>
+    <dgm:txLinClrLst/>
+    <dgm:txFillClrLst/>
+    <dgm:txEffectClrLst/>
+  </dgm:styleLbl>
+  <dgm:styleLbl name="alignNode1">
+    <dgm:fillClrLst meth="repeat">
+      <a:schemeClr val="accent1"/>
+    </dgm:fillClrLst>
+    <dgm:linClrLst meth="repeat">
+      <a:schemeClr val="accent1"/>
+    </dgm:linClrLst>
+    <dgm:effectClrLst/>
+    <dgm:txLinClrLst/>
+    <dgm:txFillClrLst/>
+    <dgm:txEffectClrLst/>
+  </dgm:styleLbl>
+  <dgm:styleLbl name="node1">
+    <dgm:fillClrLst meth="repeat">
+      <a:schemeClr val="accent1"/>
+    </dgm:fillClrLst>
+    <dgm:linClrLst meth="repeat">
+      <a:schemeClr val="lt1"/>
+    </dgm:linClrLst>
+    <dgm:effectClrLst/>
+    <dgm:txLinClrLst/>
+    <dgm:txFillClrLst/>
+    <dgm:txEffectClrLst/>
+  </dgm:styleLbl>
+  <dgm:styleLbl name="lnNode1">
+    <dgm:fillClrLst meth="repeat">
+      <a:schemeClr val="accent1"/>
+    </dgm:fillClrLst>
+    <dgm:linClrLst meth="repeat">
+      <a:schemeClr val="lt1"/>
+    </dgm:linClrLst>
+    <dgm:effectClrLst/>
+    <dgm:txLinClrLst/>
+    <dgm:txFillClrLst/>
+    <dgm:txEffectClrLst/>
+  </dgm:styleLbl>
+  <dgm:styleLbl name="vennNode1">
+    <dgm:fillClrLst meth="repeat">
+      <a:schemeClr val="accent1">
+        <a:alpha val="50000"/>
+      </a:schemeClr>
+    </dgm:fillClrLst>
+    <dgm:linClrLst meth="repeat">
+      <a:schemeClr val="lt1"/>
+    </dgm:linClrLst>
+    <dgm:effectClrLst/>
+    <dgm:txLinClrLst/>
+    <dgm:txFillClrLst/>
+    <dgm:txEffectClrLst/>
+  </dgm:styleLbl>
+  <dgm:styleLbl name="node2">
+    <dgm:fillClrLst meth="repeat">
+      <a:schemeClr val="accent1"/>
+    </dgm:fillClrLst>
+    <dgm:linClrLst meth="repeat">
+      <a:schemeClr val="lt1"/>
+    </dgm:linClrLst>
+    <dgm:effectClrLst/>
+    <dgm:txLinClrLst/>
+    <dgm:txFillClrLst/>
+    <dgm:txEffectClrLst/>
+  </dgm:styleLbl>
+  <dgm:styleLbl name="node3">
+    <dgm:fillClrLst meth="repeat">
+      <a:schemeClr val="accent1"/>
+    </dgm:fillClrLst>
+    <dgm:linClrLst meth="repeat">
+      <a:schemeClr val="lt1"/>
+    </dgm:linClrLst>
+    <dgm:effectClrLst/>
+    <dgm:txLinClrLst/>
+    <dgm:txFillClrLst/>
+    <dgm:txEffectClrLst/>
+  </dgm:styleLbl>
+  <dgm:styleLbl name="node4">
+    <dgm:fillClrLst meth="repeat">
+      <a:schemeClr val="accent1"/>
+    </dgm:fillClrLst>
+    <dgm:linClrLst meth="repeat">
+      <a:schemeClr val="lt1"/>
+    </dgm:linClrLst>
+    <dgm:effectClrLst/>
+    <dgm:txLinClrLst/>
+    <dgm:txFillClrLst/>
+    <dgm:txEffectClrLst/>
+  </dgm:styleLbl>
+  <dgm:styleLbl name="fgImgPlace1">
+    <dgm:fillClrLst meth="repeat">
+      <a:schemeClr val="accent1">
+        <a:tint val="50000"/>
+      </a:schemeClr>
+    </dgm:fillClrLst>
+    <dgm:linClrLst meth="repeat">
+      <a:schemeClr val="lt1"/>
+    </dgm:linClrLst>
+    <dgm:effectClrLst/>
+    <dgm:txLinClrLst/>
+    <dgm:txFillClrLst meth="repeat">
+      <a:schemeClr val="lt1"/>
+    </dgm:txFillClrLst>
+    <dgm:txEffectClrLst/>
+  </dgm:styleLbl>
+  <dgm:styleLbl name="alignImgPlace1">
+    <dgm:fillClrLst meth="repeat">
+      <a:schemeClr val="accent1">
+        <a:tint val="50000"/>
+      </a:schemeClr>
+    </dgm:fillClrLst>
+    <dgm:linClrLst meth="repeat">
+      <a:schemeClr val="lt1"/>
+    </dgm:linClrLst>
+    <dgm:effectClrLst/>
+    <dgm:txLinClrLst/>
+    <dgm:txFillClrLst meth="repeat">
+      <a:schemeClr val="lt1"/>
+    </dgm:txFillClrLst>
+    <dgm:txEffectClrLst/>
+  </dgm:styleLbl>
+  <dgm:styleLbl name="bgImgPlace1">
+    <dgm:fillClrLst meth="repeat">
+      <a:schemeClr val="accent1">
+        <a:tint val="50000"/>
+      </a:schemeClr>
+    </dgm:fillClrLst>
+    <dgm:linClrLst meth="repeat">
+      <a:schemeClr val="lt1"/>
+    </dgm:linClrLst>
+    <dgm:effectClrLst/>
+    <dgm:txLinClrLst/>
+    <dgm:txFillClrLst meth="repeat">
+      <a:schemeClr val="lt1"/>
+    </dgm:txFillClrLst>
+    <dgm:txEffectClrLst/>
+  </dgm:styleLbl>
+  <dgm:styleLbl name="sibTrans2D1">
+    <dgm:fillClrLst meth="repeat">
+      <a:schemeClr val="accent1">
+        <a:tint val="60000"/>
+      </a:schemeClr>
+    </dgm:fillClrLst>
+    <dgm:linClrLst meth="repeat">
+      <a:schemeClr val="accent1">
+        <a:tint val="60000"/>
+      </a:schemeClr>
+    </dgm:linClrLst>
+    <dgm:effectClrLst/>
+    <dgm:txLinClrLst/>
+    <dgm:txFillClrLst/>
+    <dgm:txEffectClrLst/>
+  </dgm:styleLbl>
+  <dgm:styleLbl name="fgSibTrans2D1">
+    <dgm:fillClrLst meth="repeat">
+      <a:schemeClr val="accent1">
+        <a:tint val="60000"/>
+      </a:schemeClr>
+    </dgm:fillClrLst>
+    <dgm:linClrLst meth="repeat">
+      <a:schemeClr val="accent1">
+        <a:tint val="60000"/>
+      </a:schemeClr>
+    </dgm:linClrLst>
+    <dgm:effectClrLst/>
+    <dgm:txLinClrLst/>
+    <dgm:txFillClrLst/>
+    <dgm:txEffectClrLst/>
+  </dgm:styleLbl>
+  <dgm:styleLbl name="bgSibTrans2D1">
+    <dgm:fillClrLst meth="repeat">
+      <a:schemeClr val="accent1">
+        <a:tint val="60000"/>
+      </a:schemeClr>
+    </dgm:fillClrLst>
+    <dgm:linClrLst meth="repeat">
+      <a:schemeClr val="accent1">
+        <a:tint val="60000"/>
+      </a:schemeClr>
+    </dgm:linClrLst>
+    <dgm:effectClrLst/>
+    <dgm:txLinClrLst/>
+    <dgm:txFillClrLst/>
+    <dgm:txEffectClrLst/>
+  </dgm:styleLbl>
+  <dgm:styleLbl name="sibTrans1D1">
+    <dgm:fillClrLst meth="repeat">
+      <a:schemeClr val="accent1"/>
+    </dgm:fillClrLst>
+    <dgm:linClrLst meth="repeat">
+      <a:schemeClr val="accent1"/>
+    </dgm:linClrLst>
+    <dgm:effectClrLst/>
+    <dgm:txLinClrLst/>
+    <dgm:txFillClrLst meth="repeat">
+      <a:schemeClr val="tx1"/>
+    </dgm:txFillClrLst>
+    <dgm:txEffectClrLst/>
+  </dgm:styleLbl>
+  <dgm:styleLbl name="callout">
+    <dgm:fillClrLst meth="repeat">
+      <a:schemeClr val="accent1"/>
+    </dgm:fillClrLst>
+    <dgm:linClrLst meth="repeat">
+      <a:schemeClr val="accent1">
+        <a:tint val="50000"/>
+      </a:schemeClr>
+    </dgm:linClrLst>
+    <dgm:effectClrLst/>
+    <dgm:txLinClrLst/>
+    <dgm:txFillClrLst meth="repeat">
+      <a:schemeClr val="tx1"/>
+    </dgm:txFillClrLst>
+    <dgm:txEffectClrLst/>
+  </dgm:styleLbl>
+  <dgm:styleLbl name="asst0">
+    <dgm:fillClrLst meth="repeat">
+      <a:schemeClr val="accent1"/>
+    </dgm:fillClrLst>
+    <dgm:linClrLst meth="repeat">
+      <a:schemeClr val="lt1"/>
+    </dgm:linClrLst>
+    <dgm:effectClrLst/>
+    <dgm:txLinClrLst/>
+    <dgm:txFillClrLst/>
+    <dgm:txEffectClrLst/>
+  </dgm:styleLbl>
+  <dgm:styleLbl name="asst1">
+    <dgm:fillClrLst meth="repeat">
+      <a:schemeClr val="accent1"/>
+    </dgm:fillClrLst>
+    <dgm:linClrLst meth="repeat">
+      <a:schemeClr val="lt1"/>
+    </dgm:linClrLst>
+    <dgm:effectClrLst/>
+    <dgm:txLinClrLst/>
+    <dgm:txFillClrLst/>
+    <dgm:txEffectClrLst/>
+  </dgm:styleLbl>
+  <dgm:styleLbl name="asst2">
+    <dgm:fillClrLst meth="repeat">
+      <a:schemeClr val="accent1"/>
+    </dgm:fillClrLst>
+    <dgm:linClrLst meth="repeat">
+      <a:schemeClr val="lt1"/>
+    </dgm:linClrLst>
+    <dgm:effectClrLst/>
+    <dgm:txLinClrLst/>
+    <dgm:txFillClrLst/>
+    <dgm:txEffectClrLst/>
+  </dgm:styleLbl>
+  <dgm:styleLbl name="asst3">
+    <dgm:fillClrLst meth="repeat">
+      <a:schemeClr val="accent1"/>
+    </dgm:fillClrLst>
+    <dgm:linClrLst meth="repeat">
+      <a:schemeClr val="lt1"/>
+    </dgm:linClrLst>
+    <dgm:effectClrLst/>
+    <dgm:txLinClrLst/>
+    <dgm:txFillClrLst/>
+    <dgm:txEffectClrLst/>
+  </dgm:styleLbl>
+  <dgm:styleLbl name="asst4">
+    <dgm:fillClrLst meth="repeat">
+      <a:schemeClr val="accent1"/>
+    </dgm:fillClrLst>
+    <dgm:linClrLst meth="repeat">
+      <a:schemeClr val="lt1"/>
+    </dgm:linClrLst>
+    <dgm:effectClrLst/>
+    <dgm:txLinClrLst/>
+    <dgm:txFillClrLst/>
+    <dgm:txEffectClrLst/>
+  </dgm:styleLbl>
+  <dgm:styleLbl name="parChTrans2D1">
+    <dgm:fillClrLst meth="repeat">
+      <a:schemeClr val="accent1">
+        <a:tint val="60000"/>
+      </a:schemeClr>
+    </dgm:fillClrLst>
+    <dgm:linClrLst meth="repeat">
+      <a:schemeClr val="accent1">
+        <a:tint val="60000"/>
+      </a:schemeClr>
+    </dgm:linClrLst>
+    <dgm:effectClrLst/>
+    <dgm:txLinClrLst/>
+    <dgm:txFillClrLst meth="repeat">
+      <a:schemeClr val="lt1"/>
+    </dgm:txFillClrLst>
+    <dgm:txEffectClrLst/>
+  </dgm:styleLbl>
+  <dgm:styleLbl name="parChTrans2D2">
+    <dgm:fillClrLst meth="repeat">
+      <a:schemeClr val="accent1"/>
+    </dgm:fillClrLst>
+    <dgm:linClrLst meth="repeat">
+      <a:schemeClr val="accent1"/>
+    </dgm:linClrLst>
+    <dgm:effectClrLst/>
+    <dgm:txLinClrLst/>
+    <dgm:txFillClrLst meth="repeat">
+      <a:schemeClr val="lt1"/>
+    </dgm:txFillClrLst>
+    <dgm:txEffectClrLst/>
+  </dgm:styleLbl>
+  <dgm:styleLbl name="parChTrans2D3">
+    <dgm:fillClrLst meth="repeat">
+      <a:schemeClr val="accent1"/>
+    </dgm:fillClrLst>
+    <dgm:linClrLst meth="repeat">
+      <a:schemeClr val="accent1"/>
+    </dgm:linClrLst>
+    <dgm:effectClrLst/>
+    <dgm:txLinClrLst/>
+    <dgm:txFillClrLst meth="repeat">
+      <a:schemeClr val="lt1"/>
+    </dgm:txFillClrLst>
+    <dgm:txEffectClrLst/>
+  </dgm:styleLbl>
+  <dgm:styleLbl name="parChTrans2D4">
+    <dgm:fillClrLst meth="repeat">
+      <a:schemeClr val="accent1"/>
+    </dgm:fillClrLst>
+    <dgm:linClrLst meth="repeat">
+      <a:schemeClr val="accent1"/>
+    </dgm:linClrLst>
+    <dgm:effectClrLst/>
+    <dgm:txLinClrLst/>
+    <dgm:txFillClrLst meth="repeat">
+      <a:schemeClr val="lt1"/>
+    </dgm:txFillClrLst>
+    <dgm:txEffectClrLst/>
+  </dgm:styleLbl>
+  <dgm:styleLbl name="parChTrans1D1">
+    <dgm:fillClrLst meth="repeat">
+      <a:schemeClr val="accent1"/>
+    </dgm:fillClrLst>
+    <dgm:linClrLst meth="repeat">
+      <a:schemeClr val="accent1">
+        <a:shade val="60000"/>
+      </a:schemeClr>
+    </dgm:linClrLst>
+    <dgm:effectClrLst/>
+    <dgm:txLinClrLst/>
+    <dgm:txFillClrLst meth="repeat">
+      <a:schemeClr val="tx1"/>
+    </dgm:txFillClrLst>
+    <dgm:txEffectClrLst/>
+  </dgm:styleLbl>
+  <dgm:styleLbl name="parChTrans1D2">
+    <dgm:fillClrLst meth="repeat">
+      <a:schemeClr val="accent1"/>
+    </dgm:fillClrLst>
+    <dgm:linClrLst meth="repeat">
+      <a:schemeClr val="accent1">
+        <a:shade val="60000"/>
+      </a:schemeClr>
+    </dgm:linClrLst>
+    <dgm:effectClrLst/>
+    <dgm:txLinClrLst/>
+    <dgm:txFillClrLst meth="repeat">
+      <a:schemeClr val="tx1"/>
+    </dgm:txFillClrLst>
+    <dgm:txEffectClrLst/>
+  </dgm:styleLbl>
+  <dgm:styleLbl name="parChTrans1D3">
+    <dgm:fillClrLst meth="repeat">
+      <a:schemeClr val="accent1"/>
+    </dgm:fillClrLst>
+    <dgm:linClrLst meth="repeat">
+      <a:schemeClr val="accent1">
+        <a:shade val="80000"/>
+      </a:schemeClr>
+    </dgm:linClrLst>
+    <dgm:effectClrLst/>
+    <dgm:txLinClrLst/>
+    <dgm:txFillClrLst meth="repeat">
+      <a:schemeClr val="tx1"/>
+    </dgm:txFillClrLst>
+    <dgm:txEffectClrLst/>
+  </dgm:styleLbl>
+  <dgm:styleLbl name="parChTrans1D4">
+    <dgm:fillClrLst meth="repeat">
+      <a:schemeClr val="accent1"/>
+    </dgm:fillClrLst>
+    <dgm:linClrLst meth="repeat">
+      <a:schemeClr val="accent1">
+        <a:shade val="80000"/>
+      </a:schemeClr>
+    </dgm:linClrLst>
+    <dgm:effectClrLst/>
+    <dgm:txLinClrLst/>
+    <dgm:txFillClrLst meth="repeat">
+      <a:schemeClr val="tx1"/>
+    </dgm:txFillClrLst>
+    <dgm:txEffectClrLst/>
+  </dgm:styleLbl>
+  <dgm:styleLbl name="fgAcc1">
+    <dgm:fillClrLst meth="repeat">
+      <a:schemeClr val="lt1">
+        <a:alpha val="90000"/>
+      </a:schemeClr>
+    </dgm:fillClrLst>
+    <dgm:linClrLst meth="repeat">
+      <a:schemeClr val="accent1"/>
+    </dgm:linClrLst>
+    <dgm:effectClrLst/>
+    <dgm:txLinClrLst/>
+    <dgm:txFillClrLst meth="repeat">
+      <a:schemeClr val="dk1"/>
+    </dgm:txFillClrLst>
+    <dgm:txEffectClrLst/>
+  </dgm:styleLbl>
+  <dgm:styleLbl name="conFgAcc1">
+    <dgm:fillClrLst meth="repeat">
+      <a:schemeClr val="lt1">
+        <a:alpha val="90000"/>
+      </a:schemeClr>
+    </dgm:fillClrLst>
+    <dgm:linClrLst meth="repeat">
+      <a:schemeClr val="accent1"/>
+    </dgm:linClrLst>
+    <dgm:effectClrLst/>
+    <dgm:txLinClrLst/>
+    <dgm:txFillClrLst meth="repeat">
+      <a:schemeClr val="dk1"/>
+    </dgm:txFillClrLst>
+    <dgm:txEffectClrLst/>
+  </dgm:styleLbl>
+  <dgm:styleLbl name="alignAcc1">
+    <dgm:fillClrLst meth="repeat">
+      <a:schemeClr val="lt1">
+        <a:alpha val="90000"/>
+      </a:schemeClr>
+    </dgm:fillClrLst>
+    <dgm:linClrLst meth="repeat">
+      <a:schemeClr val="accent1"/>
+    </dgm:linClrLst>
+    <dgm:effectClrLst/>
+    <dgm:txLinClrLst/>
+    <dgm:txFillClrLst meth="repeat">
+      <a:schemeClr val="dk1"/>
+    </dgm:txFillClrLst>
+    <dgm:txEffectClrLst/>
+  </dgm:styleLbl>
+  <dgm:styleLbl name="trAlignAcc1">
+    <dgm:fillClrLst meth="repeat">
+      <a:schemeClr val="lt1">
+        <a:alpha val="40000"/>
+      </a:schemeClr>
+    </dgm:fillClrLst>
+    <dgm:linClrLst meth="repeat">
+      <a:schemeClr val="accent1"/>
+    </dgm:linClrLst>
+    <dgm:effectClrLst/>
+    <dgm:txLinClrLst/>
+    <dgm:txFillClrLst meth="repeat">
+      <a:schemeClr val="dk1"/>
+    </dgm:txFillClrLst>
+    <dgm:txEffectClrLst/>
+  </dgm:styleLbl>
+  <dgm:styleLbl name="bgAcc1">
+    <dgm:fillClrLst meth="repeat">
+      <a:schemeClr val="lt1">
+        <a:alpha val="90000"/>
+      </a:schemeClr>
+    </dgm:fillClrLst>
+    <dgm:linClrLst meth="repeat">
+      <a:schemeClr val="accent1"/>
+    </dgm:linClrLst>
+    <dgm:effectClrLst/>
+    <dgm:txLinClrLst/>
+    <dgm:txFillClrLst meth="repeat">
+      <a:schemeClr val="dk1"/>
+    </dgm:txFillClrLst>
+    <dgm:txEffectClrLst/>
+  </dgm:styleLbl>
+  <dgm:styleLbl name="solidFgAcc1">
+    <dgm:fillClrLst meth="repeat">
+      <a:schemeClr val="lt1"/>
+    </dgm:fillClrLst>
+    <dgm:linClrLst meth="repeat">
+      <a:schemeClr val="accent1"/>
+    </dgm:linClrLst>
+    <dgm:effectClrLst/>
+    <dgm:txLinClrLst/>
+    <dgm:txFillClrLst meth="repeat">
+      <a:schemeClr val="dk1"/>
+    </dgm:txFillClrLst>
+    <dgm:txEffectClrLst/>
+  </dgm:styleLbl>
+  <dgm:styleLbl name="solidAlignAcc1">
+    <dgm:fillClrLst meth="repeat">
+      <a:schemeClr val="lt1"/>
+    </dgm:fillClrLst>
+    <dgm:linClrLst meth="repeat">
+      <a:schemeClr val="accent1"/>
+    </dgm:linClrLst>
+    <dgm:effectClrLst/>
+    <dgm:txLinClrLst/>
+    <dgm:txFillClrLst meth="repeat">
+      <a:schemeClr val="dk1"/>
+    </dgm:txFillClrLst>
+    <dgm:txEffectClrLst/>
+  </dgm:styleLbl>
+  <dgm:styleLbl name="solidBgAcc1">
+    <dgm:fillClrLst meth="repeat">
+      <a:schemeClr val="lt1"/>
+    </dgm:fillClrLst>
+    <dgm:linClrLst meth="repeat">
+      <a:schemeClr val="accent1"/>
+    </dgm:linClrLst>
+    <dgm:effectClrLst/>
+    <dgm:txLinClrLst/>
+    <dgm:txFillClrLst meth="repeat">
+      <a:schemeClr val="dk1"/>
+    </dgm:txFillClrLst>
+    <dgm:txEffectClrLst/>
+  </dgm:styleLbl>
+  <dgm:styleLbl name="fgAccFollowNode1">
+    <dgm:fillClrLst meth="repeat">
+      <a:schemeClr val="accent1">
+        <a:alpha val="90000"/>
+        <a:tint val="40000"/>
+      </a:schemeClr>
+    </dgm:fillClrLst>
+    <dgm:linClrLst meth="repeat">
+      <a:schemeClr val="accent1">
+        <a:alpha val="90000"/>
+        <a:tint val="40000"/>
+      </a:schemeClr>
+    </dgm:linClrLst>
+    <dgm:effectClrLst/>
+    <dgm:txLinClrLst/>
+    <dgm:txFillClrLst meth="repeat">
+      <a:schemeClr val="dk1"/>
+    </dgm:txFillClrLst>
+    <dgm:txEffectClrLst/>
+  </dgm:styleLbl>
+  <dgm:styleLbl name="alignAccFollowNode1">
+    <dgm:fillClrLst meth="repeat">
+      <a:schemeClr val="accent1">
+        <a:alpha val="90000"/>
+        <a:tint val="40000"/>
+      </a:schemeClr>
+    </dgm:fillClrLst>
+    <dgm:linClrLst meth="repeat">
+      <a:schemeClr val="accent1">
+        <a:alpha val="90000"/>
+        <a:tint val="40000"/>
+      </a:schemeClr>
+    </dgm:linClrLst>
+    <dgm:effectClrLst/>
+    <dgm:txLinClrLst/>
+    <dgm:txFillClrLst meth="repeat">
+      <a:schemeClr val="dk1"/>
+    </dgm:txFillClrLst>
+    <dgm:txEffectClrLst/>
+  </dgm:styleLbl>
+  <dgm:styleLbl name="bgAccFollowNode1">
+    <dgm:fillClrLst meth="repeat">
+      <a:schemeClr val="accent1">
+        <a:alpha val="90000"/>
+        <a:tint val="40000"/>
+      </a:schemeClr>
+    </dgm:fillClrLst>
+    <dgm:linClrLst meth="repeat">
+      <a:schemeClr val="accent1">
+        <a:alpha val="90000"/>
+        <a:tint val="40000"/>
+      </a:schemeClr>
+    </dgm:linClrLst>
+    <dgm:effectClrLst/>
+    <dgm:txLinClrLst/>
+    <dgm:txFillClrLst meth="repeat">
+      <a:schemeClr val="dk1"/>
+    </dgm:txFillClrLst>
+    <dgm:txEffectClrLst/>
+  </dgm:styleLbl>
+  <dgm:styleLbl name="fgAcc0">
+    <dgm:fillClrLst meth="repeat">
+      <a:schemeClr val="lt1">
+        <a:alpha val="90000"/>
+      </a:schemeClr>
+    </dgm:fillClrLst>
+    <dgm:linClrLst meth="repeat">
+      <a:schemeClr val="accent1"/>
+    </dgm:linClrLst>
+    <dgm:effectClrLst/>
+    <dgm:txLinClrLst/>
+    <dgm:txFillClrLst meth="repeat">
+      <a:schemeClr val="dk1"/>
+    </dgm:txFillClrLst>
+    <dgm:txEffectClrLst/>
+  </dgm:styleLbl>
+  <dgm:styleLbl name="fgAcc2">
+    <dgm:fillClrLst meth="repeat">
+      <a:schemeClr val="lt1">
+        <a:alpha val="90000"/>
+      </a:schemeClr>
+    </dgm:fillClrLst>
+    <dgm:linClrLst meth="repeat">
+      <a:schemeClr val="accent1"/>
+    </dgm:linClrLst>
+    <dgm:effectClrLst/>
+    <dgm:txLinClrLst/>
+    <dgm:txFillClrLst meth="repeat">
+      <a:schemeClr val="dk1"/>
+    </dgm:txFillClrLst>
+    <dgm:txEffectClrLst/>
+  </dgm:styleLbl>
+  <dgm:styleLbl name="fgAcc3">
+    <dgm:fillClrLst meth="repeat">
+      <a:schemeClr val="lt1">
+        <a:alpha val="90000"/>
+      </a:schemeClr>
+    </dgm:fillClrLst>
+    <dgm:linClrLst meth="repeat">
+      <a:schemeClr val="accent1"/>
+    </dgm:linClrLst>
+    <dgm:effectClrLst/>
+    <dgm:txLinClrLst/>
+    <dgm:txFillClrLst meth="repeat">
+      <a:schemeClr val="dk1"/>
+    </dgm:txFillClrLst>
+    <dgm:txEffectClrLst/>
+  </dgm:styleLbl>
+  <dgm:styleLbl name="fgAcc4">
+    <dgm:fillClrLst meth="repeat">
+      <a:schemeClr val="lt1">
+        <a:alpha val="90000"/>
+      </a:schemeClr>
+    </dgm:fillClrLst>
+    <dgm:linClrLst meth="repeat">
+      <a:schemeClr val="accent1"/>
+    </dgm:linClrLst>
+    <dgm:effectClrLst/>
+    <dgm:txLinClrLst/>
+    <dgm:txFillClrLst meth="repeat">
+      <a:schemeClr val="dk1"/>
+    </dgm:txFillClrLst>
+    <dgm:txEffectClrLst/>
+  </dgm:styleLbl>
+  <dgm:styleLbl name="bgShp">
+    <dgm:fillClrLst meth="repeat">
+      <a:schemeClr val="accent1">
+        <a:tint val="40000"/>
+      </a:schemeClr>
+    </dgm:fillClrLst>
+    <dgm:linClrLst meth="repeat">
+      <a:schemeClr val="accent1"/>
+    </dgm:linClrLst>
+    <dgm:effectClrLst/>
+    <dgm:txLinClrLst/>
+    <dgm:txFillClrLst meth="repeat">
+      <a:schemeClr val="dk1"/>
+    </dgm:txFillClrLst>
+    <dgm:txEffectClrLst/>
+  </dgm:styleLbl>
+  <dgm:styleLbl name="dkBgShp">
+    <dgm:fillClrLst meth="repeat">
+      <a:schemeClr val="accent1">
+        <a:shade val="80000"/>
+      </a:schemeClr>
+    </dgm:fillClrLst>
+    <dgm:linClrLst meth="repeat">
+      <a:schemeClr val="accent1"/>
+    </dgm:linClrLst>
+    <dgm:effectClrLst/>
+    <dgm:txLinClrLst/>
+    <dgm:txFillClrLst meth="repeat">
+      <a:schemeClr val="lt1"/>
+    </dgm:txFillClrLst>
+    <dgm:txEffectClrLst/>
+  </dgm:styleLbl>
+  <dgm:styleLbl name="trBgShp">
+    <dgm:fillClrLst meth="repeat">
+      <a:schemeClr val="accent1">
+        <a:tint val="50000"/>
+        <a:alpha val="40000"/>
+      </a:schemeClr>
+    </dgm:fillClrLst>
+    <dgm:linClrLst meth="repeat">
+      <a:schemeClr val="accent1"/>
+    </dgm:linClrLst>
+    <dgm:effectClrLst/>
+    <dgm:txLinClrLst/>
+    <dgm:txFillClrLst meth="repeat">
+      <a:schemeClr val="lt1"/>
+    </dgm:txFillClrLst>
+    <dgm:txEffectClrLst/>
+  </dgm:styleLbl>
+  <dgm:styleLbl name="fgShp">
+    <dgm:fillClrLst meth="repeat">
+      <a:schemeClr val="accent1">
+        <a:tint val="60000"/>
+      </a:schemeClr>
+    </dgm:fillClrLst>
+    <dgm:linClrLst meth="repeat">
+      <a:schemeClr val="lt1"/>
+    </dgm:linClrLst>
+    <dgm:effectClrLst/>
+    <dgm:txLinClrLst/>
+    <dgm:txFillClrLst meth="repeat">
+      <a:schemeClr val="dk1"/>
+    </dgm:txFillClrLst>
+    <dgm:txEffectClrLst/>
+  </dgm:styleLbl>
+  <dgm:styleLbl name="revTx">
+    <dgm:fillClrLst meth="repeat">
+      <a:schemeClr val="lt1">
+        <a:alpha val="0"/>
+      </a:schemeClr>
+    </dgm:fillClrLst>
+    <dgm:linClrLst meth="repeat">
+      <a:schemeClr val="dk1">
+        <a:alpha val="0"/>
+      </a:schemeClr>
+    </dgm:linClrLst>
+    <dgm:effectClrLst/>
+    <dgm:txLinClrLst/>
+    <dgm:txFillClrLst meth="repeat">
+      <a:schemeClr val="tx1"/>
+    </dgm:txFillClrLst>
+    <dgm:txEffectClrLst/>
+  </dgm:styleLbl>
+</dgm:colorsDef>
+</file>
+
 <file path=ppt/diagrams/data1.xml><?xml version="1.0" encoding="utf-8"?>
 <dgm:dataModel xmlns:dgm="http://schemas.openxmlformats.org/drawingml/2006/diagram" xmlns:a="http://schemas.openxmlformats.org/drawingml/2006/main">
   <dgm:ptLst>
     <dgm:pt modelId="{87A5E3A5-0381-430D-8E19-704EFBF3BE34}" type="doc">
-      <dgm:prSet loTypeId="urn:microsoft.com/office/officeart/2008/layout/LinedList" loCatId="list" qsTypeId="urn:microsoft.com/office/officeart/2005/8/quickstyle/simple1" qsCatId="simple" csTypeId="urn:microsoft.com/office/officeart/2005/8/colors/accent1_2" csCatId="accent1"/>
+      <dgm:prSet loTypeId="urn:microsoft.com/office/officeart/2008/layout/LinedList" loCatId="list" qsTypeId="urn:microsoft.com/office/officeart/2005/8/quickstyle/simple1" qsCatId="simple" csTypeId="urn:microsoft.com/office/officeart/2005/8/colors/accent1_2" csCatId="accent1" phldr="1"/>
       <dgm:spPr/>
       <dgm:t>
         <a:bodyPr/>
@@ -1827,8 +2572,8 @@
         <a:lstStyle/>
         <a:p>
           <a:r>
-            <a:rPr lang="en-US"/>
-            <a:t>3- Abdelrahman Masoud</a:t>
+            <a:rPr lang="en-US" dirty="0"/>
+            <a:t>3- Abdelrahman Mostafa</a:t>
           </a:r>
         </a:p>
       </dgm:t>
@@ -1863,8 +2608,16 @@
         <a:lstStyle/>
         <a:p>
           <a:r>
-            <a:rPr lang="en-US"/>
-            <a:t>Instructor Dr.Amal Mahmoud</a:t>
+            <a:rPr lang="en-US" dirty="0"/>
+            <a:t>Supervised by : </a:t>
+          </a:r>
+          <a:r>
+            <a:rPr lang="en-US" dirty="0" err="1"/>
+            <a:t>Dr.Amal</a:t>
+          </a:r>
+          <a:r>
+            <a:rPr lang="en-US" dirty="0"/>
+            <a:t> Mahmoud</a:t>
           </a:r>
         </a:p>
       </dgm:t>
@@ -2026,6 +2779,572 @@
 </file>
 
 <file path=ppt/diagrams/data2.xml><?xml version="1.0" encoding="utf-8"?>
+<dgm:dataModel xmlns:dgm="http://schemas.openxmlformats.org/drawingml/2006/diagram" xmlns:a="http://schemas.openxmlformats.org/drawingml/2006/main">
+  <dgm:ptLst>
+    <dgm:pt modelId="{334EFBAC-779F-4110-B885-F246FB396E48}" type="doc">
+      <dgm:prSet loTypeId="urn:microsoft.com/office/officeart/2018/2/layout/IconCircleList" loCatId="icon" qsTypeId="urn:microsoft.com/office/officeart/2005/8/quickstyle/simple1" qsCatId="simple" csTypeId="urn:microsoft.com/office/officeart/2005/8/colors/accent1_2" csCatId="accent1" phldr="1"/>
+      <dgm:spPr/>
+      <dgm:t>
+        <a:bodyPr/>
+        <a:lstStyle/>
+        <a:p>
+          <a:endParaRPr lang="en-US"/>
+        </a:p>
+      </dgm:t>
+    </dgm:pt>
+    <dgm:pt modelId="{DE7DCFD3-8A46-4537-970A-9D8E48C58D69}">
+      <dgm:prSet custT="1"/>
+      <dgm:spPr/>
+      <dgm:t>
+        <a:bodyPr/>
+        <a:lstStyle/>
+        <a:p>
+          <a:pPr>
+            <a:lnSpc>
+              <a:spcPct val="100000"/>
+            </a:lnSpc>
+          </a:pPr>
+          <a:r>
+            <a:rPr lang="en-CA" sz="1800" b="1"/>
+            <a:t>Analyze HR data to identify trends that contribute to employee retention and satisfaction, providing actionable insights to improve employee engagement.</a:t>
+          </a:r>
+          <a:endParaRPr lang="en-US" sz="1800" b="1"/>
+        </a:p>
+      </dgm:t>
+    </dgm:pt>
+    <dgm:pt modelId="{A039EE7F-9924-4E11-B9E8-F74E260FD61B}" type="parTrans" cxnId="{8DE36CE4-5997-464A-A4F7-4920EABE192F}">
+      <dgm:prSet/>
+      <dgm:spPr/>
+      <dgm:t>
+        <a:bodyPr/>
+        <a:lstStyle/>
+        <a:p>
+          <a:endParaRPr lang="en-US" sz="2000" b="1"/>
+        </a:p>
+      </dgm:t>
+    </dgm:pt>
+    <dgm:pt modelId="{B520CAB7-8D9D-4BDA-BF14-F3EE432D1864}" type="sibTrans" cxnId="{8DE36CE4-5997-464A-A4F7-4920EABE192F}">
+      <dgm:prSet/>
+      <dgm:spPr/>
+      <dgm:t>
+        <a:bodyPr/>
+        <a:lstStyle/>
+        <a:p>
+          <a:pPr>
+            <a:lnSpc>
+              <a:spcPct val="100000"/>
+            </a:lnSpc>
+          </a:pPr>
+          <a:endParaRPr lang="en-US" sz="2000" b="1"/>
+        </a:p>
+      </dgm:t>
+    </dgm:pt>
+    <dgm:pt modelId="{B665AE25-1E79-4098-99C9-8ACA8E333BFC}">
+      <dgm:prSet custT="1"/>
+      <dgm:spPr/>
+      <dgm:t>
+        <a:bodyPr/>
+        <a:lstStyle/>
+        <a:p>
+          <a:pPr>
+            <a:lnSpc>
+              <a:spcPct val="100000"/>
+            </a:lnSpc>
+          </a:pPr>
+          <a:r>
+            <a:rPr lang="en-CA" sz="1800" b="1" dirty="0"/>
+            <a:t>Utilize HR data to recommend informed decisions on promotions and salary adjustments, ensuring equitable outcomes for all employees.</a:t>
+          </a:r>
+          <a:endParaRPr lang="en-US" sz="1800" b="1" dirty="0"/>
+        </a:p>
+      </dgm:t>
+    </dgm:pt>
+    <dgm:pt modelId="{CC88B4C3-B45B-4E1E-9A5A-DE17FDEBF157}" type="parTrans" cxnId="{C6E208A6-383F-467E-AAFF-9446FFE9AE10}">
+      <dgm:prSet/>
+      <dgm:spPr/>
+      <dgm:t>
+        <a:bodyPr/>
+        <a:lstStyle/>
+        <a:p>
+          <a:endParaRPr lang="en-US" sz="2000" b="1"/>
+        </a:p>
+      </dgm:t>
+    </dgm:pt>
+    <dgm:pt modelId="{19274C4E-FE8E-4AF5-BB76-55638E7F831A}" type="sibTrans" cxnId="{C6E208A6-383F-467E-AAFF-9446FFE9AE10}">
+      <dgm:prSet/>
+      <dgm:spPr/>
+      <dgm:t>
+        <a:bodyPr/>
+        <a:lstStyle/>
+        <a:p>
+          <a:pPr>
+            <a:lnSpc>
+              <a:spcPct val="100000"/>
+            </a:lnSpc>
+          </a:pPr>
+          <a:endParaRPr lang="en-US" sz="2000" b="1"/>
+        </a:p>
+      </dgm:t>
+    </dgm:pt>
+    <dgm:pt modelId="{A875A06D-9866-4FC8-940B-2CF2D203F9B9}">
+      <dgm:prSet custT="1"/>
+      <dgm:spPr/>
+      <dgm:t>
+        <a:bodyPr/>
+        <a:lstStyle/>
+        <a:p>
+          <a:pPr>
+            <a:lnSpc>
+              <a:spcPct val="100000"/>
+            </a:lnSpc>
+          </a:pPr>
+          <a:r>
+            <a:rPr lang="en-CA" sz="1800" b="1"/>
+            <a:t>Leverage HR insights to assess and improve workplace fairness and productivity, supporting the development of better policies and practices</a:t>
+          </a:r>
+          <a:endParaRPr lang="en-US" sz="1800" b="1"/>
+        </a:p>
+      </dgm:t>
+    </dgm:pt>
+    <dgm:pt modelId="{AEEC0078-5B2A-42D7-A090-0453FFADBEA8}" type="parTrans" cxnId="{DCD15738-7EDE-497F-BC66-90871444A4B2}">
+      <dgm:prSet/>
+      <dgm:spPr/>
+      <dgm:t>
+        <a:bodyPr/>
+        <a:lstStyle/>
+        <a:p>
+          <a:endParaRPr lang="en-US" sz="2000" b="1"/>
+        </a:p>
+      </dgm:t>
+    </dgm:pt>
+    <dgm:pt modelId="{BF42F28D-7124-4F64-8A19-C03E4A3C8E26}" type="sibTrans" cxnId="{DCD15738-7EDE-497F-BC66-90871444A4B2}">
+      <dgm:prSet/>
+      <dgm:spPr/>
+      <dgm:t>
+        <a:bodyPr/>
+        <a:lstStyle/>
+        <a:p>
+          <a:pPr>
+            <a:lnSpc>
+              <a:spcPct val="100000"/>
+            </a:lnSpc>
+          </a:pPr>
+          <a:endParaRPr lang="en-US" sz="2000" b="1"/>
+        </a:p>
+      </dgm:t>
+    </dgm:pt>
+    <dgm:pt modelId="{31582813-ABE7-4697-BB02-A2E6D144F457}">
+      <dgm:prSet custT="1"/>
+      <dgm:spPr/>
+      <dgm:t>
+        <a:bodyPr/>
+        <a:lstStyle/>
+        <a:p>
+          <a:pPr>
+            <a:lnSpc>
+              <a:spcPct val="100000"/>
+            </a:lnSpc>
+          </a:pPr>
+          <a:r>
+            <a:rPr lang="en-CA" sz="1800" b="1"/>
+            <a:t>Conduct workforce analysis to guide strategic decisions, ensuring the right talent is in place to meet future business growth and role requirements</a:t>
+          </a:r>
+          <a:endParaRPr lang="en-US" sz="1800" b="1"/>
+        </a:p>
+      </dgm:t>
+    </dgm:pt>
+    <dgm:pt modelId="{23CD3126-7E4D-4827-A983-A6AEDF3A9AF6}" type="parTrans" cxnId="{27E9C514-CBF1-4402-9F40-D00D75B5DC88}">
+      <dgm:prSet/>
+      <dgm:spPr/>
+      <dgm:t>
+        <a:bodyPr/>
+        <a:lstStyle/>
+        <a:p>
+          <a:endParaRPr lang="en-US" sz="2000" b="1"/>
+        </a:p>
+      </dgm:t>
+    </dgm:pt>
+    <dgm:pt modelId="{4BB565AA-2965-4EC2-892A-BFFA0DF695E0}" type="sibTrans" cxnId="{27E9C514-CBF1-4402-9F40-D00D75B5DC88}">
+      <dgm:prSet/>
+      <dgm:spPr/>
+      <dgm:t>
+        <a:bodyPr/>
+        <a:lstStyle/>
+        <a:p>
+          <a:pPr>
+            <a:lnSpc>
+              <a:spcPct val="100000"/>
+            </a:lnSpc>
+          </a:pPr>
+          <a:endParaRPr lang="en-US" sz="2000" b="1"/>
+        </a:p>
+      </dgm:t>
+    </dgm:pt>
+    <dgm:pt modelId="{3A623A4B-308F-4BFE-83AD-1B377A8DB9EB}">
+      <dgm:prSet custT="1"/>
+      <dgm:spPr/>
+      <dgm:t>
+        <a:bodyPr/>
+        <a:lstStyle/>
+        <a:p>
+          <a:pPr>
+            <a:lnSpc>
+              <a:spcPct val="100000"/>
+            </a:lnSpc>
+          </a:pPr>
+          <a:r>
+            <a:rPr lang="en-CA" sz="1800" b="1"/>
+            <a:t>Monitor HR trends and insights to help the organization stay competitive and adaptable as it evolves, providing data-driven support for ongoing success</a:t>
+          </a:r>
+          <a:endParaRPr lang="en-US" sz="1800" b="1"/>
+        </a:p>
+      </dgm:t>
+    </dgm:pt>
+    <dgm:pt modelId="{BD1A13B2-7A46-41E2-91BE-3C30782608DA}" type="parTrans" cxnId="{9CFCD749-BDB8-4D45-A3FB-08DC5E4DB0DA}">
+      <dgm:prSet/>
+      <dgm:spPr/>
+      <dgm:t>
+        <a:bodyPr/>
+        <a:lstStyle/>
+        <a:p>
+          <a:endParaRPr lang="en-US" sz="2000" b="1"/>
+        </a:p>
+      </dgm:t>
+    </dgm:pt>
+    <dgm:pt modelId="{F9B72086-140B-475E-AFE2-FFF467274720}" type="sibTrans" cxnId="{9CFCD749-BDB8-4D45-A3FB-08DC5E4DB0DA}">
+      <dgm:prSet/>
+      <dgm:spPr/>
+      <dgm:t>
+        <a:bodyPr/>
+        <a:lstStyle/>
+        <a:p>
+          <a:endParaRPr lang="en-US" sz="2000" b="1"/>
+        </a:p>
+      </dgm:t>
+    </dgm:pt>
+    <dgm:pt modelId="{4213501D-4465-4025-8D72-9384652C2DA5}" type="pres">
+      <dgm:prSet presAssocID="{334EFBAC-779F-4110-B885-F246FB396E48}" presName="root" presStyleCnt="0">
+        <dgm:presLayoutVars>
+          <dgm:dir/>
+          <dgm:resizeHandles val="exact"/>
+        </dgm:presLayoutVars>
+      </dgm:prSet>
+      <dgm:spPr/>
+    </dgm:pt>
+    <dgm:pt modelId="{73C92A40-8B32-46AB-92A5-1C23B313395D}" type="pres">
+      <dgm:prSet presAssocID="{334EFBAC-779F-4110-B885-F246FB396E48}" presName="container" presStyleCnt="0">
+        <dgm:presLayoutVars>
+          <dgm:dir/>
+          <dgm:resizeHandles val="exact"/>
+        </dgm:presLayoutVars>
+      </dgm:prSet>
+      <dgm:spPr/>
+    </dgm:pt>
+    <dgm:pt modelId="{2C00E64A-0756-445B-864C-1CD5EFF0CA35}" type="pres">
+      <dgm:prSet presAssocID="{DE7DCFD3-8A46-4537-970A-9D8E48C58D69}" presName="compNode" presStyleCnt="0"/>
+      <dgm:spPr/>
+    </dgm:pt>
+    <dgm:pt modelId="{84004064-EE3C-4642-AFD7-6FEAFE97F844}" type="pres">
+      <dgm:prSet presAssocID="{DE7DCFD3-8A46-4537-970A-9D8E48C58D69}" presName="iconBgRect" presStyleLbl="bgShp" presStyleIdx="0" presStyleCnt="5"/>
+      <dgm:spPr/>
+    </dgm:pt>
+    <dgm:pt modelId="{471C92E6-5824-43E3-AE78-475D299DEA32}" type="pres">
+      <dgm:prSet presAssocID="{DE7DCFD3-8A46-4537-970A-9D8E48C58D69}" presName="iconRect" presStyleLbl="node1" presStyleIdx="0" presStyleCnt="5"/>
+      <dgm:spPr>
+        <a:blipFill>
+          <a:blip xmlns:r="http://schemas.openxmlformats.org/officeDocument/2006/relationships" r:embed="rId1">
+            <a:extLst>
+              <a:ext uri="{28A0092B-C50C-407E-A947-70E740481C1C}">
+                <a14:useLocalDpi xmlns:a14="http://schemas.microsoft.com/office/drawing/2010/main" val="0"/>
+              </a:ext>
+              <a:ext uri="{96DAC541-7B7A-43D3-8B79-37D633B846F1}">
+                <asvg:svgBlip xmlns:asvg="http://schemas.microsoft.com/office/drawing/2016/SVG/main" r:embed="rId2"/>
+              </a:ext>
+            </a:extLst>
+          </a:blip>
+          <a:stretch>
+            <a:fillRect/>
+          </a:stretch>
+        </a:blipFill>
+      </dgm:spPr>
+      <dgm:extLst>
+        <a:ext uri="{E40237B7-FDA0-4F09-8148-C483321AD2D9}">
+          <dgm14:cNvPr xmlns:dgm14="http://schemas.microsoft.com/office/drawing/2010/diagram" id="0" name="" descr="Business Growth"/>
+        </a:ext>
+      </dgm:extLst>
+    </dgm:pt>
+    <dgm:pt modelId="{D43A578B-E225-43E0-94D8-CD8C65D7CD1D}" type="pres">
+      <dgm:prSet presAssocID="{DE7DCFD3-8A46-4537-970A-9D8E48C58D69}" presName="spaceRect" presStyleCnt="0"/>
+      <dgm:spPr/>
+    </dgm:pt>
+    <dgm:pt modelId="{92C39E8E-AF85-40C4-86E9-D395A7111C2E}" type="pres">
+      <dgm:prSet presAssocID="{DE7DCFD3-8A46-4537-970A-9D8E48C58D69}" presName="textRect" presStyleLbl="revTx" presStyleIdx="0" presStyleCnt="5">
+        <dgm:presLayoutVars>
+          <dgm:chMax val="1"/>
+          <dgm:chPref val="1"/>
+        </dgm:presLayoutVars>
+      </dgm:prSet>
+      <dgm:spPr/>
+    </dgm:pt>
+    <dgm:pt modelId="{4D2BB7B5-1CDB-49E5-9975-774AED91277E}" type="pres">
+      <dgm:prSet presAssocID="{B520CAB7-8D9D-4BDA-BF14-F3EE432D1864}" presName="sibTrans" presStyleLbl="sibTrans2D1" presStyleIdx="0" presStyleCnt="0"/>
+      <dgm:spPr/>
+    </dgm:pt>
+    <dgm:pt modelId="{74426187-EDEB-43DB-AEA3-F3D9BCC2E163}" type="pres">
+      <dgm:prSet presAssocID="{B665AE25-1E79-4098-99C9-8ACA8E333BFC}" presName="compNode" presStyleCnt="0"/>
+      <dgm:spPr/>
+    </dgm:pt>
+    <dgm:pt modelId="{F8F1E723-136F-45C3-92E6-D030CFA42C7B}" type="pres">
+      <dgm:prSet presAssocID="{B665AE25-1E79-4098-99C9-8ACA8E333BFC}" presName="iconBgRect" presStyleLbl="bgShp" presStyleIdx="1" presStyleCnt="5"/>
+      <dgm:spPr/>
+    </dgm:pt>
+    <dgm:pt modelId="{2DAAF52B-E2E7-4CFB-9F8A-60DE3C312A00}" type="pres">
+      <dgm:prSet presAssocID="{B665AE25-1E79-4098-99C9-8ACA8E333BFC}" presName="iconRect" presStyleLbl="node1" presStyleIdx="1" presStyleCnt="5"/>
+      <dgm:spPr>
+        <a:blipFill>
+          <a:blip xmlns:r="http://schemas.openxmlformats.org/officeDocument/2006/relationships" r:embed="rId3">
+            <a:extLst>
+              <a:ext uri="{28A0092B-C50C-407E-A947-70E740481C1C}">
+                <a14:useLocalDpi xmlns:a14="http://schemas.microsoft.com/office/drawing/2010/main" val="0"/>
+              </a:ext>
+              <a:ext uri="{96DAC541-7B7A-43D3-8B79-37D633B846F1}">
+                <asvg:svgBlip xmlns:asvg="http://schemas.microsoft.com/office/drawing/2016/SVG/main" r:embed="rId4"/>
+              </a:ext>
+            </a:extLst>
+          </a:blip>
+          <a:stretch>
+            <a:fillRect/>
+          </a:stretch>
+        </a:blipFill>
+      </dgm:spPr>
+      <dgm:extLst>
+        <a:ext uri="{E40237B7-FDA0-4F09-8148-C483321AD2D9}">
+          <dgm14:cNvPr xmlns:dgm14="http://schemas.microsoft.com/office/drawing/2010/diagram" id="0" name="" descr="Office Worker"/>
+        </a:ext>
+      </dgm:extLst>
+    </dgm:pt>
+    <dgm:pt modelId="{033B3B7E-0D50-4694-9704-9C6F8965C2B2}" type="pres">
+      <dgm:prSet presAssocID="{B665AE25-1E79-4098-99C9-8ACA8E333BFC}" presName="spaceRect" presStyleCnt="0"/>
+      <dgm:spPr/>
+    </dgm:pt>
+    <dgm:pt modelId="{5DC107E2-983F-4BC4-A9F6-BB6169AE25E6}" type="pres">
+      <dgm:prSet presAssocID="{B665AE25-1E79-4098-99C9-8ACA8E333BFC}" presName="textRect" presStyleLbl="revTx" presStyleIdx="1" presStyleCnt="5">
+        <dgm:presLayoutVars>
+          <dgm:chMax val="1"/>
+          <dgm:chPref val="1"/>
+        </dgm:presLayoutVars>
+      </dgm:prSet>
+      <dgm:spPr/>
+    </dgm:pt>
+    <dgm:pt modelId="{677CF86A-B70D-4CF4-9130-C4CA98AA4683}" type="pres">
+      <dgm:prSet presAssocID="{19274C4E-FE8E-4AF5-BB76-55638E7F831A}" presName="sibTrans" presStyleLbl="sibTrans2D1" presStyleIdx="0" presStyleCnt="0"/>
+      <dgm:spPr/>
+    </dgm:pt>
+    <dgm:pt modelId="{DB264BF2-60AB-456D-951F-F8AE7C210C3C}" type="pres">
+      <dgm:prSet presAssocID="{A875A06D-9866-4FC8-940B-2CF2D203F9B9}" presName="compNode" presStyleCnt="0"/>
+      <dgm:spPr/>
+    </dgm:pt>
+    <dgm:pt modelId="{E4CD4E24-ED62-4944-B54F-2E1ADC539104}" type="pres">
+      <dgm:prSet presAssocID="{A875A06D-9866-4FC8-940B-2CF2D203F9B9}" presName="iconBgRect" presStyleLbl="bgShp" presStyleIdx="2" presStyleCnt="5"/>
+      <dgm:spPr/>
+    </dgm:pt>
+    <dgm:pt modelId="{00286DCA-2918-4831-90C6-E1F4D173A9F8}" type="pres">
+      <dgm:prSet presAssocID="{A875A06D-9866-4FC8-940B-2CF2D203F9B9}" presName="iconRect" presStyleLbl="node1" presStyleIdx="2" presStyleCnt="5"/>
+      <dgm:spPr>
+        <a:blipFill>
+          <a:blip xmlns:r="http://schemas.openxmlformats.org/officeDocument/2006/relationships" r:embed="rId5">
+            <a:extLst>
+              <a:ext uri="{28A0092B-C50C-407E-A947-70E740481C1C}">
+                <a14:useLocalDpi xmlns:a14="http://schemas.microsoft.com/office/drawing/2010/main" val="0"/>
+              </a:ext>
+              <a:ext uri="{96DAC541-7B7A-43D3-8B79-37D633B846F1}">
+                <asvg:svgBlip xmlns:asvg="http://schemas.microsoft.com/office/drawing/2016/SVG/main" r:embed="rId6"/>
+              </a:ext>
+            </a:extLst>
+          </a:blip>
+          <a:stretch>
+            <a:fillRect/>
+          </a:stretch>
+        </a:blipFill>
+      </dgm:spPr>
+      <dgm:extLst>
+        <a:ext uri="{E40237B7-FDA0-4F09-8148-C483321AD2D9}">
+          <dgm14:cNvPr xmlns:dgm14="http://schemas.microsoft.com/office/drawing/2010/diagram" id="0" name="" descr="Handshake"/>
+        </a:ext>
+      </dgm:extLst>
+    </dgm:pt>
+    <dgm:pt modelId="{48068E8A-E8BF-4B00-A7E8-1DFB183601D1}" type="pres">
+      <dgm:prSet presAssocID="{A875A06D-9866-4FC8-940B-2CF2D203F9B9}" presName="spaceRect" presStyleCnt="0"/>
+      <dgm:spPr/>
+    </dgm:pt>
+    <dgm:pt modelId="{4C7BD8D5-E51E-45B4-A81F-2C533AA42A71}" type="pres">
+      <dgm:prSet presAssocID="{A875A06D-9866-4FC8-940B-2CF2D203F9B9}" presName="textRect" presStyleLbl="revTx" presStyleIdx="2" presStyleCnt="5">
+        <dgm:presLayoutVars>
+          <dgm:chMax val="1"/>
+          <dgm:chPref val="1"/>
+        </dgm:presLayoutVars>
+      </dgm:prSet>
+      <dgm:spPr/>
+    </dgm:pt>
+    <dgm:pt modelId="{F904EFEA-BBE7-4E0F-822D-D2A502AA05CE}" type="pres">
+      <dgm:prSet presAssocID="{BF42F28D-7124-4F64-8A19-C03E4A3C8E26}" presName="sibTrans" presStyleLbl="sibTrans2D1" presStyleIdx="0" presStyleCnt="0"/>
+      <dgm:spPr/>
+    </dgm:pt>
+    <dgm:pt modelId="{8E3E9B7D-0C3F-4CAC-9E4C-2B201E6B8F46}" type="pres">
+      <dgm:prSet presAssocID="{31582813-ABE7-4697-BB02-A2E6D144F457}" presName="compNode" presStyleCnt="0"/>
+      <dgm:spPr/>
+    </dgm:pt>
+    <dgm:pt modelId="{88EA4729-2919-4377-BB41-3DCA7380CBCD}" type="pres">
+      <dgm:prSet presAssocID="{31582813-ABE7-4697-BB02-A2E6D144F457}" presName="iconBgRect" presStyleLbl="bgShp" presStyleIdx="3" presStyleCnt="5"/>
+      <dgm:spPr/>
+    </dgm:pt>
+    <dgm:pt modelId="{1C932C70-EB4F-4FB3-B6FD-AFFEE8B39C53}" type="pres">
+      <dgm:prSet presAssocID="{31582813-ABE7-4697-BB02-A2E6D144F457}" presName="iconRect" presStyleLbl="node1" presStyleIdx="3" presStyleCnt="5"/>
+      <dgm:spPr>
+        <a:blipFill>
+          <a:blip xmlns:r="http://schemas.openxmlformats.org/officeDocument/2006/relationships" r:embed="rId7">
+            <a:extLst>
+              <a:ext uri="{28A0092B-C50C-407E-A947-70E740481C1C}">
+                <a14:useLocalDpi xmlns:a14="http://schemas.microsoft.com/office/drawing/2010/main" val="0"/>
+              </a:ext>
+              <a:ext uri="{96DAC541-7B7A-43D3-8B79-37D633B846F1}">
+                <asvg:svgBlip xmlns:asvg="http://schemas.microsoft.com/office/drawing/2016/SVG/main" r:embed="rId8"/>
+              </a:ext>
+            </a:extLst>
+          </a:blip>
+          <a:stretch>
+            <a:fillRect/>
+          </a:stretch>
+        </a:blipFill>
+      </dgm:spPr>
+      <dgm:extLst>
+        <a:ext uri="{E40237B7-FDA0-4F09-8148-C483321AD2D9}">
+          <dgm14:cNvPr xmlns:dgm14="http://schemas.microsoft.com/office/drawing/2010/diagram" id="0" name="" descr="Head with Gears"/>
+        </a:ext>
+      </dgm:extLst>
+    </dgm:pt>
+    <dgm:pt modelId="{258818F6-225A-43F2-962E-490490E367D8}" type="pres">
+      <dgm:prSet presAssocID="{31582813-ABE7-4697-BB02-A2E6D144F457}" presName="spaceRect" presStyleCnt="0"/>
+      <dgm:spPr/>
+    </dgm:pt>
+    <dgm:pt modelId="{B709A65D-6AD6-4302-99CB-7E281D35E582}" type="pres">
+      <dgm:prSet presAssocID="{31582813-ABE7-4697-BB02-A2E6D144F457}" presName="textRect" presStyleLbl="revTx" presStyleIdx="3" presStyleCnt="5">
+        <dgm:presLayoutVars>
+          <dgm:chMax val="1"/>
+          <dgm:chPref val="1"/>
+        </dgm:presLayoutVars>
+      </dgm:prSet>
+      <dgm:spPr/>
+    </dgm:pt>
+    <dgm:pt modelId="{5C7613B0-9E91-440A-BDE6-858C6256356E}" type="pres">
+      <dgm:prSet presAssocID="{4BB565AA-2965-4EC2-892A-BFFA0DF695E0}" presName="sibTrans" presStyleLbl="sibTrans2D1" presStyleIdx="0" presStyleCnt="0"/>
+      <dgm:spPr/>
+    </dgm:pt>
+    <dgm:pt modelId="{1F97E715-CA4C-4D89-9B22-566836C47538}" type="pres">
+      <dgm:prSet presAssocID="{3A623A4B-308F-4BFE-83AD-1B377A8DB9EB}" presName="compNode" presStyleCnt="0"/>
+      <dgm:spPr/>
+    </dgm:pt>
+    <dgm:pt modelId="{B3A2C851-F08F-4446-B550-E1E328CC00CB}" type="pres">
+      <dgm:prSet presAssocID="{3A623A4B-308F-4BFE-83AD-1B377A8DB9EB}" presName="iconBgRect" presStyleLbl="bgShp" presStyleIdx="4" presStyleCnt="5"/>
+      <dgm:spPr/>
+    </dgm:pt>
+    <dgm:pt modelId="{CABC3612-BB87-4EE9-A0C4-7795DCEB44A4}" type="pres">
+      <dgm:prSet presAssocID="{3A623A4B-308F-4BFE-83AD-1B377A8DB9EB}" presName="iconRect" presStyleLbl="node1" presStyleIdx="4" presStyleCnt="5"/>
+      <dgm:spPr>
+        <a:blipFill>
+          <a:blip xmlns:r="http://schemas.openxmlformats.org/officeDocument/2006/relationships" r:embed="rId9">
+            <a:extLst>
+              <a:ext uri="{28A0092B-C50C-407E-A947-70E740481C1C}">
+                <a14:useLocalDpi xmlns:a14="http://schemas.microsoft.com/office/drawing/2010/main" val="0"/>
+              </a:ext>
+              <a:ext uri="{96DAC541-7B7A-43D3-8B79-37D633B846F1}">
+                <asvg:svgBlip xmlns:asvg="http://schemas.microsoft.com/office/drawing/2016/SVG/main" r:embed="rId10"/>
+              </a:ext>
+            </a:extLst>
+          </a:blip>
+          <a:stretch>
+            <a:fillRect/>
+          </a:stretch>
+        </a:blipFill>
+      </dgm:spPr>
+      <dgm:extLst>
+        <a:ext uri="{E40237B7-FDA0-4F09-8148-C483321AD2D9}">
+          <dgm14:cNvPr xmlns:dgm14="http://schemas.microsoft.com/office/drawing/2010/diagram" id="0" name="" descr="Meeting"/>
+        </a:ext>
+      </dgm:extLst>
+    </dgm:pt>
+    <dgm:pt modelId="{60AC5F38-4FC6-449E-A3D6-1E22CF07906F}" type="pres">
+      <dgm:prSet presAssocID="{3A623A4B-308F-4BFE-83AD-1B377A8DB9EB}" presName="spaceRect" presStyleCnt="0"/>
+      <dgm:spPr/>
+    </dgm:pt>
+    <dgm:pt modelId="{F491D20F-2DD8-44D1-9BF7-A3D974B3F8FC}" type="pres">
+      <dgm:prSet presAssocID="{3A623A4B-308F-4BFE-83AD-1B377A8DB9EB}" presName="textRect" presStyleLbl="revTx" presStyleIdx="4" presStyleCnt="5">
+        <dgm:presLayoutVars>
+          <dgm:chMax val="1"/>
+          <dgm:chPref val="1"/>
+        </dgm:presLayoutVars>
+      </dgm:prSet>
+      <dgm:spPr/>
+    </dgm:pt>
+  </dgm:ptLst>
+  <dgm:cxnLst>
+    <dgm:cxn modelId="{27E9C514-CBF1-4402-9F40-D00D75B5DC88}" srcId="{334EFBAC-779F-4110-B885-F246FB396E48}" destId="{31582813-ABE7-4697-BB02-A2E6D144F457}" srcOrd="3" destOrd="0" parTransId="{23CD3126-7E4D-4827-A983-A6AEDF3A9AF6}" sibTransId="{4BB565AA-2965-4EC2-892A-BFFA0DF695E0}"/>
+    <dgm:cxn modelId="{CBA0F124-AB2C-441F-9DBF-BB4C0D6D9AA4}" type="presOf" srcId="{31582813-ABE7-4697-BB02-A2E6D144F457}" destId="{B709A65D-6AD6-4302-99CB-7E281D35E582}" srcOrd="0" destOrd="0" presId="urn:microsoft.com/office/officeart/2018/2/layout/IconCircleList"/>
+    <dgm:cxn modelId="{DCD15738-7EDE-497F-BC66-90871444A4B2}" srcId="{334EFBAC-779F-4110-B885-F246FB396E48}" destId="{A875A06D-9866-4FC8-940B-2CF2D203F9B9}" srcOrd="2" destOrd="0" parTransId="{AEEC0078-5B2A-42D7-A090-0453FFADBEA8}" sibTransId="{BF42F28D-7124-4F64-8A19-C03E4A3C8E26}"/>
+    <dgm:cxn modelId="{3FE0EA3E-849E-4C94-BE3F-C928CBA2D4E3}" type="presOf" srcId="{3A623A4B-308F-4BFE-83AD-1B377A8DB9EB}" destId="{F491D20F-2DD8-44D1-9BF7-A3D974B3F8FC}" srcOrd="0" destOrd="0" presId="urn:microsoft.com/office/officeart/2018/2/layout/IconCircleList"/>
+    <dgm:cxn modelId="{B7B86D61-8E3F-46E6-BA64-98C61AD062A7}" type="presOf" srcId="{334EFBAC-779F-4110-B885-F246FB396E48}" destId="{4213501D-4465-4025-8D72-9384652C2DA5}" srcOrd="0" destOrd="0" presId="urn:microsoft.com/office/officeart/2018/2/layout/IconCircleList"/>
+    <dgm:cxn modelId="{9CFCD749-BDB8-4D45-A3FB-08DC5E4DB0DA}" srcId="{334EFBAC-779F-4110-B885-F246FB396E48}" destId="{3A623A4B-308F-4BFE-83AD-1B377A8DB9EB}" srcOrd="4" destOrd="0" parTransId="{BD1A13B2-7A46-41E2-91BE-3C30782608DA}" sibTransId="{F9B72086-140B-475E-AFE2-FFF467274720}"/>
+    <dgm:cxn modelId="{AD1FFE79-8065-4B60-8C6A-E2B74A100B40}" type="presOf" srcId="{A875A06D-9866-4FC8-940B-2CF2D203F9B9}" destId="{4C7BD8D5-E51E-45B4-A81F-2C533AA42A71}" srcOrd="0" destOrd="0" presId="urn:microsoft.com/office/officeart/2018/2/layout/IconCircleList"/>
+    <dgm:cxn modelId="{D39D7C87-B0B8-4049-989B-8E9E06922A6F}" type="presOf" srcId="{B665AE25-1E79-4098-99C9-8ACA8E333BFC}" destId="{5DC107E2-983F-4BC4-A9F6-BB6169AE25E6}" srcOrd="0" destOrd="0" presId="urn:microsoft.com/office/officeart/2018/2/layout/IconCircleList"/>
+    <dgm:cxn modelId="{8396A29F-C665-4C0A-83F2-9F4F6BA9B9D2}" type="presOf" srcId="{DE7DCFD3-8A46-4537-970A-9D8E48C58D69}" destId="{92C39E8E-AF85-40C4-86E9-D395A7111C2E}" srcOrd="0" destOrd="0" presId="urn:microsoft.com/office/officeart/2018/2/layout/IconCircleList"/>
+    <dgm:cxn modelId="{C6E208A6-383F-467E-AAFF-9446FFE9AE10}" srcId="{334EFBAC-779F-4110-B885-F246FB396E48}" destId="{B665AE25-1E79-4098-99C9-8ACA8E333BFC}" srcOrd="1" destOrd="0" parTransId="{CC88B4C3-B45B-4E1E-9A5A-DE17FDEBF157}" sibTransId="{19274C4E-FE8E-4AF5-BB76-55638E7F831A}"/>
+    <dgm:cxn modelId="{008678AF-5100-4031-A818-A24C108F8806}" type="presOf" srcId="{BF42F28D-7124-4F64-8A19-C03E4A3C8E26}" destId="{F904EFEA-BBE7-4E0F-822D-D2A502AA05CE}" srcOrd="0" destOrd="0" presId="urn:microsoft.com/office/officeart/2018/2/layout/IconCircleList"/>
+    <dgm:cxn modelId="{A0A542B4-A2F7-4CD8-A076-8793EE3EEC37}" type="presOf" srcId="{4BB565AA-2965-4EC2-892A-BFFA0DF695E0}" destId="{5C7613B0-9E91-440A-BDE6-858C6256356E}" srcOrd="0" destOrd="0" presId="urn:microsoft.com/office/officeart/2018/2/layout/IconCircleList"/>
+    <dgm:cxn modelId="{B450CDC6-9178-4DDB-B9CA-F851DA646530}" type="presOf" srcId="{19274C4E-FE8E-4AF5-BB76-55638E7F831A}" destId="{677CF86A-B70D-4CF4-9130-C4CA98AA4683}" srcOrd="0" destOrd="0" presId="urn:microsoft.com/office/officeart/2018/2/layout/IconCircleList"/>
+    <dgm:cxn modelId="{74C2E2D5-59AB-4651-82BF-88864227542E}" type="presOf" srcId="{B520CAB7-8D9D-4BDA-BF14-F3EE432D1864}" destId="{4D2BB7B5-1CDB-49E5-9975-774AED91277E}" srcOrd="0" destOrd="0" presId="urn:microsoft.com/office/officeart/2018/2/layout/IconCircleList"/>
+    <dgm:cxn modelId="{8DE36CE4-5997-464A-A4F7-4920EABE192F}" srcId="{334EFBAC-779F-4110-B885-F246FB396E48}" destId="{DE7DCFD3-8A46-4537-970A-9D8E48C58D69}" srcOrd="0" destOrd="0" parTransId="{A039EE7F-9924-4E11-B9E8-F74E260FD61B}" sibTransId="{B520CAB7-8D9D-4BDA-BF14-F3EE432D1864}"/>
+    <dgm:cxn modelId="{391A51CF-7A07-4BE8-8515-F3A5EF0616EF}" type="presParOf" srcId="{4213501D-4465-4025-8D72-9384652C2DA5}" destId="{73C92A40-8B32-46AB-92A5-1C23B313395D}" srcOrd="0" destOrd="0" presId="urn:microsoft.com/office/officeart/2018/2/layout/IconCircleList"/>
+    <dgm:cxn modelId="{F0C1B0AD-C0EE-45DA-B077-D29B33CF96F8}" type="presParOf" srcId="{73C92A40-8B32-46AB-92A5-1C23B313395D}" destId="{2C00E64A-0756-445B-864C-1CD5EFF0CA35}" srcOrd="0" destOrd="0" presId="urn:microsoft.com/office/officeart/2018/2/layout/IconCircleList"/>
+    <dgm:cxn modelId="{A8734F42-30BA-44A4-895E-C10BA80D70D5}" type="presParOf" srcId="{2C00E64A-0756-445B-864C-1CD5EFF0CA35}" destId="{84004064-EE3C-4642-AFD7-6FEAFE97F844}" srcOrd="0" destOrd="0" presId="urn:microsoft.com/office/officeart/2018/2/layout/IconCircleList"/>
+    <dgm:cxn modelId="{99794389-B60A-4C95-B3C8-202CEA0F4A01}" type="presParOf" srcId="{2C00E64A-0756-445B-864C-1CD5EFF0CA35}" destId="{471C92E6-5824-43E3-AE78-475D299DEA32}" srcOrd="1" destOrd="0" presId="urn:microsoft.com/office/officeart/2018/2/layout/IconCircleList"/>
+    <dgm:cxn modelId="{E59E92CB-BAA4-4FB8-A217-F7A05BB6093F}" type="presParOf" srcId="{2C00E64A-0756-445B-864C-1CD5EFF0CA35}" destId="{D43A578B-E225-43E0-94D8-CD8C65D7CD1D}" srcOrd="2" destOrd="0" presId="urn:microsoft.com/office/officeart/2018/2/layout/IconCircleList"/>
+    <dgm:cxn modelId="{FC61C34D-9301-47DA-B912-24FF4499A16B}" type="presParOf" srcId="{2C00E64A-0756-445B-864C-1CD5EFF0CA35}" destId="{92C39E8E-AF85-40C4-86E9-D395A7111C2E}" srcOrd="3" destOrd="0" presId="urn:microsoft.com/office/officeart/2018/2/layout/IconCircleList"/>
+    <dgm:cxn modelId="{406AA566-6F2B-4AA0-8B21-8904EDBBC4DF}" type="presParOf" srcId="{73C92A40-8B32-46AB-92A5-1C23B313395D}" destId="{4D2BB7B5-1CDB-49E5-9975-774AED91277E}" srcOrd="1" destOrd="0" presId="urn:microsoft.com/office/officeart/2018/2/layout/IconCircleList"/>
+    <dgm:cxn modelId="{5CE789E7-408B-4E6D-8DE5-064F07677837}" type="presParOf" srcId="{73C92A40-8B32-46AB-92A5-1C23B313395D}" destId="{74426187-EDEB-43DB-AEA3-F3D9BCC2E163}" srcOrd="2" destOrd="0" presId="urn:microsoft.com/office/officeart/2018/2/layout/IconCircleList"/>
+    <dgm:cxn modelId="{CD532F10-6F7B-41FB-880F-7BE658E69BCD}" type="presParOf" srcId="{74426187-EDEB-43DB-AEA3-F3D9BCC2E163}" destId="{F8F1E723-136F-45C3-92E6-D030CFA42C7B}" srcOrd="0" destOrd="0" presId="urn:microsoft.com/office/officeart/2018/2/layout/IconCircleList"/>
+    <dgm:cxn modelId="{68C65E5B-B26D-4BF2-8923-B4B3D161386A}" type="presParOf" srcId="{74426187-EDEB-43DB-AEA3-F3D9BCC2E163}" destId="{2DAAF52B-E2E7-4CFB-9F8A-60DE3C312A00}" srcOrd="1" destOrd="0" presId="urn:microsoft.com/office/officeart/2018/2/layout/IconCircleList"/>
+    <dgm:cxn modelId="{974CB3C4-AA2D-4765-84F0-795AC20F5051}" type="presParOf" srcId="{74426187-EDEB-43DB-AEA3-F3D9BCC2E163}" destId="{033B3B7E-0D50-4694-9704-9C6F8965C2B2}" srcOrd="2" destOrd="0" presId="urn:microsoft.com/office/officeart/2018/2/layout/IconCircleList"/>
+    <dgm:cxn modelId="{4ABE68E2-5C75-4632-88DE-4882420DBC85}" type="presParOf" srcId="{74426187-EDEB-43DB-AEA3-F3D9BCC2E163}" destId="{5DC107E2-983F-4BC4-A9F6-BB6169AE25E6}" srcOrd="3" destOrd="0" presId="urn:microsoft.com/office/officeart/2018/2/layout/IconCircleList"/>
+    <dgm:cxn modelId="{6AE4A014-E742-4D9B-9CED-D44F9FB8F973}" type="presParOf" srcId="{73C92A40-8B32-46AB-92A5-1C23B313395D}" destId="{677CF86A-B70D-4CF4-9130-C4CA98AA4683}" srcOrd="3" destOrd="0" presId="urn:microsoft.com/office/officeart/2018/2/layout/IconCircleList"/>
+    <dgm:cxn modelId="{2F019E6F-D241-4181-BF00-7EA38A900EE5}" type="presParOf" srcId="{73C92A40-8B32-46AB-92A5-1C23B313395D}" destId="{DB264BF2-60AB-456D-951F-F8AE7C210C3C}" srcOrd="4" destOrd="0" presId="urn:microsoft.com/office/officeart/2018/2/layout/IconCircleList"/>
+    <dgm:cxn modelId="{6A06104A-BBA0-43E7-A8C5-FE8AF9626C28}" type="presParOf" srcId="{DB264BF2-60AB-456D-951F-F8AE7C210C3C}" destId="{E4CD4E24-ED62-4944-B54F-2E1ADC539104}" srcOrd="0" destOrd="0" presId="urn:microsoft.com/office/officeart/2018/2/layout/IconCircleList"/>
+    <dgm:cxn modelId="{4BEEE23F-1CEF-4B84-B6F0-CD4CB89216F1}" type="presParOf" srcId="{DB264BF2-60AB-456D-951F-F8AE7C210C3C}" destId="{00286DCA-2918-4831-90C6-E1F4D173A9F8}" srcOrd="1" destOrd="0" presId="urn:microsoft.com/office/officeart/2018/2/layout/IconCircleList"/>
+    <dgm:cxn modelId="{E9889D96-E484-4326-8BA5-D8FE663E43B2}" type="presParOf" srcId="{DB264BF2-60AB-456D-951F-F8AE7C210C3C}" destId="{48068E8A-E8BF-4B00-A7E8-1DFB183601D1}" srcOrd="2" destOrd="0" presId="urn:microsoft.com/office/officeart/2018/2/layout/IconCircleList"/>
+    <dgm:cxn modelId="{6D180DB2-1073-4444-9A4F-B77F336224EF}" type="presParOf" srcId="{DB264BF2-60AB-456D-951F-F8AE7C210C3C}" destId="{4C7BD8D5-E51E-45B4-A81F-2C533AA42A71}" srcOrd="3" destOrd="0" presId="urn:microsoft.com/office/officeart/2018/2/layout/IconCircleList"/>
+    <dgm:cxn modelId="{7D479711-EEE1-4935-A336-8ACE7B33152C}" type="presParOf" srcId="{73C92A40-8B32-46AB-92A5-1C23B313395D}" destId="{F904EFEA-BBE7-4E0F-822D-D2A502AA05CE}" srcOrd="5" destOrd="0" presId="urn:microsoft.com/office/officeart/2018/2/layout/IconCircleList"/>
+    <dgm:cxn modelId="{5B91EDFB-E729-4E25-9445-E451197743F5}" type="presParOf" srcId="{73C92A40-8B32-46AB-92A5-1C23B313395D}" destId="{8E3E9B7D-0C3F-4CAC-9E4C-2B201E6B8F46}" srcOrd="6" destOrd="0" presId="urn:microsoft.com/office/officeart/2018/2/layout/IconCircleList"/>
+    <dgm:cxn modelId="{C5FA8853-D96D-41A9-8430-1D44EA6E351B}" type="presParOf" srcId="{8E3E9B7D-0C3F-4CAC-9E4C-2B201E6B8F46}" destId="{88EA4729-2919-4377-BB41-3DCA7380CBCD}" srcOrd="0" destOrd="0" presId="urn:microsoft.com/office/officeart/2018/2/layout/IconCircleList"/>
+    <dgm:cxn modelId="{58F0B484-8E90-4C89-BCB9-94E298D33C14}" type="presParOf" srcId="{8E3E9B7D-0C3F-4CAC-9E4C-2B201E6B8F46}" destId="{1C932C70-EB4F-4FB3-B6FD-AFFEE8B39C53}" srcOrd="1" destOrd="0" presId="urn:microsoft.com/office/officeart/2018/2/layout/IconCircleList"/>
+    <dgm:cxn modelId="{B3FFAF57-625F-4AEB-BE13-30523AE95548}" type="presParOf" srcId="{8E3E9B7D-0C3F-4CAC-9E4C-2B201E6B8F46}" destId="{258818F6-225A-43F2-962E-490490E367D8}" srcOrd="2" destOrd="0" presId="urn:microsoft.com/office/officeart/2018/2/layout/IconCircleList"/>
+    <dgm:cxn modelId="{4ADFB029-A0B7-4923-B846-65BC4E384C2C}" type="presParOf" srcId="{8E3E9B7D-0C3F-4CAC-9E4C-2B201E6B8F46}" destId="{B709A65D-6AD6-4302-99CB-7E281D35E582}" srcOrd="3" destOrd="0" presId="urn:microsoft.com/office/officeart/2018/2/layout/IconCircleList"/>
+    <dgm:cxn modelId="{2500DFB3-CB0A-40E6-B01C-E5AEB857DEC4}" type="presParOf" srcId="{73C92A40-8B32-46AB-92A5-1C23B313395D}" destId="{5C7613B0-9E91-440A-BDE6-858C6256356E}" srcOrd="7" destOrd="0" presId="urn:microsoft.com/office/officeart/2018/2/layout/IconCircleList"/>
+    <dgm:cxn modelId="{5130081C-9A6C-41E7-BB6B-E62BD93D3FB5}" type="presParOf" srcId="{73C92A40-8B32-46AB-92A5-1C23B313395D}" destId="{1F97E715-CA4C-4D89-9B22-566836C47538}" srcOrd="8" destOrd="0" presId="urn:microsoft.com/office/officeart/2018/2/layout/IconCircleList"/>
+    <dgm:cxn modelId="{9E85B652-3CC1-4C78-812A-E436598EA079}" type="presParOf" srcId="{1F97E715-CA4C-4D89-9B22-566836C47538}" destId="{B3A2C851-F08F-4446-B550-E1E328CC00CB}" srcOrd="0" destOrd="0" presId="urn:microsoft.com/office/officeart/2018/2/layout/IconCircleList"/>
+    <dgm:cxn modelId="{B18063C4-B12D-4B83-9980-0E7C3E6E9FE6}" type="presParOf" srcId="{1F97E715-CA4C-4D89-9B22-566836C47538}" destId="{CABC3612-BB87-4EE9-A0C4-7795DCEB44A4}" srcOrd="1" destOrd="0" presId="urn:microsoft.com/office/officeart/2018/2/layout/IconCircleList"/>
+    <dgm:cxn modelId="{96C303FE-CCB3-4A5A-805C-A8404DA2D1C3}" type="presParOf" srcId="{1F97E715-CA4C-4D89-9B22-566836C47538}" destId="{60AC5F38-4FC6-449E-A3D6-1E22CF07906F}" srcOrd="2" destOrd="0" presId="urn:microsoft.com/office/officeart/2018/2/layout/IconCircleList"/>
+    <dgm:cxn modelId="{14BAFBB8-D16E-4877-8E99-EE3610715999}" type="presParOf" srcId="{1F97E715-CA4C-4D89-9B22-566836C47538}" destId="{F491D20F-2DD8-44D1-9BF7-A3D974B3F8FC}" srcOrd="3" destOrd="0" presId="urn:microsoft.com/office/officeart/2018/2/layout/IconCircleList"/>
+  </dgm:cxnLst>
+  <dgm:bg/>
+  <dgm:whole/>
+  <dgm:extLst>
+    <a:ext uri="http://schemas.microsoft.com/office/drawing/2008/diagram">
+      <dsp:dataModelExt xmlns:dsp="http://schemas.microsoft.com/office/drawing/2008/diagram" relId="rId8" minVer="http://schemas.openxmlformats.org/drawingml/2006/diagram"/>
+    </a:ext>
+  </dgm:extLst>
+</dgm:dataModel>
+</file>
+
+<file path=ppt/diagrams/data3.xml><?xml version="1.0" encoding="utf-8"?>
 <dgm:dataModel xmlns:dgm="http://schemas.openxmlformats.org/drawingml/2006/diagram" xmlns:a="http://schemas.openxmlformats.org/drawingml/2006/main">
   <dgm:ptLst>
     <dgm:pt modelId="{82983FDC-10EB-43E2-B19C-C2FF013643FC}" type="doc">
@@ -2969,8 +4288,8 @@
             <a:buNone/>
           </a:pPr>
           <a:r>
-            <a:rPr lang="en-US" sz="4900" kern="1200"/>
-            <a:t>3- Abdelrahman Masoud</a:t>
+            <a:rPr lang="en-US" sz="4900" kern="1200" dirty="0"/>
+            <a:t>3- Abdelrahman Mostafa</a:t>
           </a:r>
         </a:p>
       </dsp:txBody>
@@ -3078,8 +4397,16 @@
             <a:buNone/>
           </a:pPr>
           <a:r>
-            <a:rPr lang="en-US" sz="4900" kern="1200"/>
-            <a:t>Instructor Dr.Amal Mahmoud</a:t>
+            <a:rPr lang="en-US" sz="4900" kern="1200" dirty="0"/>
+            <a:t>Supervised by : </a:t>
+          </a:r>
+          <a:r>
+            <a:rPr lang="en-US" sz="4900" kern="1200" dirty="0" err="1"/>
+            <a:t>Dr.Amal</a:t>
+          </a:r>
+          <a:r>
+            <a:rPr lang="en-US" sz="4900" kern="1200" dirty="0"/>
+            <a:t> Mahmoud</a:t>
           </a:r>
         </a:p>
       </dsp:txBody>
@@ -3093,6 +4420,803 @@
 </file>
 
 <file path=ppt/diagrams/drawing2.xml><?xml version="1.0" encoding="utf-8"?>
+<dsp:drawing xmlns:dgm="http://schemas.openxmlformats.org/drawingml/2006/diagram" xmlns:dsp="http://schemas.microsoft.com/office/drawing/2008/diagram" xmlns:a="http://schemas.openxmlformats.org/drawingml/2006/main">
+  <dsp:spTree>
+    <dsp:nvGrpSpPr>
+      <dsp:cNvPr id="0" name=""/>
+      <dsp:cNvGrpSpPr/>
+    </dsp:nvGrpSpPr>
+    <dsp:grpSpPr/>
+    <dsp:sp modelId="{84004064-EE3C-4642-AFD7-6FEAFE97F844}">
+      <dsp:nvSpPr>
+        <dsp:cNvPr id="0" name=""/>
+        <dsp:cNvSpPr/>
+      </dsp:nvSpPr>
+      <dsp:spPr>
+        <a:xfrm>
+          <a:off x="97574" y="89696"/>
+          <a:ext cx="1522822" cy="1522822"/>
+        </a:xfrm>
+        <a:prstGeom prst="ellipse">
+          <a:avLst/>
+        </a:prstGeom>
+        <a:solidFill>
+          <a:schemeClr val="accent1">
+            <a:tint val="40000"/>
+            <a:hueOff val="0"/>
+            <a:satOff val="0"/>
+            <a:lumOff val="0"/>
+            <a:alphaOff val="0"/>
+          </a:schemeClr>
+        </a:solidFill>
+        <a:ln>
+          <a:noFill/>
+        </a:ln>
+        <a:effectLst/>
+      </dsp:spPr>
+      <dsp:style>
+        <a:lnRef idx="0">
+          <a:scrgbClr r="0" g="0" b="0"/>
+        </a:lnRef>
+        <a:fillRef idx="1">
+          <a:scrgbClr r="0" g="0" b="0"/>
+        </a:fillRef>
+        <a:effectRef idx="0">
+          <a:scrgbClr r="0" g="0" b="0"/>
+        </a:effectRef>
+        <a:fontRef idx="minor"/>
+      </dsp:style>
+    </dsp:sp>
+    <dsp:sp modelId="{471C92E6-5824-43E3-AE78-475D299DEA32}">
+      <dsp:nvSpPr>
+        <dsp:cNvPr id="0" name=""/>
+        <dsp:cNvSpPr/>
+      </dsp:nvSpPr>
+      <dsp:spPr>
+        <a:xfrm>
+          <a:off x="417366" y="409489"/>
+          <a:ext cx="883237" cy="883237"/>
+        </a:xfrm>
+        <a:prstGeom prst="rect">
+          <a:avLst/>
+        </a:prstGeom>
+        <a:blipFill>
+          <a:blip xmlns:r="http://schemas.openxmlformats.org/officeDocument/2006/relationships" r:embed="rId1">
+            <a:extLst>
+              <a:ext uri="{28A0092B-C50C-407E-A947-70E740481C1C}">
+                <a14:useLocalDpi xmlns:a14="http://schemas.microsoft.com/office/drawing/2010/main" val="0"/>
+              </a:ext>
+              <a:ext uri="{96DAC541-7B7A-43D3-8B79-37D633B846F1}">
+                <asvg:svgBlip xmlns:asvg="http://schemas.microsoft.com/office/drawing/2016/SVG/main" r:embed="rId2"/>
+              </a:ext>
+            </a:extLst>
+          </a:blip>
+          <a:stretch>
+            <a:fillRect/>
+          </a:stretch>
+        </a:blipFill>
+        <a:ln w="25400" cap="flat" cmpd="sng" algn="ctr">
+          <a:solidFill>
+            <a:schemeClr val="lt1">
+              <a:hueOff val="0"/>
+              <a:satOff val="0"/>
+              <a:lumOff val="0"/>
+              <a:alphaOff val="0"/>
+            </a:schemeClr>
+          </a:solidFill>
+          <a:prstDash val="solid"/>
+        </a:ln>
+        <a:effectLst/>
+      </dsp:spPr>
+      <dsp:style>
+        <a:lnRef idx="2">
+          <a:scrgbClr r="0" g="0" b="0"/>
+        </a:lnRef>
+        <a:fillRef idx="1">
+          <a:scrgbClr r="0" g="0" b="0"/>
+        </a:fillRef>
+        <a:effectRef idx="0">
+          <a:scrgbClr r="0" g="0" b="0"/>
+        </a:effectRef>
+        <a:fontRef idx="minor">
+          <a:schemeClr val="lt1"/>
+        </a:fontRef>
+      </dsp:style>
+    </dsp:sp>
+    <dsp:sp modelId="{92C39E8E-AF85-40C4-86E9-D395A7111C2E}">
+      <dsp:nvSpPr>
+        <dsp:cNvPr id="0" name=""/>
+        <dsp:cNvSpPr/>
+      </dsp:nvSpPr>
+      <dsp:spPr>
+        <a:xfrm>
+          <a:off x="1946716" y="89696"/>
+          <a:ext cx="3589510" cy="1522822"/>
+        </a:xfrm>
+        <a:prstGeom prst="rect">
+          <a:avLst/>
+        </a:prstGeom>
+        <a:noFill/>
+        <a:ln>
+          <a:noFill/>
+        </a:ln>
+        <a:effectLst/>
+      </dsp:spPr>
+      <dsp:style>
+        <a:lnRef idx="0">
+          <a:scrgbClr r="0" g="0" b="0"/>
+        </a:lnRef>
+        <a:fillRef idx="0">
+          <a:scrgbClr r="0" g="0" b="0"/>
+        </a:fillRef>
+        <a:effectRef idx="0">
+          <a:scrgbClr r="0" g="0" b="0"/>
+        </a:effectRef>
+        <a:fontRef idx="minor"/>
+      </dsp:style>
+      <dsp:txBody>
+        <a:bodyPr spcFirstLastPara="0" vert="horz" wrap="square" lIns="0" tIns="0" rIns="0" bIns="0" numCol="1" spcCol="1270" anchor="ctr" anchorCtr="0">
+          <a:noAutofit/>
+        </a:bodyPr>
+        <a:lstStyle/>
+        <a:p>
+          <a:pPr marL="0" lvl="0" indent="0" algn="l" defTabSz="800100">
+            <a:lnSpc>
+              <a:spcPct val="100000"/>
+            </a:lnSpc>
+            <a:spcBef>
+              <a:spcPct val="0"/>
+            </a:spcBef>
+            <a:spcAft>
+              <a:spcPct val="35000"/>
+            </a:spcAft>
+            <a:buNone/>
+          </a:pPr>
+          <a:r>
+            <a:rPr lang="en-CA" sz="1800" b="1" kern="1200"/>
+            <a:t>Analyze HR data to identify trends that contribute to employee retention and satisfaction, providing actionable insights to improve employee engagement.</a:t>
+          </a:r>
+          <a:endParaRPr lang="en-US" sz="1800" b="1" kern="1200"/>
+        </a:p>
+      </dsp:txBody>
+      <dsp:txXfrm>
+        <a:off x="1946716" y="89696"/>
+        <a:ext cx="3589510" cy="1522822"/>
+      </dsp:txXfrm>
+    </dsp:sp>
+    <dsp:sp modelId="{F8F1E723-136F-45C3-92E6-D030CFA42C7B}">
+      <dsp:nvSpPr>
+        <dsp:cNvPr id="0" name=""/>
+        <dsp:cNvSpPr/>
+      </dsp:nvSpPr>
+      <dsp:spPr>
+        <a:xfrm>
+          <a:off x="6161672" y="89696"/>
+          <a:ext cx="1522822" cy="1522822"/>
+        </a:xfrm>
+        <a:prstGeom prst="ellipse">
+          <a:avLst/>
+        </a:prstGeom>
+        <a:solidFill>
+          <a:schemeClr val="accent1">
+            <a:tint val="40000"/>
+            <a:hueOff val="0"/>
+            <a:satOff val="0"/>
+            <a:lumOff val="0"/>
+            <a:alphaOff val="0"/>
+          </a:schemeClr>
+        </a:solidFill>
+        <a:ln>
+          <a:noFill/>
+        </a:ln>
+        <a:effectLst/>
+      </dsp:spPr>
+      <dsp:style>
+        <a:lnRef idx="0">
+          <a:scrgbClr r="0" g="0" b="0"/>
+        </a:lnRef>
+        <a:fillRef idx="1">
+          <a:scrgbClr r="0" g="0" b="0"/>
+        </a:fillRef>
+        <a:effectRef idx="0">
+          <a:scrgbClr r="0" g="0" b="0"/>
+        </a:effectRef>
+        <a:fontRef idx="minor"/>
+      </dsp:style>
+    </dsp:sp>
+    <dsp:sp modelId="{2DAAF52B-E2E7-4CFB-9F8A-60DE3C312A00}">
+      <dsp:nvSpPr>
+        <dsp:cNvPr id="0" name=""/>
+        <dsp:cNvSpPr/>
+      </dsp:nvSpPr>
+      <dsp:spPr>
+        <a:xfrm>
+          <a:off x="6481464" y="409489"/>
+          <a:ext cx="883237" cy="883237"/>
+        </a:xfrm>
+        <a:prstGeom prst="rect">
+          <a:avLst/>
+        </a:prstGeom>
+        <a:blipFill>
+          <a:blip xmlns:r="http://schemas.openxmlformats.org/officeDocument/2006/relationships" r:embed="rId3">
+            <a:extLst>
+              <a:ext uri="{28A0092B-C50C-407E-A947-70E740481C1C}">
+                <a14:useLocalDpi xmlns:a14="http://schemas.microsoft.com/office/drawing/2010/main" val="0"/>
+              </a:ext>
+              <a:ext uri="{96DAC541-7B7A-43D3-8B79-37D633B846F1}">
+                <asvg:svgBlip xmlns:asvg="http://schemas.microsoft.com/office/drawing/2016/SVG/main" r:embed="rId4"/>
+              </a:ext>
+            </a:extLst>
+          </a:blip>
+          <a:stretch>
+            <a:fillRect/>
+          </a:stretch>
+        </a:blipFill>
+        <a:ln w="25400" cap="flat" cmpd="sng" algn="ctr">
+          <a:solidFill>
+            <a:schemeClr val="lt1">
+              <a:hueOff val="0"/>
+              <a:satOff val="0"/>
+              <a:lumOff val="0"/>
+              <a:alphaOff val="0"/>
+            </a:schemeClr>
+          </a:solidFill>
+          <a:prstDash val="solid"/>
+        </a:ln>
+        <a:effectLst/>
+      </dsp:spPr>
+      <dsp:style>
+        <a:lnRef idx="2">
+          <a:scrgbClr r="0" g="0" b="0"/>
+        </a:lnRef>
+        <a:fillRef idx="1">
+          <a:scrgbClr r="0" g="0" b="0"/>
+        </a:fillRef>
+        <a:effectRef idx="0">
+          <a:scrgbClr r="0" g="0" b="0"/>
+        </a:effectRef>
+        <a:fontRef idx="minor">
+          <a:schemeClr val="lt1"/>
+        </a:fontRef>
+      </dsp:style>
+    </dsp:sp>
+    <dsp:sp modelId="{5DC107E2-983F-4BC4-A9F6-BB6169AE25E6}">
+      <dsp:nvSpPr>
+        <dsp:cNvPr id="0" name=""/>
+        <dsp:cNvSpPr/>
+      </dsp:nvSpPr>
+      <dsp:spPr>
+        <a:xfrm>
+          <a:off x="8010813" y="89696"/>
+          <a:ext cx="3589510" cy="1522822"/>
+        </a:xfrm>
+        <a:prstGeom prst="rect">
+          <a:avLst/>
+        </a:prstGeom>
+        <a:noFill/>
+        <a:ln>
+          <a:noFill/>
+        </a:ln>
+        <a:effectLst/>
+      </dsp:spPr>
+      <dsp:style>
+        <a:lnRef idx="0">
+          <a:scrgbClr r="0" g="0" b="0"/>
+        </a:lnRef>
+        <a:fillRef idx="0">
+          <a:scrgbClr r="0" g="0" b="0"/>
+        </a:fillRef>
+        <a:effectRef idx="0">
+          <a:scrgbClr r="0" g="0" b="0"/>
+        </a:effectRef>
+        <a:fontRef idx="minor"/>
+      </dsp:style>
+      <dsp:txBody>
+        <a:bodyPr spcFirstLastPara="0" vert="horz" wrap="square" lIns="0" tIns="0" rIns="0" bIns="0" numCol="1" spcCol="1270" anchor="ctr" anchorCtr="0">
+          <a:noAutofit/>
+        </a:bodyPr>
+        <a:lstStyle/>
+        <a:p>
+          <a:pPr marL="0" lvl="0" indent="0" algn="l" defTabSz="800100">
+            <a:lnSpc>
+              <a:spcPct val="100000"/>
+            </a:lnSpc>
+            <a:spcBef>
+              <a:spcPct val="0"/>
+            </a:spcBef>
+            <a:spcAft>
+              <a:spcPct val="35000"/>
+            </a:spcAft>
+            <a:buNone/>
+          </a:pPr>
+          <a:r>
+            <a:rPr lang="en-CA" sz="1800" b="1" kern="1200" dirty="0"/>
+            <a:t>Utilize HR data to recommend informed decisions on promotions and salary adjustments, ensuring equitable outcomes for all employees.</a:t>
+          </a:r>
+          <a:endParaRPr lang="en-US" sz="1800" b="1" kern="1200" dirty="0"/>
+        </a:p>
+      </dsp:txBody>
+      <dsp:txXfrm>
+        <a:off x="8010813" y="89696"/>
+        <a:ext cx="3589510" cy="1522822"/>
+      </dsp:txXfrm>
+    </dsp:sp>
+    <dsp:sp modelId="{E4CD4E24-ED62-4944-B54F-2E1ADC539104}">
+      <dsp:nvSpPr>
+        <dsp:cNvPr id="0" name=""/>
+        <dsp:cNvSpPr/>
+      </dsp:nvSpPr>
+      <dsp:spPr>
+        <a:xfrm>
+          <a:off x="97574" y="2835453"/>
+          <a:ext cx="1522822" cy="1522822"/>
+        </a:xfrm>
+        <a:prstGeom prst="ellipse">
+          <a:avLst/>
+        </a:prstGeom>
+        <a:solidFill>
+          <a:schemeClr val="accent1">
+            <a:tint val="40000"/>
+            <a:hueOff val="0"/>
+            <a:satOff val="0"/>
+            <a:lumOff val="0"/>
+            <a:alphaOff val="0"/>
+          </a:schemeClr>
+        </a:solidFill>
+        <a:ln>
+          <a:noFill/>
+        </a:ln>
+        <a:effectLst/>
+      </dsp:spPr>
+      <dsp:style>
+        <a:lnRef idx="0">
+          <a:scrgbClr r="0" g="0" b="0"/>
+        </a:lnRef>
+        <a:fillRef idx="1">
+          <a:scrgbClr r="0" g="0" b="0"/>
+        </a:fillRef>
+        <a:effectRef idx="0">
+          <a:scrgbClr r="0" g="0" b="0"/>
+        </a:effectRef>
+        <a:fontRef idx="minor"/>
+      </dsp:style>
+    </dsp:sp>
+    <dsp:sp modelId="{00286DCA-2918-4831-90C6-E1F4D173A9F8}">
+      <dsp:nvSpPr>
+        <dsp:cNvPr id="0" name=""/>
+        <dsp:cNvSpPr/>
+      </dsp:nvSpPr>
+      <dsp:spPr>
+        <a:xfrm>
+          <a:off x="417366" y="3155246"/>
+          <a:ext cx="883237" cy="883237"/>
+        </a:xfrm>
+        <a:prstGeom prst="rect">
+          <a:avLst/>
+        </a:prstGeom>
+        <a:blipFill>
+          <a:blip xmlns:r="http://schemas.openxmlformats.org/officeDocument/2006/relationships" r:embed="rId5">
+            <a:extLst>
+              <a:ext uri="{28A0092B-C50C-407E-A947-70E740481C1C}">
+                <a14:useLocalDpi xmlns:a14="http://schemas.microsoft.com/office/drawing/2010/main" val="0"/>
+              </a:ext>
+              <a:ext uri="{96DAC541-7B7A-43D3-8B79-37D633B846F1}">
+                <asvg:svgBlip xmlns:asvg="http://schemas.microsoft.com/office/drawing/2016/SVG/main" r:embed="rId6"/>
+              </a:ext>
+            </a:extLst>
+          </a:blip>
+          <a:stretch>
+            <a:fillRect/>
+          </a:stretch>
+        </a:blipFill>
+        <a:ln w="25400" cap="flat" cmpd="sng" algn="ctr">
+          <a:solidFill>
+            <a:schemeClr val="lt1">
+              <a:hueOff val="0"/>
+              <a:satOff val="0"/>
+              <a:lumOff val="0"/>
+              <a:alphaOff val="0"/>
+            </a:schemeClr>
+          </a:solidFill>
+          <a:prstDash val="solid"/>
+        </a:ln>
+        <a:effectLst/>
+      </dsp:spPr>
+      <dsp:style>
+        <a:lnRef idx="2">
+          <a:scrgbClr r="0" g="0" b="0"/>
+        </a:lnRef>
+        <a:fillRef idx="1">
+          <a:scrgbClr r="0" g="0" b="0"/>
+        </a:fillRef>
+        <a:effectRef idx="0">
+          <a:scrgbClr r="0" g="0" b="0"/>
+        </a:effectRef>
+        <a:fontRef idx="minor">
+          <a:schemeClr val="lt1"/>
+        </a:fontRef>
+      </dsp:style>
+    </dsp:sp>
+    <dsp:sp modelId="{4C7BD8D5-E51E-45B4-A81F-2C533AA42A71}">
+      <dsp:nvSpPr>
+        <dsp:cNvPr id="0" name=""/>
+        <dsp:cNvSpPr/>
+      </dsp:nvSpPr>
+      <dsp:spPr>
+        <a:xfrm>
+          <a:off x="1946716" y="2835453"/>
+          <a:ext cx="3589510" cy="1522822"/>
+        </a:xfrm>
+        <a:prstGeom prst="rect">
+          <a:avLst/>
+        </a:prstGeom>
+        <a:noFill/>
+        <a:ln>
+          <a:noFill/>
+        </a:ln>
+        <a:effectLst/>
+      </dsp:spPr>
+      <dsp:style>
+        <a:lnRef idx="0">
+          <a:scrgbClr r="0" g="0" b="0"/>
+        </a:lnRef>
+        <a:fillRef idx="0">
+          <a:scrgbClr r="0" g="0" b="0"/>
+        </a:fillRef>
+        <a:effectRef idx="0">
+          <a:scrgbClr r="0" g="0" b="0"/>
+        </a:effectRef>
+        <a:fontRef idx="minor"/>
+      </dsp:style>
+      <dsp:txBody>
+        <a:bodyPr spcFirstLastPara="0" vert="horz" wrap="square" lIns="0" tIns="0" rIns="0" bIns="0" numCol="1" spcCol="1270" anchor="ctr" anchorCtr="0">
+          <a:noAutofit/>
+        </a:bodyPr>
+        <a:lstStyle/>
+        <a:p>
+          <a:pPr marL="0" lvl="0" indent="0" algn="l" defTabSz="800100">
+            <a:lnSpc>
+              <a:spcPct val="100000"/>
+            </a:lnSpc>
+            <a:spcBef>
+              <a:spcPct val="0"/>
+            </a:spcBef>
+            <a:spcAft>
+              <a:spcPct val="35000"/>
+            </a:spcAft>
+            <a:buNone/>
+          </a:pPr>
+          <a:r>
+            <a:rPr lang="en-CA" sz="1800" b="1" kern="1200"/>
+            <a:t>Leverage HR insights to assess and improve workplace fairness and productivity, supporting the development of better policies and practices</a:t>
+          </a:r>
+          <a:endParaRPr lang="en-US" sz="1800" b="1" kern="1200"/>
+        </a:p>
+      </dsp:txBody>
+      <dsp:txXfrm>
+        <a:off x="1946716" y="2835453"/>
+        <a:ext cx="3589510" cy="1522822"/>
+      </dsp:txXfrm>
+    </dsp:sp>
+    <dsp:sp modelId="{88EA4729-2919-4377-BB41-3DCA7380CBCD}">
+      <dsp:nvSpPr>
+        <dsp:cNvPr id="0" name=""/>
+        <dsp:cNvSpPr/>
+      </dsp:nvSpPr>
+      <dsp:spPr>
+        <a:xfrm>
+          <a:off x="6161672" y="2835453"/>
+          <a:ext cx="1522822" cy="1522822"/>
+        </a:xfrm>
+        <a:prstGeom prst="ellipse">
+          <a:avLst/>
+        </a:prstGeom>
+        <a:solidFill>
+          <a:schemeClr val="accent1">
+            <a:tint val="40000"/>
+            <a:hueOff val="0"/>
+            <a:satOff val="0"/>
+            <a:lumOff val="0"/>
+            <a:alphaOff val="0"/>
+          </a:schemeClr>
+        </a:solidFill>
+        <a:ln>
+          <a:noFill/>
+        </a:ln>
+        <a:effectLst/>
+      </dsp:spPr>
+      <dsp:style>
+        <a:lnRef idx="0">
+          <a:scrgbClr r="0" g="0" b="0"/>
+        </a:lnRef>
+        <a:fillRef idx="1">
+          <a:scrgbClr r="0" g="0" b="0"/>
+        </a:fillRef>
+        <a:effectRef idx="0">
+          <a:scrgbClr r="0" g="0" b="0"/>
+        </a:effectRef>
+        <a:fontRef idx="minor"/>
+      </dsp:style>
+    </dsp:sp>
+    <dsp:sp modelId="{1C932C70-EB4F-4FB3-B6FD-AFFEE8B39C53}">
+      <dsp:nvSpPr>
+        <dsp:cNvPr id="0" name=""/>
+        <dsp:cNvSpPr/>
+      </dsp:nvSpPr>
+      <dsp:spPr>
+        <a:xfrm>
+          <a:off x="6481464" y="3155246"/>
+          <a:ext cx="883237" cy="883237"/>
+        </a:xfrm>
+        <a:prstGeom prst="rect">
+          <a:avLst/>
+        </a:prstGeom>
+        <a:blipFill>
+          <a:blip xmlns:r="http://schemas.openxmlformats.org/officeDocument/2006/relationships" r:embed="rId7">
+            <a:extLst>
+              <a:ext uri="{28A0092B-C50C-407E-A947-70E740481C1C}">
+                <a14:useLocalDpi xmlns:a14="http://schemas.microsoft.com/office/drawing/2010/main" val="0"/>
+              </a:ext>
+              <a:ext uri="{96DAC541-7B7A-43D3-8B79-37D633B846F1}">
+                <asvg:svgBlip xmlns:asvg="http://schemas.microsoft.com/office/drawing/2016/SVG/main" r:embed="rId8"/>
+              </a:ext>
+            </a:extLst>
+          </a:blip>
+          <a:stretch>
+            <a:fillRect/>
+          </a:stretch>
+        </a:blipFill>
+        <a:ln w="25400" cap="flat" cmpd="sng" algn="ctr">
+          <a:solidFill>
+            <a:schemeClr val="lt1">
+              <a:hueOff val="0"/>
+              <a:satOff val="0"/>
+              <a:lumOff val="0"/>
+              <a:alphaOff val="0"/>
+            </a:schemeClr>
+          </a:solidFill>
+          <a:prstDash val="solid"/>
+        </a:ln>
+        <a:effectLst/>
+      </dsp:spPr>
+      <dsp:style>
+        <a:lnRef idx="2">
+          <a:scrgbClr r="0" g="0" b="0"/>
+        </a:lnRef>
+        <a:fillRef idx="1">
+          <a:scrgbClr r="0" g="0" b="0"/>
+        </a:fillRef>
+        <a:effectRef idx="0">
+          <a:scrgbClr r="0" g="0" b="0"/>
+        </a:effectRef>
+        <a:fontRef idx="minor">
+          <a:schemeClr val="lt1"/>
+        </a:fontRef>
+      </dsp:style>
+    </dsp:sp>
+    <dsp:sp modelId="{B709A65D-6AD6-4302-99CB-7E281D35E582}">
+      <dsp:nvSpPr>
+        <dsp:cNvPr id="0" name=""/>
+        <dsp:cNvSpPr/>
+      </dsp:nvSpPr>
+      <dsp:spPr>
+        <a:xfrm>
+          <a:off x="8010813" y="2835453"/>
+          <a:ext cx="3589510" cy="1522822"/>
+        </a:xfrm>
+        <a:prstGeom prst="rect">
+          <a:avLst/>
+        </a:prstGeom>
+        <a:noFill/>
+        <a:ln>
+          <a:noFill/>
+        </a:ln>
+        <a:effectLst/>
+      </dsp:spPr>
+      <dsp:style>
+        <a:lnRef idx="0">
+          <a:scrgbClr r="0" g="0" b="0"/>
+        </a:lnRef>
+        <a:fillRef idx="0">
+          <a:scrgbClr r="0" g="0" b="0"/>
+        </a:fillRef>
+        <a:effectRef idx="0">
+          <a:scrgbClr r="0" g="0" b="0"/>
+        </a:effectRef>
+        <a:fontRef idx="minor"/>
+      </dsp:style>
+      <dsp:txBody>
+        <a:bodyPr spcFirstLastPara="0" vert="horz" wrap="square" lIns="0" tIns="0" rIns="0" bIns="0" numCol="1" spcCol="1270" anchor="ctr" anchorCtr="0">
+          <a:noAutofit/>
+        </a:bodyPr>
+        <a:lstStyle/>
+        <a:p>
+          <a:pPr marL="0" lvl="0" indent="0" algn="l" defTabSz="800100">
+            <a:lnSpc>
+              <a:spcPct val="100000"/>
+            </a:lnSpc>
+            <a:spcBef>
+              <a:spcPct val="0"/>
+            </a:spcBef>
+            <a:spcAft>
+              <a:spcPct val="35000"/>
+            </a:spcAft>
+            <a:buNone/>
+          </a:pPr>
+          <a:r>
+            <a:rPr lang="en-CA" sz="1800" b="1" kern="1200"/>
+            <a:t>Conduct workforce analysis to guide strategic decisions, ensuring the right talent is in place to meet future business growth and role requirements</a:t>
+          </a:r>
+          <a:endParaRPr lang="en-US" sz="1800" b="1" kern="1200"/>
+        </a:p>
+      </dsp:txBody>
+      <dsp:txXfrm>
+        <a:off x="8010813" y="2835453"/>
+        <a:ext cx="3589510" cy="1522822"/>
+      </dsp:txXfrm>
+    </dsp:sp>
+    <dsp:sp modelId="{B3A2C851-F08F-4446-B550-E1E328CC00CB}">
+      <dsp:nvSpPr>
+        <dsp:cNvPr id="0" name=""/>
+        <dsp:cNvSpPr/>
+      </dsp:nvSpPr>
+      <dsp:spPr>
+        <a:xfrm>
+          <a:off x="97574" y="5581210"/>
+          <a:ext cx="1522822" cy="1522822"/>
+        </a:xfrm>
+        <a:prstGeom prst="ellipse">
+          <a:avLst/>
+        </a:prstGeom>
+        <a:solidFill>
+          <a:schemeClr val="accent1">
+            <a:tint val="40000"/>
+            <a:hueOff val="0"/>
+            <a:satOff val="0"/>
+            <a:lumOff val="0"/>
+            <a:alphaOff val="0"/>
+          </a:schemeClr>
+        </a:solidFill>
+        <a:ln>
+          <a:noFill/>
+        </a:ln>
+        <a:effectLst/>
+      </dsp:spPr>
+      <dsp:style>
+        <a:lnRef idx="0">
+          <a:scrgbClr r="0" g="0" b="0"/>
+        </a:lnRef>
+        <a:fillRef idx="1">
+          <a:scrgbClr r="0" g="0" b="0"/>
+        </a:fillRef>
+        <a:effectRef idx="0">
+          <a:scrgbClr r="0" g="0" b="0"/>
+        </a:effectRef>
+        <a:fontRef idx="minor"/>
+      </dsp:style>
+    </dsp:sp>
+    <dsp:sp modelId="{CABC3612-BB87-4EE9-A0C4-7795DCEB44A4}">
+      <dsp:nvSpPr>
+        <dsp:cNvPr id="0" name=""/>
+        <dsp:cNvSpPr/>
+      </dsp:nvSpPr>
+      <dsp:spPr>
+        <a:xfrm>
+          <a:off x="417366" y="5901003"/>
+          <a:ext cx="883237" cy="883237"/>
+        </a:xfrm>
+        <a:prstGeom prst="rect">
+          <a:avLst/>
+        </a:prstGeom>
+        <a:blipFill>
+          <a:blip xmlns:r="http://schemas.openxmlformats.org/officeDocument/2006/relationships" r:embed="rId9">
+            <a:extLst>
+              <a:ext uri="{28A0092B-C50C-407E-A947-70E740481C1C}">
+                <a14:useLocalDpi xmlns:a14="http://schemas.microsoft.com/office/drawing/2010/main" val="0"/>
+              </a:ext>
+              <a:ext uri="{96DAC541-7B7A-43D3-8B79-37D633B846F1}">
+                <asvg:svgBlip xmlns:asvg="http://schemas.microsoft.com/office/drawing/2016/SVG/main" r:embed="rId10"/>
+              </a:ext>
+            </a:extLst>
+          </a:blip>
+          <a:stretch>
+            <a:fillRect/>
+          </a:stretch>
+        </a:blipFill>
+        <a:ln w="25400" cap="flat" cmpd="sng" algn="ctr">
+          <a:solidFill>
+            <a:schemeClr val="lt1">
+              <a:hueOff val="0"/>
+              <a:satOff val="0"/>
+              <a:lumOff val="0"/>
+              <a:alphaOff val="0"/>
+            </a:schemeClr>
+          </a:solidFill>
+          <a:prstDash val="solid"/>
+        </a:ln>
+        <a:effectLst/>
+      </dsp:spPr>
+      <dsp:style>
+        <a:lnRef idx="2">
+          <a:scrgbClr r="0" g="0" b="0"/>
+        </a:lnRef>
+        <a:fillRef idx="1">
+          <a:scrgbClr r="0" g="0" b="0"/>
+        </a:fillRef>
+        <a:effectRef idx="0">
+          <a:scrgbClr r="0" g="0" b="0"/>
+        </a:effectRef>
+        <a:fontRef idx="minor">
+          <a:schemeClr val="lt1"/>
+        </a:fontRef>
+      </dsp:style>
+    </dsp:sp>
+    <dsp:sp modelId="{F491D20F-2DD8-44D1-9BF7-A3D974B3F8FC}">
+      <dsp:nvSpPr>
+        <dsp:cNvPr id="0" name=""/>
+        <dsp:cNvSpPr/>
+      </dsp:nvSpPr>
+      <dsp:spPr>
+        <a:xfrm>
+          <a:off x="1946716" y="5581210"/>
+          <a:ext cx="3589510" cy="1522822"/>
+        </a:xfrm>
+        <a:prstGeom prst="rect">
+          <a:avLst/>
+        </a:prstGeom>
+        <a:noFill/>
+        <a:ln>
+          <a:noFill/>
+        </a:ln>
+        <a:effectLst/>
+      </dsp:spPr>
+      <dsp:style>
+        <a:lnRef idx="0">
+          <a:scrgbClr r="0" g="0" b="0"/>
+        </a:lnRef>
+        <a:fillRef idx="0">
+          <a:scrgbClr r="0" g="0" b="0"/>
+        </a:fillRef>
+        <a:effectRef idx="0">
+          <a:scrgbClr r="0" g="0" b="0"/>
+        </a:effectRef>
+        <a:fontRef idx="minor"/>
+      </dsp:style>
+      <dsp:txBody>
+        <a:bodyPr spcFirstLastPara="0" vert="horz" wrap="square" lIns="0" tIns="0" rIns="0" bIns="0" numCol="1" spcCol="1270" anchor="ctr" anchorCtr="0">
+          <a:noAutofit/>
+        </a:bodyPr>
+        <a:lstStyle/>
+        <a:p>
+          <a:pPr marL="0" lvl="0" indent="0" algn="l" defTabSz="800100">
+            <a:lnSpc>
+              <a:spcPct val="100000"/>
+            </a:lnSpc>
+            <a:spcBef>
+              <a:spcPct val="0"/>
+            </a:spcBef>
+            <a:spcAft>
+              <a:spcPct val="35000"/>
+            </a:spcAft>
+            <a:buNone/>
+          </a:pPr>
+          <a:r>
+            <a:rPr lang="en-CA" sz="1800" b="1" kern="1200"/>
+            <a:t>Monitor HR trends and insights to help the organization stay competitive and adaptable as it evolves, providing data-driven support for ongoing success</a:t>
+          </a:r>
+          <a:endParaRPr lang="en-US" sz="1800" b="1" kern="1200"/>
+        </a:p>
+      </dsp:txBody>
+      <dsp:txXfrm>
+        <a:off x="1946716" y="5581210"/>
+        <a:ext cx="3589510" cy="1522822"/>
+      </dsp:txXfrm>
+    </dsp:sp>
+  </dsp:spTree>
+</dsp:drawing>
+</file>
+
+<file path=ppt/diagrams/drawing3.xml><?xml version="1.0" encoding="utf-8"?>
 <dsp:drawing xmlns:dgm="http://schemas.openxmlformats.org/drawingml/2006/diagram" xmlns:dsp="http://schemas.microsoft.com/office/drawing/2008/diagram" xmlns:a="http://schemas.openxmlformats.org/drawingml/2006/main">
   <dsp:spTree>
     <dsp:nvGrpSpPr>
@@ -4451,6 +6575,218 @@
 </file>
 
 <file path=ppt/diagrams/layout2.xml><?xml version="1.0" encoding="utf-8"?>
+<dgm:layoutDef xmlns:dgm="http://schemas.openxmlformats.org/drawingml/2006/diagram" xmlns:a="http://schemas.openxmlformats.org/drawingml/2006/main" uniqueId="urn:microsoft.com/office/officeart/2018/2/layout/IconCircleList">
+  <dgm:title val="Icon Circle List"/>
+  <dgm:desc val="Use to show non-sequential or grouped chunks of information accompanied by related visuals. Circular shapes can hold an icon or small picture and corresponding text box shows Level 1 text. Works best for icons or small pictures with medium-length descriptions."/>
+  <dgm:catLst>
+    <dgm:cat type="icon" pri="500"/>
+  </dgm:catLst>
+  <dgm:sampData useDef="1">
+    <dgm:dataModel>
+      <dgm:ptLst/>
+      <dgm:bg/>
+      <dgm:whole/>
+    </dgm:dataModel>
+  </dgm:sampData>
+  <dgm:styleData useDef="1">
+    <dgm:dataModel>
+      <dgm:ptLst/>
+      <dgm:bg/>
+      <dgm:whole/>
+    </dgm:dataModel>
+  </dgm:styleData>
+  <dgm:clrData useDef="1">
+    <dgm:dataModel>
+      <dgm:ptLst/>
+      <dgm:bg/>
+      <dgm:whole/>
+    </dgm:dataModel>
+  </dgm:clrData>
+  <dgm:layoutNode name="root">
+    <dgm:varLst>
+      <dgm:dir/>
+      <dgm:resizeHandles val="exact"/>
+    </dgm:varLst>
+    <dgm:alg type="sp"/>
+    <dgm:shape xmlns:r="http://schemas.openxmlformats.org/officeDocument/2006/relationships" r:blip="">
+      <dgm:adjLst/>
+    </dgm:shape>
+    <dgm:presOf/>
+    <dgm:choose name="Name0">
+      <dgm:if name="Name1" axis="ch" ptType="node" func="cnt" op="lte" val="3">
+        <dgm:constrLst>
+          <dgm:constr type="w" for="ch" forName="container" refType="w"/>
+          <dgm:constr type="h" for="ch" forName="container" refType="h" fact="0.4"/>
+        </dgm:constrLst>
+      </dgm:if>
+      <dgm:else name="Name2">
+        <dgm:constrLst>
+          <dgm:constr type="w" for="ch" forName="container" refType="w"/>
+          <dgm:constr type="h" for="ch" forName="container" refType="h"/>
+        </dgm:constrLst>
+      </dgm:else>
+    </dgm:choose>
+    <dgm:ruleLst>
+      <dgm:rule type="h" for="ch" forName="container" val="INF" fact="NaN" max="NaN"/>
+    </dgm:ruleLst>
+    <dgm:layoutNode name="container">
+      <dgm:varLst>
+        <dgm:dir/>
+        <dgm:resizeHandles val="exact"/>
+      </dgm:varLst>
+      <dgm:choose name="Name3">
+        <dgm:if name="Name4" axis="self" func="var" arg="dir" op="equ" val="norm">
+          <dgm:alg type="snake">
+            <dgm:param type="grDir" val="tL"/>
+            <dgm:param type="flowDir" val="row"/>
+            <dgm:param type="contDir" val="sameDir"/>
+          </dgm:alg>
+        </dgm:if>
+        <dgm:else name="Name5">
+          <dgm:alg type="snake">
+            <dgm:param type="grDir" val="tR"/>
+            <dgm:param type="flowDir" val="row"/>
+            <dgm:param type="contDir" val="sameDir"/>
+          </dgm:alg>
+        </dgm:else>
+      </dgm:choose>
+      <dgm:shape xmlns:r="http://schemas.openxmlformats.org/officeDocument/2006/relationships" r:blip="">
+        <dgm:adjLst/>
+      </dgm:shape>
+      <dgm:presOf/>
+      <dgm:constrLst>
+        <dgm:constr type="w" for="ch" forName="compNode" refType="w"/>
+        <dgm:constr type="h" for="ch" forName="compNode" refType="w" fact="0.28"/>
+        <dgm:constr type="w" for="ch" forName="sibTrans" refType="w" refFor="ch" refForName="compNode" fact="0.115"/>
+        <dgm:constr type="sp" refType="h" op="equ" fact="0.17"/>
+        <dgm:constr type="primFontSz" for="des" ptType="node" op="equ" val="24"/>
+        <dgm:constr type="h" for="des" forName="compNode" op="equ"/>
+        <dgm:constr type="h" for="des" forName="iconBgRect" op="equ"/>
+      </dgm:constrLst>
+      <dgm:ruleLst>
+        <dgm:rule type="w" for="ch" forName="compNode" val="60" fact="NaN" max="NaN"/>
+      </dgm:ruleLst>
+      <dgm:forEach name="Name6" axis="ch" ptType="node">
+        <dgm:layoutNode name="compNode">
+          <dgm:alg type="composite"/>
+          <dgm:shape xmlns:r="http://schemas.openxmlformats.org/officeDocument/2006/relationships" r:blip="">
+            <dgm:adjLst/>
+          </dgm:shape>
+          <dgm:presOf axis="self"/>
+          <dgm:constrLst>
+            <dgm:constr type="w" for="ch" forName="iconBgRect" refType="w" fact="0.28"/>
+            <dgm:constr type="h" for="ch" forName="iconBgRect" refType="w" refFor="ch" refForName="iconBgRect"/>
+            <dgm:constr type="t" for="ch" forName="iconBgRect"/>
+            <dgm:constr type="l" for="ch" forName="iconBgRect"/>
+            <dgm:constr type="w" for="ch" forName="iconRect" refType="w" refFor="ch" refForName="iconBgRect" fact="0.58"/>
+            <dgm:constr type="h" for="ch" forName="iconRect" refType="w" refFor="ch" refForName="iconRect"/>
+            <dgm:constr type="ctrX" for="ch" forName="iconRect" refType="ctrX" refFor="ch" refForName="iconBgRect"/>
+            <dgm:constr type="ctrY" for="ch" forName="iconRect" refType="ctrY" refFor="ch" refForName="iconBgRect"/>
+            <dgm:constr type="w" for="ch" forName="spaceRect" refType="w" fact="0.06"/>
+            <dgm:constr type="h" for="ch" forName="spaceRect" refType="h" refFor="ch" refForName="iconBgRect"/>
+            <dgm:constr type="t" for="ch" forName="spaceRect" refType="t" refFor="ch" refForName="iconBgRect"/>
+            <dgm:constr type="l" for="ch" forName="spaceRect" refType="r" refFor="ch" refForName="iconBgRect"/>
+            <dgm:constr type="h" for="ch" forName="textRect" refType="h" refFor="ch" refForName="iconBgRect"/>
+            <dgm:constr type="t" for="ch" forName="textRect" refType="t" refFor="ch" refForName="iconBgRect"/>
+            <dgm:constr type="l" for="ch" forName="textRect" refType="r" refFor="ch" refForName="spaceRect"/>
+          </dgm:constrLst>
+          <dgm:ruleLst/>
+          <dgm:layoutNode name="iconBgRect" styleLbl="bgShp">
+            <dgm:alg type="sp"/>
+            <dgm:shape xmlns:r="http://schemas.openxmlformats.org/officeDocument/2006/relationships" type="ellipse" r:blip="">
+              <dgm:adjLst/>
+            </dgm:shape>
+            <dgm:presOf/>
+            <dgm:constrLst/>
+            <dgm:ruleLst/>
+          </dgm:layoutNode>
+          <dgm:layoutNode name="iconRect" styleLbl="node1">
+            <dgm:alg type="sp"/>
+            <dgm:shape xmlns:r="http://schemas.openxmlformats.org/officeDocument/2006/relationships" type="rect" r:blip="" blipPhldr="1">
+              <dgm:adjLst/>
+            </dgm:shape>
+            <dgm:presOf/>
+            <dgm:constrLst/>
+            <dgm:ruleLst/>
+          </dgm:layoutNode>
+          <dgm:layoutNode name="spaceRect">
+            <dgm:alg type="sp"/>
+            <dgm:shape xmlns:r="http://schemas.openxmlformats.org/officeDocument/2006/relationships" r:blip="">
+              <dgm:adjLst/>
+            </dgm:shape>
+            <dgm:presOf/>
+            <dgm:constrLst/>
+            <dgm:ruleLst/>
+          </dgm:layoutNode>
+          <dgm:layoutNode name="textRect" styleLbl="revTx">
+            <dgm:varLst>
+              <dgm:chMax val="1"/>
+              <dgm:chPref val="1"/>
+            </dgm:varLst>
+            <dgm:choose name="Name7">
+              <dgm:if name="Name8" func="var" arg="dir" op="equ" val="norm">
+                <dgm:alg type="tx">
+                  <dgm:param type="txAnchorVert" val="mid"/>
+                  <dgm:param type="parTxLTRAlign" val="l"/>
+                  <dgm:param type="shpTxLTRAlignCh" val="l"/>
+                  <dgm:param type="parTxRTLAlign" val="l"/>
+                  <dgm:param type="shpTxRTLAlignCh" val="l"/>
+                </dgm:alg>
+              </dgm:if>
+              <dgm:else name="Name9">
+                <dgm:alg type="tx">
+                  <dgm:param type="txAnchorVert" val="mid"/>
+                  <dgm:param type="parTxLTRAlign" val="r"/>
+                  <dgm:param type="shpTxLTRAlignCh" val="r"/>
+                  <dgm:param type="parTxRTLAlign" val="r"/>
+                  <dgm:param type="shpTxRTLAlignCh" val="r"/>
+                </dgm:alg>
+              </dgm:else>
+            </dgm:choose>
+            <dgm:shape xmlns:r="http://schemas.openxmlformats.org/officeDocument/2006/relationships" type="rect" r:blip="">
+              <dgm:adjLst/>
+            </dgm:shape>
+            <dgm:presOf axis="self" ptType="node"/>
+            <dgm:constrLst>
+              <dgm:constr type="lMarg"/>
+              <dgm:constr type="rMarg"/>
+              <dgm:constr type="tMarg"/>
+              <dgm:constr type="bMarg"/>
+            </dgm:constrLst>
+            <dgm:ruleLst>
+              <dgm:rule type="primFontSz" val="11" fact="NaN" max="NaN"/>
+            </dgm:ruleLst>
+          </dgm:layoutNode>
+        </dgm:layoutNode>
+        <dgm:forEach name="Name10" axis="followSib" ptType="sibTrans" cnt="1">
+          <dgm:layoutNode name="sibTrans">
+            <dgm:alg type="sp"/>
+            <dgm:shape xmlns:r="http://schemas.openxmlformats.org/officeDocument/2006/relationships" type="rect" r:blip="" hideGeom="1">
+              <dgm:adjLst/>
+            </dgm:shape>
+            <dgm:presOf axis="self"/>
+            <dgm:constrLst/>
+            <dgm:ruleLst/>
+          </dgm:layoutNode>
+        </dgm:forEach>
+      </dgm:forEach>
+    </dgm:layoutNode>
+  </dgm:layoutNode>
+  <dgm:extLst>
+    <a:ext uri="{68A01E43-0DF5-4B5B-8FA6-DAF915123BFB}">
+      <dgm1612:lstStyle xmlns:dgm1612="http://schemas.microsoft.com/office/drawing/2016/12/diagram">
+        <a:lvl1pPr>
+          <a:lnSpc>
+            <a:spcPct val="100000"/>
+          </a:lnSpc>
+        </a:lvl1pPr>
+      </dgm1612:lstStyle>
+    </a:ext>
+  </dgm:extLst>
+</dgm:layoutDef>
+</file>
+
+<file path=ppt/diagrams/layout3.xml><?xml version="1.0" encoding="utf-8"?>
 <dgm:layoutDef xmlns:dgm="http://schemas.openxmlformats.org/drawingml/2006/diagram" xmlns:a="http://schemas.openxmlformats.org/drawingml/2006/main" uniqueId="urn:microsoft.com/office/officeart/2008/layout/LinedList">
   <dgm:title val=""/>
   <dgm:desc val=""/>
@@ -5951,6 +8287,1040 @@
 </file>
 
 <file path=ppt/diagrams/quickStyle2.xml><?xml version="1.0" encoding="utf-8"?>
+<dgm:styleDef xmlns:dgm="http://schemas.openxmlformats.org/drawingml/2006/diagram" xmlns:a="http://schemas.openxmlformats.org/drawingml/2006/main" uniqueId="urn:microsoft.com/office/officeart/2005/8/quickstyle/simple1">
+  <dgm:title val=""/>
+  <dgm:desc val=""/>
+  <dgm:catLst>
+    <dgm:cat type="simple" pri="10100"/>
+  </dgm:catLst>
+  <dgm:scene3d>
+    <a:camera prst="orthographicFront"/>
+    <a:lightRig rig="threePt" dir="t"/>
+  </dgm:scene3d>
+  <dgm:styleLbl name="node0">
+    <dgm:scene3d>
+      <a:camera prst="orthographicFront"/>
+      <a:lightRig rig="threePt" dir="t"/>
+    </dgm:scene3d>
+    <dgm:sp3d/>
+    <dgm:txPr/>
+    <dgm:style>
+      <a:lnRef idx="2">
+        <a:scrgbClr r="0" g="0" b="0"/>
+      </a:lnRef>
+      <a:fillRef idx="1">
+        <a:scrgbClr r="0" g="0" b="0"/>
+      </a:fillRef>
+      <a:effectRef idx="0">
+        <a:scrgbClr r="0" g="0" b="0"/>
+      </a:effectRef>
+      <a:fontRef idx="minor">
+        <a:schemeClr val="lt1"/>
+      </a:fontRef>
+    </dgm:style>
+  </dgm:styleLbl>
+  <dgm:styleLbl name="lnNode1">
+    <dgm:scene3d>
+      <a:camera prst="orthographicFront"/>
+      <a:lightRig rig="threePt" dir="t"/>
+    </dgm:scene3d>
+    <dgm:sp3d/>
+    <dgm:txPr/>
+    <dgm:style>
+      <a:lnRef idx="2">
+        <a:scrgbClr r="0" g="0" b="0"/>
+      </a:lnRef>
+      <a:fillRef idx="1">
+        <a:scrgbClr r="0" g="0" b="0"/>
+      </a:fillRef>
+      <a:effectRef idx="0">
+        <a:scrgbClr r="0" g="0" b="0"/>
+      </a:effectRef>
+      <a:fontRef idx="minor">
+        <a:schemeClr val="lt1"/>
+      </a:fontRef>
+    </dgm:style>
+  </dgm:styleLbl>
+  <dgm:styleLbl name="vennNode1">
+    <dgm:scene3d>
+      <a:camera prst="orthographicFront"/>
+      <a:lightRig rig="threePt" dir="t"/>
+    </dgm:scene3d>
+    <dgm:sp3d/>
+    <dgm:txPr/>
+    <dgm:style>
+      <a:lnRef idx="2">
+        <a:scrgbClr r="0" g="0" b="0"/>
+      </a:lnRef>
+      <a:fillRef idx="1">
+        <a:scrgbClr r="0" g="0" b="0"/>
+      </a:fillRef>
+      <a:effectRef idx="0">
+        <a:scrgbClr r="0" g="0" b="0"/>
+      </a:effectRef>
+      <a:fontRef idx="minor">
+        <a:schemeClr val="tx1"/>
+      </a:fontRef>
+    </dgm:style>
+  </dgm:styleLbl>
+  <dgm:styleLbl name="alignNode1">
+    <dgm:scene3d>
+      <a:camera prst="orthographicFront"/>
+      <a:lightRig rig="threePt" dir="t"/>
+    </dgm:scene3d>
+    <dgm:sp3d/>
+    <dgm:txPr/>
+    <dgm:style>
+      <a:lnRef idx="2">
+        <a:scrgbClr r="0" g="0" b="0"/>
+      </a:lnRef>
+      <a:fillRef idx="1">
+        <a:scrgbClr r="0" g="0" b="0"/>
+      </a:fillRef>
+      <a:effectRef idx="0">
+        <a:scrgbClr r="0" g="0" b="0"/>
+      </a:effectRef>
+      <a:fontRef idx="minor">
+        <a:schemeClr val="lt1"/>
+      </a:fontRef>
+    </dgm:style>
+  </dgm:styleLbl>
+  <dgm:styleLbl name="node1">
+    <dgm:scene3d>
+      <a:camera prst="orthographicFront"/>
+      <a:lightRig rig="threePt" dir="t"/>
+    </dgm:scene3d>
+    <dgm:sp3d/>
+    <dgm:txPr/>
+    <dgm:style>
+      <a:lnRef idx="2">
+        <a:scrgbClr r="0" g="0" b="0"/>
+      </a:lnRef>
+      <a:fillRef idx="1">
+        <a:scrgbClr r="0" g="0" b="0"/>
+      </a:fillRef>
+      <a:effectRef idx="0">
+        <a:scrgbClr r="0" g="0" b="0"/>
+      </a:effectRef>
+      <a:fontRef idx="minor">
+        <a:schemeClr val="lt1"/>
+      </a:fontRef>
+    </dgm:style>
+  </dgm:styleLbl>
+  <dgm:styleLbl name="node2">
+    <dgm:scene3d>
+      <a:camera prst="orthographicFront"/>
+      <a:lightRig rig="threePt" dir="t"/>
+    </dgm:scene3d>
+    <dgm:sp3d/>
+    <dgm:txPr/>
+    <dgm:style>
+      <a:lnRef idx="2">
+        <a:scrgbClr r="0" g="0" b="0"/>
+      </a:lnRef>
+      <a:fillRef idx="1">
+        <a:scrgbClr r="0" g="0" b="0"/>
+      </a:fillRef>
+      <a:effectRef idx="0">
+        <a:scrgbClr r="0" g="0" b="0"/>
+      </a:effectRef>
+      <a:fontRef idx="minor">
+        <a:schemeClr val="lt1"/>
+      </a:fontRef>
+    </dgm:style>
+  </dgm:styleLbl>
+  <dgm:styleLbl name="node3">
+    <dgm:scene3d>
+      <a:camera prst="orthographicFront"/>
+      <a:lightRig rig="threePt" dir="t"/>
+    </dgm:scene3d>
+    <dgm:sp3d/>
+    <dgm:txPr/>
+    <dgm:style>
+      <a:lnRef idx="2">
+        <a:scrgbClr r="0" g="0" b="0"/>
+      </a:lnRef>
+      <a:fillRef idx="1">
+        <a:scrgbClr r="0" g="0" b="0"/>
+      </a:fillRef>
+      <a:effectRef idx="0">
+        <a:scrgbClr r="0" g="0" b="0"/>
+      </a:effectRef>
+      <a:fontRef idx="minor">
+        <a:schemeClr val="lt1"/>
+      </a:fontRef>
+    </dgm:style>
+  </dgm:styleLbl>
+  <dgm:styleLbl name="node4">
+    <dgm:scene3d>
+      <a:camera prst="orthographicFront"/>
+      <a:lightRig rig="threePt" dir="t"/>
+    </dgm:scene3d>
+    <dgm:sp3d/>
+    <dgm:txPr/>
+    <dgm:style>
+      <a:lnRef idx="2">
+        <a:scrgbClr r="0" g="0" b="0"/>
+      </a:lnRef>
+      <a:fillRef idx="1">
+        <a:scrgbClr r="0" g="0" b="0"/>
+      </a:fillRef>
+      <a:effectRef idx="0">
+        <a:scrgbClr r="0" g="0" b="0"/>
+      </a:effectRef>
+      <a:fontRef idx="minor">
+        <a:schemeClr val="lt1"/>
+      </a:fontRef>
+    </dgm:style>
+  </dgm:styleLbl>
+  <dgm:styleLbl name="fgImgPlace1">
+    <dgm:scene3d>
+      <a:camera prst="orthographicFront"/>
+      <a:lightRig rig="threePt" dir="t"/>
+    </dgm:scene3d>
+    <dgm:sp3d/>
+    <dgm:txPr/>
+    <dgm:style>
+      <a:lnRef idx="2">
+        <a:scrgbClr r="0" g="0" b="0"/>
+      </a:lnRef>
+      <a:fillRef idx="1">
+        <a:scrgbClr r="0" g="0" b="0"/>
+      </a:fillRef>
+      <a:effectRef idx="0">
+        <a:scrgbClr r="0" g="0" b="0"/>
+      </a:effectRef>
+      <a:fontRef idx="minor"/>
+    </dgm:style>
+  </dgm:styleLbl>
+  <dgm:styleLbl name="alignImgPlace1">
+    <dgm:scene3d>
+      <a:camera prst="orthographicFront"/>
+      <a:lightRig rig="threePt" dir="t"/>
+    </dgm:scene3d>
+    <dgm:sp3d/>
+    <dgm:txPr/>
+    <dgm:style>
+      <a:lnRef idx="2">
+        <a:scrgbClr r="0" g="0" b="0"/>
+      </a:lnRef>
+      <a:fillRef idx="1">
+        <a:scrgbClr r="0" g="0" b="0"/>
+      </a:fillRef>
+      <a:effectRef idx="0">
+        <a:scrgbClr r="0" g="0" b="0"/>
+      </a:effectRef>
+      <a:fontRef idx="minor"/>
+    </dgm:style>
+  </dgm:styleLbl>
+  <dgm:styleLbl name="bgImgPlace1">
+    <dgm:scene3d>
+      <a:camera prst="orthographicFront"/>
+      <a:lightRig rig="threePt" dir="t"/>
+    </dgm:scene3d>
+    <dgm:sp3d/>
+    <dgm:txPr/>
+    <dgm:style>
+      <a:lnRef idx="2">
+        <a:scrgbClr r="0" g="0" b="0"/>
+      </a:lnRef>
+      <a:fillRef idx="1">
+        <a:scrgbClr r="0" g="0" b="0"/>
+      </a:fillRef>
+      <a:effectRef idx="0">
+        <a:scrgbClr r="0" g="0" b="0"/>
+      </a:effectRef>
+      <a:fontRef idx="minor"/>
+    </dgm:style>
+  </dgm:styleLbl>
+  <dgm:styleLbl name="sibTrans2D1">
+    <dgm:scene3d>
+      <a:camera prst="orthographicFront"/>
+      <a:lightRig rig="threePt" dir="t"/>
+    </dgm:scene3d>
+    <dgm:sp3d/>
+    <dgm:txPr/>
+    <dgm:style>
+      <a:lnRef idx="0">
+        <a:scrgbClr r="0" g="0" b="0"/>
+      </a:lnRef>
+      <a:fillRef idx="1">
+        <a:scrgbClr r="0" g="0" b="0"/>
+      </a:fillRef>
+      <a:effectRef idx="0">
+        <a:scrgbClr r="0" g="0" b="0"/>
+      </a:effectRef>
+      <a:fontRef idx="minor">
+        <a:schemeClr val="lt1"/>
+      </a:fontRef>
+    </dgm:style>
+  </dgm:styleLbl>
+  <dgm:styleLbl name="fgSibTrans2D1">
+    <dgm:scene3d>
+      <a:camera prst="orthographicFront"/>
+      <a:lightRig rig="threePt" dir="t"/>
+    </dgm:scene3d>
+    <dgm:sp3d/>
+    <dgm:txPr/>
+    <dgm:style>
+      <a:lnRef idx="0">
+        <a:scrgbClr r="0" g="0" b="0"/>
+      </a:lnRef>
+      <a:fillRef idx="1">
+        <a:scrgbClr r="0" g="0" b="0"/>
+      </a:fillRef>
+      <a:effectRef idx="0">
+        <a:scrgbClr r="0" g="0" b="0"/>
+      </a:effectRef>
+      <a:fontRef idx="minor">
+        <a:schemeClr val="lt1"/>
+      </a:fontRef>
+    </dgm:style>
+  </dgm:styleLbl>
+  <dgm:styleLbl name="bgSibTrans2D1">
+    <dgm:scene3d>
+      <a:camera prst="orthographicFront"/>
+      <a:lightRig rig="threePt" dir="t"/>
+    </dgm:scene3d>
+    <dgm:sp3d/>
+    <dgm:txPr/>
+    <dgm:style>
+      <a:lnRef idx="0">
+        <a:scrgbClr r="0" g="0" b="0"/>
+      </a:lnRef>
+      <a:fillRef idx="1">
+        <a:scrgbClr r="0" g="0" b="0"/>
+      </a:fillRef>
+      <a:effectRef idx="0">
+        <a:scrgbClr r="0" g="0" b="0"/>
+      </a:effectRef>
+      <a:fontRef idx="minor">
+        <a:schemeClr val="lt1"/>
+      </a:fontRef>
+    </dgm:style>
+  </dgm:styleLbl>
+  <dgm:styleLbl name="sibTrans1D1">
+    <dgm:scene3d>
+      <a:camera prst="orthographicFront"/>
+      <a:lightRig rig="threePt" dir="t"/>
+    </dgm:scene3d>
+    <dgm:sp3d/>
+    <dgm:txPr/>
+    <dgm:style>
+      <a:lnRef idx="1">
+        <a:scrgbClr r="0" g="0" b="0"/>
+      </a:lnRef>
+      <a:fillRef idx="0">
+        <a:scrgbClr r="0" g="0" b="0"/>
+      </a:fillRef>
+      <a:effectRef idx="0">
+        <a:scrgbClr r="0" g="0" b="0"/>
+      </a:effectRef>
+      <a:fontRef idx="minor"/>
+    </dgm:style>
+  </dgm:styleLbl>
+  <dgm:styleLbl name="callout">
+    <dgm:scene3d>
+      <a:camera prst="orthographicFront"/>
+      <a:lightRig rig="threePt" dir="t"/>
+    </dgm:scene3d>
+    <dgm:sp3d/>
+    <dgm:txPr/>
+    <dgm:style>
+      <a:lnRef idx="2">
+        <a:scrgbClr r="0" g="0" b="0"/>
+      </a:lnRef>
+      <a:fillRef idx="1">
+        <a:scrgbClr r="0" g="0" b="0"/>
+      </a:fillRef>
+      <a:effectRef idx="0">
+        <a:scrgbClr r="0" g="0" b="0"/>
+      </a:effectRef>
+      <a:fontRef idx="minor"/>
+    </dgm:style>
+  </dgm:styleLbl>
+  <dgm:styleLbl name="asst0">
+    <dgm:scene3d>
+      <a:camera prst="orthographicFront"/>
+      <a:lightRig rig="threePt" dir="t"/>
+    </dgm:scene3d>
+    <dgm:sp3d/>
+    <dgm:txPr/>
+    <dgm:style>
+      <a:lnRef idx="2">
+        <a:scrgbClr r="0" g="0" b="0"/>
+      </a:lnRef>
+      <a:fillRef idx="1">
+        <a:scrgbClr r="0" g="0" b="0"/>
+      </a:fillRef>
+      <a:effectRef idx="0">
+        <a:scrgbClr r="0" g="0" b="0"/>
+      </a:effectRef>
+      <a:fontRef idx="minor">
+        <a:schemeClr val="lt1"/>
+      </a:fontRef>
+    </dgm:style>
+  </dgm:styleLbl>
+  <dgm:styleLbl name="asst1">
+    <dgm:scene3d>
+      <a:camera prst="orthographicFront"/>
+      <a:lightRig rig="threePt" dir="t"/>
+    </dgm:scene3d>
+    <dgm:sp3d/>
+    <dgm:txPr/>
+    <dgm:style>
+      <a:lnRef idx="2">
+        <a:scrgbClr r="0" g="0" b="0"/>
+      </a:lnRef>
+      <a:fillRef idx="1">
+        <a:scrgbClr r="0" g="0" b="0"/>
+      </a:fillRef>
+      <a:effectRef idx="0">
+        <a:scrgbClr r="0" g="0" b="0"/>
+      </a:effectRef>
+      <a:fontRef idx="minor">
+        <a:schemeClr val="lt1"/>
+      </a:fontRef>
+    </dgm:style>
+  </dgm:styleLbl>
+  <dgm:styleLbl name="asst2">
+    <dgm:scene3d>
+      <a:camera prst="orthographicFront"/>
+      <a:lightRig rig="threePt" dir="t"/>
+    </dgm:scene3d>
+    <dgm:sp3d/>
+    <dgm:txPr/>
+    <dgm:style>
+      <a:lnRef idx="2">
+        <a:scrgbClr r="0" g="0" b="0"/>
+      </a:lnRef>
+      <a:fillRef idx="1">
+        <a:scrgbClr r="0" g="0" b="0"/>
+      </a:fillRef>
+      <a:effectRef idx="0">
+        <a:scrgbClr r="0" g="0" b="0"/>
+      </a:effectRef>
+      <a:fontRef idx="minor">
+        <a:schemeClr val="lt1"/>
+      </a:fontRef>
+    </dgm:style>
+  </dgm:styleLbl>
+  <dgm:styleLbl name="asst3">
+    <dgm:scene3d>
+      <a:camera prst="orthographicFront"/>
+      <a:lightRig rig="threePt" dir="t"/>
+    </dgm:scene3d>
+    <dgm:sp3d/>
+    <dgm:txPr/>
+    <dgm:style>
+      <a:lnRef idx="2">
+        <a:scrgbClr r="0" g="0" b="0"/>
+      </a:lnRef>
+      <a:fillRef idx="1">
+        <a:scrgbClr r="0" g="0" b="0"/>
+      </a:fillRef>
+      <a:effectRef idx="0">
+        <a:scrgbClr r="0" g="0" b="0"/>
+      </a:effectRef>
+      <a:fontRef idx="minor">
+        <a:schemeClr val="lt1"/>
+      </a:fontRef>
+    </dgm:style>
+  </dgm:styleLbl>
+  <dgm:styleLbl name="asst4">
+    <dgm:scene3d>
+      <a:camera prst="orthographicFront"/>
+      <a:lightRig rig="threePt" dir="t"/>
+    </dgm:scene3d>
+    <dgm:sp3d/>
+    <dgm:txPr/>
+    <dgm:style>
+      <a:lnRef idx="2">
+        <a:scrgbClr r="0" g="0" b="0"/>
+      </a:lnRef>
+      <a:fillRef idx="1">
+        <a:scrgbClr r="0" g="0" b="0"/>
+      </a:fillRef>
+      <a:effectRef idx="0">
+        <a:scrgbClr r="0" g="0" b="0"/>
+      </a:effectRef>
+      <a:fontRef idx="minor">
+        <a:schemeClr val="lt1"/>
+      </a:fontRef>
+    </dgm:style>
+  </dgm:styleLbl>
+  <dgm:styleLbl name="parChTrans2D1">
+    <dgm:scene3d>
+      <a:camera prst="orthographicFront"/>
+      <a:lightRig rig="threePt" dir="t"/>
+    </dgm:scene3d>
+    <dgm:sp3d/>
+    <dgm:txPr/>
+    <dgm:style>
+      <a:lnRef idx="2">
+        <a:scrgbClr r="0" g="0" b="0"/>
+      </a:lnRef>
+      <a:fillRef idx="1">
+        <a:scrgbClr r="0" g="0" b="0"/>
+      </a:fillRef>
+      <a:effectRef idx="0">
+        <a:scrgbClr r="0" g="0" b="0"/>
+      </a:effectRef>
+      <a:fontRef idx="minor">
+        <a:schemeClr val="lt1"/>
+      </a:fontRef>
+    </dgm:style>
+  </dgm:styleLbl>
+  <dgm:styleLbl name="parChTrans2D2">
+    <dgm:scene3d>
+      <a:camera prst="orthographicFront"/>
+      <a:lightRig rig="threePt" dir="t"/>
+    </dgm:scene3d>
+    <dgm:sp3d/>
+    <dgm:txPr/>
+    <dgm:style>
+      <a:lnRef idx="2">
+        <a:scrgbClr r="0" g="0" b="0"/>
+      </a:lnRef>
+      <a:fillRef idx="1">
+        <a:scrgbClr r="0" g="0" b="0"/>
+      </a:fillRef>
+      <a:effectRef idx="0">
+        <a:scrgbClr r="0" g="0" b="0"/>
+      </a:effectRef>
+      <a:fontRef idx="minor">
+        <a:schemeClr val="lt1"/>
+      </a:fontRef>
+    </dgm:style>
+  </dgm:styleLbl>
+  <dgm:styleLbl name="parChTrans2D3">
+    <dgm:scene3d>
+      <a:camera prst="orthographicFront"/>
+      <a:lightRig rig="threePt" dir="t"/>
+    </dgm:scene3d>
+    <dgm:sp3d/>
+    <dgm:txPr/>
+    <dgm:style>
+      <a:lnRef idx="2">
+        <a:scrgbClr r="0" g="0" b="0"/>
+      </a:lnRef>
+      <a:fillRef idx="1">
+        <a:scrgbClr r="0" g="0" b="0"/>
+      </a:fillRef>
+      <a:effectRef idx="0">
+        <a:scrgbClr r="0" g="0" b="0"/>
+      </a:effectRef>
+      <a:fontRef idx="minor">
+        <a:schemeClr val="lt1"/>
+      </a:fontRef>
+    </dgm:style>
+  </dgm:styleLbl>
+  <dgm:styleLbl name="parChTrans2D4">
+    <dgm:scene3d>
+      <a:camera prst="orthographicFront"/>
+      <a:lightRig rig="threePt" dir="t"/>
+    </dgm:scene3d>
+    <dgm:sp3d/>
+    <dgm:txPr/>
+    <dgm:style>
+      <a:lnRef idx="2">
+        <a:scrgbClr r="0" g="0" b="0"/>
+      </a:lnRef>
+      <a:fillRef idx="1">
+        <a:scrgbClr r="0" g="0" b="0"/>
+      </a:fillRef>
+      <a:effectRef idx="0">
+        <a:scrgbClr r="0" g="0" b="0"/>
+      </a:effectRef>
+      <a:fontRef idx="minor">
+        <a:schemeClr val="lt1"/>
+      </a:fontRef>
+    </dgm:style>
+  </dgm:styleLbl>
+  <dgm:styleLbl name="parChTrans1D1">
+    <dgm:scene3d>
+      <a:camera prst="orthographicFront"/>
+      <a:lightRig rig="threePt" dir="t"/>
+    </dgm:scene3d>
+    <dgm:sp3d/>
+    <dgm:txPr/>
+    <dgm:style>
+      <a:lnRef idx="2">
+        <a:scrgbClr r="0" g="0" b="0"/>
+      </a:lnRef>
+      <a:fillRef idx="0">
+        <a:scrgbClr r="0" g="0" b="0"/>
+      </a:fillRef>
+      <a:effectRef idx="0">
+        <a:scrgbClr r="0" g="0" b="0"/>
+      </a:effectRef>
+      <a:fontRef idx="minor"/>
+    </dgm:style>
+  </dgm:styleLbl>
+  <dgm:styleLbl name="parChTrans1D2">
+    <dgm:scene3d>
+      <a:camera prst="orthographicFront"/>
+      <a:lightRig rig="threePt" dir="t"/>
+    </dgm:scene3d>
+    <dgm:sp3d/>
+    <dgm:txPr/>
+    <dgm:style>
+      <a:lnRef idx="2">
+        <a:scrgbClr r="0" g="0" b="0"/>
+      </a:lnRef>
+      <a:fillRef idx="0">
+        <a:scrgbClr r="0" g="0" b="0"/>
+      </a:fillRef>
+      <a:effectRef idx="0">
+        <a:scrgbClr r="0" g="0" b="0"/>
+      </a:effectRef>
+      <a:fontRef idx="minor"/>
+    </dgm:style>
+  </dgm:styleLbl>
+  <dgm:styleLbl name="parChTrans1D3">
+    <dgm:scene3d>
+      <a:camera prst="orthographicFront"/>
+      <a:lightRig rig="threePt" dir="t"/>
+    </dgm:scene3d>
+    <dgm:sp3d/>
+    <dgm:txPr/>
+    <dgm:style>
+      <a:lnRef idx="2">
+        <a:scrgbClr r="0" g="0" b="0"/>
+      </a:lnRef>
+      <a:fillRef idx="0">
+        <a:scrgbClr r="0" g="0" b="0"/>
+      </a:fillRef>
+      <a:effectRef idx="0">
+        <a:scrgbClr r="0" g="0" b="0"/>
+      </a:effectRef>
+      <a:fontRef idx="minor"/>
+    </dgm:style>
+  </dgm:styleLbl>
+  <dgm:styleLbl name="parChTrans1D4">
+    <dgm:scene3d>
+      <a:camera prst="orthographicFront"/>
+      <a:lightRig rig="threePt" dir="t"/>
+    </dgm:scene3d>
+    <dgm:sp3d/>
+    <dgm:txPr/>
+    <dgm:style>
+      <a:lnRef idx="2">
+        <a:scrgbClr r="0" g="0" b="0"/>
+      </a:lnRef>
+      <a:fillRef idx="0">
+        <a:scrgbClr r="0" g="0" b="0"/>
+      </a:fillRef>
+      <a:effectRef idx="0">
+        <a:scrgbClr r="0" g="0" b="0"/>
+      </a:effectRef>
+      <a:fontRef idx="minor"/>
+    </dgm:style>
+  </dgm:styleLbl>
+  <dgm:styleLbl name="fgAcc1">
+    <dgm:scene3d>
+      <a:camera prst="orthographicFront"/>
+      <a:lightRig rig="threePt" dir="t"/>
+    </dgm:scene3d>
+    <dgm:sp3d/>
+    <dgm:txPr/>
+    <dgm:style>
+      <a:lnRef idx="2">
+        <a:scrgbClr r="0" g="0" b="0"/>
+      </a:lnRef>
+      <a:fillRef idx="1">
+        <a:scrgbClr r="0" g="0" b="0"/>
+      </a:fillRef>
+      <a:effectRef idx="0">
+        <a:scrgbClr r="0" g="0" b="0"/>
+      </a:effectRef>
+      <a:fontRef idx="minor"/>
+    </dgm:style>
+  </dgm:styleLbl>
+  <dgm:styleLbl name="conFgAcc1">
+    <dgm:scene3d>
+      <a:camera prst="orthographicFront"/>
+      <a:lightRig rig="threePt" dir="t"/>
+    </dgm:scene3d>
+    <dgm:sp3d/>
+    <dgm:txPr/>
+    <dgm:style>
+      <a:lnRef idx="2">
+        <a:scrgbClr r="0" g="0" b="0"/>
+      </a:lnRef>
+      <a:fillRef idx="1">
+        <a:scrgbClr r="0" g="0" b="0"/>
+      </a:fillRef>
+      <a:effectRef idx="0">
+        <a:scrgbClr r="0" g="0" b="0"/>
+      </a:effectRef>
+      <a:fontRef idx="minor"/>
+    </dgm:style>
+  </dgm:styleLbl>
+  <dgm:styleLbl name="alignAcc1">
+    <dgm:scene3d>
+      <a:camera prst="orthographicFront"/>
+      <a:lightRig rig="threePt" dir="t"/>
+    </dgm:scene3d>
+    <dgm:sp3d/>
+    <dgm:txPr/>
+    <dgm:style>
+      <a:lnRef idx="2">
+        <a:scrgbClr r="0" g="0" b="0"/>
+      </a:lnRef>
+      <a:fillRef idx="1">
+        <a:scrgbClr r="0" g="0" b="0"/>
+      </a:fillRef>
+      <a:effectRef idx="0">
+        <a:scrgbClr r="0" g="0" b="0"/>
+      </a:effectRef>
+      <a:fontRef idx="minor"/>
+    </dgm:style>
+  </dgm:styleLbl>
+  <dgm:styleLbl name="trAlignAcc1">
+    <dgm:scene3d>
+      <a:camera prst="orthographicFront"/>
+      <a:lightRig rig="threePt" dir="t"/>
+    </dgm:scene3d>
+    <dgm:sp3d/>
+    <dgm:txPr/>
+    <dgm:style>
+      <a:lnRef idx="1">
+        <a:scrgbClr r="0" g="0" b="0"/>
+      </a:lnRef>
+      <a:fillRef idx="1">
+        <a:scrgbClr r="0" g="0" b="0"/>
+      </a:fillRef>
+      <a:effectRef idx="0">
+        <a:scrgbClr r="0" g="0" b="0"/>
+      </a:effectRef>
+      <a:fontRef idx="minor"/>
+    </dgm:style>
+  </dgm:styleLbl>
+  <dgm:styleLbl name="bgAcc1">
+    <dgm:scene3d>
+      <a:camera prst="orthographicFront"/>
+      <a:lightRig rig="threePt" dir="t"/>
+    </dgm:scene3d>
+    <dgm:sp3d/>
+    <dgm:txPr/>
+    <dgm:style>
+      <a:lnRef idx="2">
+        <a:scrgbClr r="0" g="0" b="0"/>
+      </a:lnRef>
+      <a:fillRef idx="1">
+        <a:scrgbClr r="0" g="0" b="0"/>
+      </a:fillRef>
+      <a:effectRef idx="0">
+        <a:scrgbClr r="0" g="0" b="0"/>
+      </a:effectRef>
+      <a:fontRef idx="minor"/>
+    </dgm:style>
+  </dgm:styleLbl>
+  <dgm:styleLbl name="solidFgAcc1">
+    <dgm:scene3d>
+      <a:camera prst="orthographicFront"/>
+      <a:lightRig rig="threePt" dir="t"/>
+    </dgm:scene3d>
+    <dgm:sp3d/>
+    <dgm:txPr/>
+    <dgm:style>
+      <a:lnRef idx="2">
+        <a:scrgbClr r="0" g="0" b="0"/>
+      </a:lnRef>
+      <a:fillRef idx="1">
+        <a:scrgbClr r="0" g="0" b="0"/>
+      </a:fillRef>
+      <a:effectRef idx="0">
+        <a:scrgbClr r="0" g="0" b="0"/>
+      </a:effectRef>
+      <a:fontRef idx="minor"/>
+    </dgm:style>
+  </dgm:styleLbl>
+  <dgm:styleLbl name="solidAlignAcc1">
+    <dgm:scene3d>
+      <a:camera prst="orthographicFront"/>
+      <a:lightRig rig="threePt" dir="t"/>
+    </dgm:scene3d>
+    <dgm:sp3d/>
+    <dgm:txPr/>
+    <dgm:style>
+      <a:lnRef idx="2">
+        <a:scrgbClr r="0" g="0" b="0"/>
+      </a:lnRef>
+      <a:fillRef idx="1">
+        <a:scrgbClr r="0" g="0" b="0"/>
+      </a:fillRef>
+      <a:effectRef idx="0">
+        <a:scrgbClr r="0" g="0" b="0"/>
+      </a:effectRef>
+      <a:fontRef idx="minor"/>
+    </dgm:style>
+  </dgm:styleLbl>
+  <dgm:styleLbl name="solidBgAcc1">
+    <dgm:scene3d>
+      <a:camera prst="orthographicFront"/>
+      <a:lightRig rig="threePt" dir="t"/>
+    </dgm:scene3d>
+    <dgm:sp3d/>
+    <dgm:txPr/>
+    <dgm:style>
+      <a:lnRef idx="2">
+        <a:scrgbClr r="0" g="0" b="0"/>
+      </a:lnRef>
+      <a:fillRef idx="1">
+        <a:scrgbClr r="0" g="0" b="0"/>
+      </a:fillRef>
+      <a:effectRef idx="0">
+        <a:scrgbClr r="0" g="0" b="0"/>
+      </a:effectRef>
+      <a:fontRef idx="minor"/>
+    </dgm:style>
+  </dgm:styleLbl>
+  <dgm:styleLbl name="fgAccFollowNode1">
+    <dgm:scene3d>
+      <a:camera prst="orthographicFront"/>
+      <a:lightRig rig="threePt" dir="t"/>
+    </dgm:scene3d>
+    <dgm:sp3d/>
+    <dgm:txPr/>
+    <dgm:style>
+      <a:lnRef idx="2">
+        <a:scrgbClr r="0" g="0" b="0"/>
+      </a:lnRef>
+      <a:fillRef idx="1">
+        <a:scrgbClr r="0" g="0" b="0"/>
+      </a:fillRef>
+      <a:effectRef idx="0">
+        <a:scrgbClr r="0" g="0" b="0"/>
+      </a:effectRef>
+      <a:fontRef idx="minor"/>
+    </dgm:style>
+  </dgm:styleLbl>
+  <dgm:styleLbl name="alignAccFollowNode1">
+    <dgm:scene3d>
+      <a:camera prst="orthographicFront"/>
+      <a:lightRig rig="threePt" dir="t"/>
+    </dgm:scene3d>
+    <dgm:sp3d/>
+    <dgm:txPr/>
+    <dgm:style>
+      <a:lnRef idx="2">
+        <a:scrgbClr r="0" g="0" b="0"/>
+      </a:lnRef>
+      <a:fillRef idx="1">
+        <a:scrgbClr r="0" g="0" b="0"/>
+      </a:fillRef>
+      <a:effectRef idx="0">
+        <a:scrgbClr r="0" g="0" b="0"/>
+      </a:effectRef>
+      <a:fontRef idx="minor"/>
+    </dgm:style>
+  </dgm:styleLbl>
+  <dgm:styleLbl name="bgAccFollowNode1">
+    <dgm:scene3d>
+      <a:camera prst="orthographicFront"/>
+      <a:lightRig rig="threePt" dir="t"/>
+    </dgm:scene3d>
+    <dgm:sp3d/>
+    <dgm:txPr/>
+    <dgm:style>
+      <a:lnRef idx="2">
+        <a:scrgbClr r="0" g="0" b="0"/>
+      </a:lnRef>
+      <a:fillRef idx="1">
+        <a:scrgbClr r="0" g="0" b="0"/>
+      </a:fillRef>
+      <a:effectRef idx="0">
+        <a:scrgbClr r="0" g="0" b="0"/>
+      </a:effectRef>
+      <a:fontRef idx="minor"/>
+    </dgm:style>
+  </dgm:styleLbl>
+  <dgm:styleLbl name="fgAcc0">
+    <dgm:scene3d>
+      <a:camera prst="orthographicFront"/>
+      <a:lightRig rig="threePt" dir="t"/>
+    </dgm:scene3d>
+    <dgm:sp3d/>
+    <dgm:txPr/>
+    <dgm:style>
+      <a:lnRef idx="2">
+        <a:scrgbClr r="0" g="0" b="0"/>
+      </a:lnRef>
+      <a:fillRef idx="1">
+        <a:scrgbClr r="0" g="0" b="0"/>
+      </a:fillRef>
+      <a:effectRef idx="0">
+        <a:scrgbClr r="0" g="0" b="0"/>
+      </a:effectRef>
+      <a:fontRef idx="minor"/>
+    </dgm:style>
+  </dgm:styleLbl>
+  <dgm:styleLbl name="fgAcc2">
+    <dgm:scene3d>
+      <a:camera prst="orthographicFront"/>
+      <a:lightRig rig="threePt" dir="t"/>
+    </dgm:scene3d>
+    <dgm:sp3d/>
+    <dgm:txPr/>
+    <dgm:style>
+      <a:lnRef idx="2">
+        <a:scrgbClr r="0" g="0" b="0"/>
+      </a:lnRef>
+      <a:fillRef idx="1">
+        <a:scrgbClr r="0" g="0" b="0"/>
+      </a:fillRef>
+      <a:effectRef idx="0">
+        <a:scrgbClr r="0" g="0" b="0"/>
+      </a:effectRef>
+      <a:fontRef idx="minor"/>
+    </dgm:style>
+  </dgm:styleLbl>
+  <dgm:styleLbl name="fgAcc3">
+    <dgm:scene3d>
+      <a:camera prst="orthographicFront"/>
+      <a:lightRig rig="threePt" dir="t"/>
+    </dgm:scene3d>
+    <dgm:sp3d/>
+    <dgm:txPr/>
+    <dgm:style>
+      <a:lnRef idx="2">
+        <a:scrgbClr r="0" g="0" b="0"/>
+      </a:lnRef>
+      <a:fillRef idx="1">
+        <a:scrgbClr r="0" g="0" b="0"/>
+      </a:fillRef>
+      <a:effectRef idx="0">
+        <a:scrgbClr r="0" g="0" b="0"/>
+      </a:effectRef>
+      <a:fontRef idx="minor"/>
+    </dgm:style>
+  </dgm:styleLbl>
+  <dgm:styleLbl name="fgAcc4">
+    <dgm:scene3d>
+      <a:camera prst="orthographicFront"/>
+      <a:lightRig rig="threePt" dir="t"/>
+    </dgm:scene3d>
+    <dgm:sp3d/>
+    <dgm:txPr/>
+    <dgm:style>
+      <a:lnRef idx="2">
+        <a:scrgbClr r="0" g="0" b="0"/>
+      </a:lnRef>
+      <a:fillRef idx="1">
+        <a:scrgbClr r="0" g="0" b="0"/>
+      </a:fillRef>
+      <a:effectRef idx="0">
+        <a:scrgbClr r="0" g="0" b="0"/>
+      </a:effectRef>
+      <a:fontRef idx="minor"/>
+    </dgm:style>
+  </dgm:styleLbl>
+  <dgm:styleLbl name="bgShp">
+    <dgm:scene3d>
+      <a:camera prst="orthographicFront"/>
+      <a:lightRig rig="threePt" dir="t"/>
+    </dgm:scene3d>
+    <dgm:sp3d/>
+    <dgm:txPr/>
+    <dgm:style>
+      <a:lnRef idx="0">
+        <a:scrgbClr r="0" g="0" b="0"/>
+      </a:lnRef>
+      <a:fillRef idx="1">
+        <a:scrgbClr r="0" g="0" b="0"/>
+      </a:fillRef>
+      <a:effectRef idx="0">
+        <a:scrgbClr r="0" g="0" b="0"/>
+      </a:effectRef>
+      <a:fontRef idx="minor"/>
+    </dgm:style>
+  </dgm:styleLbl>
+  <dgm:styleLbl name="dkBgShp">
+    <dgm:scene3d>
+      <a:camera prst="orthographicFront"/>
+      <a:lightRig rig="threePt" dir="t"/>
+    </dgm:scene3d>
+    <dgm:sp3d/>
+    <dgm:txPr/>
+    <dgm:style>
+      <a:lnRef idx="0">
+        <a:scrgbClr r="0" g="0" b="0"/>
+      </a:lnRef>
+      <a:fillRef idx="1">
+        <a:scrgbClr r="0" g="0" b="0"/>
+      </a:fillRef>
+      <a:effectRef idx="0">
+        <a:scrgbClr r="0" g="0" b="0"/>
+      </a:effectRef>
+      <a:fontRef idx="minor"/>
+    </dgm:style>
+  </dgm:styleLbl>
+  <dgm:styleLbl name="trBgShp">
+    <dgm:scene3d>
+      <a:camera prst="orthographicFront"/>
+      <a:lightRig rig="threePt" dir="t"/>
+    </dgm:scene3d>
+    <dgm:sp3d/>
+    <dgm:txPr/>
+    <dgm:style>
+      <a:lnRef idx="0">
+        <a:scrgbClr r="0" g="0" b="0"/>
+      </a:lnRef>
+      <a:fillRef idx="1">
+        <a:scrgbClr r="0" g="0" b="0"/>
+      </a:fillRef>
+      <a:effectRef idx="0">
+        <a:scrgbClr r="0" g="0" b="0"/>
+      </a:effectRef>
+      <a:fontRef idx="minor"/>
+    </dgm:style>
+  </dgm:styleLbl>
+  <dgm:styleLbl name="fgShp">
+    <dgm:scene3d>
+      <a:camera prst="orthographicFront"/>
+      <a:lightRig rig="threePt" dir="t"/>
+    </dgm:scene3d>
+    <dgm:sp3d/>
+    <dgm:txPr/>
+    <dgm:style>
+      <a:lnRef idx="2">
+        <a:scrgbClr r="0" g="0" b="0"/>
+      </a:lnRef>
+      <a:fillRef idx="1">
+        <a:scrgbClr r="0" g="0" b="0"/>
+      </a:fillRef>
+      <a:effectRef idx="0">
+        <a:scrgbClr r="0" g="0" b="0"/>
+      </a:effectRef>
+      <a:fontRef idx="minor"/>
+    </dgm:style>
+  </dgm:styleLbl>
+  <dgm:styleLbl name="revTx">
+    <dgm:scene3d>
+      <a:camera prst="orthographicFront"/>
+      <a:lightRig rig="threePt" dir="t"/>
+    </dgm:scene3d>
+    <dgm:sp3d/>
+    <dgm:txPr/>
+    <dgm:style>
+      <a:lnRef idx="0">
+        <a:scrgbClr r="0" g="0" b="0"/>
+      </a:lnRef>
+      <a:fillRef idx="0">
+        <a:scrgbClr r="0" g="0" b="0"/>
+      </a:fillRef>
+      <a:effectRef idx="0">
+        <a:scrgbClr r="0" g="0" b="0"/>
+      </a:effectRef>
+      <a:fontRef idx="minor"/>
+    </dgm:style>
+  </dgm:styleLbl>
+</dgm:styleDef>
+</file>
+
+<file path=ppt/diagrams/quickStyle3.xml><?xml version="1.0" encoding="utf-8"?>
 <dgm:styleDef xmlns:dgm="http://schemas.openxmlformats.org/drawingml/2006/diagram" xmlns:a="http://schemas.openxmlformats.org/drawingml/2006/main" uniqueId="urn:microsoft.com/office/officeart/2005/8/quickstyle/simple1">
   <dgm:title val=""/>
   <dgm:desc val=""/>
@@ -10126,7 +13496,7 @@
           <p:nvPr>
             <p:extLst>
               <p:ext uri="{D42A27DB-BD31-4B8C-83A1-F6EECF244321}">
-                <p14:modId xmlns:p14="http://schemas.microsoft.com/office/powerpoint/2010/main" val="1596866141"/>
+                <p14:modId xmlns:p14="http://schemas.microsoft.com/office/powerpoint/2010/main" val="855311961"/>
               </p:ext>
             </p:extLst>
           </p:nvPr>
@@ -22569,7 +25939,7 @@
           <a:bodyPr/>
           <a:lstStyle/>
           <a:p>
-            <a:endParaRPr lang="en-GB"/>
+            <a:endParaRPr lang="en-GB" sz="2800" b="1"/>
           </a:p>
         </p:txBody>
       </p:sp>
@@ -22582,7 +25952,7 @@
         <p:spPr>
           <a:xfrm>
             <a:off x="2091082" y="1963130"/>
-            <a:ext cx="14126266" cy="1226820"/>
+            <a:ext cx="14126266" cy="1340752"/>
           </a:xfrm>
           <a:prstGeom prst="rect">
             <a:avLst/>
@@ -22603,7 +25973,7 @@
               </a:spcBef>
             </a:pPr>
             <a:r>
-              <a:rPr lang="en-US" sz="7200">
+              <a:rPr lang="en-US" sz="9600" b="1" dirty="0">
                 <a:solidFill>
                   <a:srgbClr val="000000"/>
                 </a:solidFill>
@@ -22612,7 +25982,7 @@
                 <a:cs typeface="Opun"/>
                 <a:sym typeface="Opun"/>
               </a:rPr>
-              <a:t>Table of Content</a:t>
+              <a:t>Contents</a:t>
             </a:r>
           </a:p>
         </p:txBody>
@@ -22626,7 +25996,7 @@
         <p:spPr>
           <a:xfrm>
             <a:off x="2383907" y="4897235"/>
-            <a:ext cx="5901593" cy="500137"/>
+            <a:ext cx="5901593" cy="513602"/>
           </a:xfrm>
           <a:prstGeom prst="rect">
             <a:avLst/>
@@ -22644,7 +26014,7 @@
               </a:lnSpc>
             </a:pPr>
             <a:r>
-              <a:rPr lang="en-US" sz="2799" dirty="0">
+              <a:rPr lang="en-US" sz="3600" b="1" dirty="0">
                 <a:solidFill>
                   <a:srgbClr val="3B3B3B"/>
                 </a:solidFill>
@@ -22653,7 +26023,7 @@
                 <a:cs typeface="Opun"/>
                 <a:sym typeface="Opun"/>
               </a:rPr>
-              <a:t>Objective</a:t>
+              <a:t>Introduction</a:t>
             </a:r>
           </a:p>
         </p:txBody>
@@ -22667,7 +26037,7 @@
         <p:spPr>
           <a:xfrm>
             <a:off x="1027501" y="4665778"/>
-            <a:ext cx="1063581" cy="953135"/>
+            <a:ext cx="1063581" cy="1027204"/>
           </a:xfrm>
           <a:prstGeom prst="rect">
             <a:avLst/>
@@ -22685,7 +26055,7 @@
               </a:lnSpc>
             </a:pPr>
             <a:r>
-              <a:rPr lang="en-US" sz="5600">
+              <a:rPr lang="en-US" sz="7200" b="1">
                 <a:solidFill>
                   <a:srgbClr val="3B3B3B"/>
                 </a:solidFill>
@@ -22708,7 +26078,7 @@
         <p:spPr>
           <a:xfrm>
             <a:off x="2383907" y="5951829"/>
-            <a:ext cx="5901593" cy="481330"/>
+            <a:ext cx="5901593" cy="513602"/>
           </a:xfrm>
           <a:prstGeom prst="rect">
             <a:avLst/>
@@ -22726,7 +26096,7 @@
               </a:lnSpc>
             </a:pPr>
             <a:r>
-              <a:rPr lang="en-US" sz="2799" dirty="0">
+              <a:rPr lang="en-US" sz="3600" b="1" dirty="0">
                 <a:solidFill>
                   <a:srgbClr val="3B3B3B"/>
                 </a:solidFill>
@@ -22749,7 +26119,7 @@
         <p:spPr>
           <a:xfrm>
             <a:off x="1027501" y="5720372"/>
-            <a:ext cx="1063581" cy="953135"/>
+            <a:ext cx="1063581" cy="1027204"/>
           </a:xfrm>
           <a:prstGeom prst="rect">
             <a:avLst/>
@@ -22767,7 +26137,7 @@
               </a:lnSpc>
             </a:pPr>
             <a:r>
-              <a:rPr lang="en-US" sz="5600">
+              <a:rPr lang="en-US" sz="7200" b="1">
                 <a:solidFill>
                   <a:srgbClr val="3B3B3B"/>
                 </a:solidFill>
@@ -22790,7 +26160,7 @@
         <p:spPr>
           <a:xfrm>
             <a:off x="2383907" y="7006423"/>
-            <a:ext cx="5901593" cy="500137"/>
+            <a:ext cx="5901593" cy="513602"/>
           </a:xfrm>
           <a:prstGeom prst="rect">
             <a:avLst/>
@@ -22808,7 +26178,7 @@
               </a:lnSpc>
             </a:pPr>
             <a:r>
-              <a:rPr lang="en-US" sz="2799" dirty="0">
+              <a:rPr lang="en-US" sz="3600" b="1" dirty="0">
                 <a:solidFill>
                   <a:srgbClr val="3B3B3B"/>
                 </a:solidFill>
@@ -22831,7 +26201,7 @@
         <p:spPr>
           <a:xfrm>
             <a:off x="1027501" y="6774966"/>
-            <a:ext cx="1063581" cy="953135"/>
+            <a:ext cx="1063581" cy="1027204"/>
           </a:xfrm>
           <a:prstGeom prst="rect">
             <a:avLst/>
@@ -22849,7 +26219,7 @@
               </a:lnSpc>
             </a:pPr>
             <a:r>
-              <a:rPr lang="en-US" sz="5600">
+              <a:rPr lang="en-US" sz="7200" b="1">
                 <a:solidFill>
                   <a:srgbClr val="3B3B3B"/>
                 </a:solidFill>
@@ -22872,7 +26242,7 @@
         <p:spPr>
           <a:xfrm>
             <a:off x="2383907" y="8061018"/>
-            <a:ext cx="5901593" cy="500137"/>
+            <a:ext cx="5901593" cy="513602"/>
           </a:xfrm>
           <a:prstGeom prst="rect">
             <a:avLst/>
@@ -22890,7 +26260,7 @@
               </a:lnSpc>
             </a:pPr>
             <a:r>
-              <a:rPr lang="en-US" sz="2799" dirty="0" err="1">
+              <a:rPr lang="en-US" sz="3600" b="1" dirty="0" err="1">
                 <a:solidFill>
                   <a:srgbClr val="3B3B3B"/>
                 </a:solidFill>
@@ -22901,7 +26271,7 @@
               </a:rPr>
               <a:t>Methedology</a:t>
             </a:r>
-            <a:endParaRPr lang="en-US" sz="2799" dirty="0">
+            <a:endParaRPr lang="en-US" sz="3600" b="1" dirty="0">
               <a:solidFill>
                 <a:srgbClr val="3B3B3B"/>
               </a:solidFill>
@@ -22922,7 +26292,7 @@
         <p:spPr>
           <a:xfrm>
             <a:off x="1027501" y="7829560"/>
-            <a:ext cx="1063581" cy="953135"/>
+            <a:ext cx="1063581" cy="1027204"/>
           </a:xfrm>
           <a:prstGeom prst="rect">
             <a:avLst/>
@@ -22940,7 +26310,7 @@
               </a:lnSpc>
             </a:pPr>
             <a:r>
-              <a:rPr lang="en-US" sz="5600">
+              <a:rPr lang="en-US" sz="7200" b="1">
                 <a:solidFill>
                   <a:srgbClr val="3B3B3B"/>
                 </a:solidFill>
@@ -22963,7 +26333,7 @@
         <p:spPr>
           <a:xfrm>
             <a:off x="11356508" y="4897235"/>
-            <a:ext cx="5901593" cy="500137"/>
+            <a:ext cx="5901593" cy="513602"/>
           </a:xfrm>
           <a:prstGeom prst="rect">
             <a:avLst/>
@@ -22981,7 +26351,7 @@
               </a:lnSpc>
             </a:pPr>
             <a:r>
-              <a:rPr lang="en-US" sz="2799" dirty="0">
+              <a:rPr lang="en-US" sz="3600" b="1" dirty="0">
                 <a:solidFill>
                   <a:srgbClr val="3B3B3B"/>
                 </a:solidFill>
@@ -23004,7 +26374,7 @@
         <p:spPr>
           <a:xfrm>
             <a:off x="10000103" y="4614545"/>
-            <a:ext cx="1063581" cy="953135"/>
+            <a:ext cx="1063581" cy="1027204"/>
           </a:xfrm>
           <a:prstGeom prst="rect">
             <a:avLst/>
@@ -23022,7 +26392,7 @@
               </a:lnSpc>
             </a:pPr>
             <a:r>
-              <a:rPr lang="en-US" sz="5600">
+              <a:rPr lang="en-US" sz="7200" b="1">
                 <a:solidFill>
                   <a:srgbClr val="3B3B3B"/>
                 </a:solidFill>
@@ -23045,7 +26415,7 @@
         <p:spPr>
           <a:xfrm>
             <a:off x="11356508" y="6357277"/>
-            <a:ext cx="5901593" cy="500137"/>
+            <a:ext cx="5901593" cy="513602"/>
           </a:xfrm>
           <a:prstGeom prst="rect">
             <a:avLst/>
@@ -23063,7 +26433,7 @@
               </a:lnSpc>
             </a:pPr>
             <a:r>
-              <a:rPr lang="en-US" sz="2799" dirty="0">
+              <a:rPr lang="en-US" sz="3600" b="1" dirty="0">
                 <a:solidFill>
                   <a:srgbClr val="3B3B3B"/>
                 </a:solidFill>
@@ -23086,7 +26456,7 @@
         <p:spPr>
           <a:xfrm>
             <a:off x="10000103" y="6125819"/>
-            <a:ext cx="1063581" cy="953135"/>
+            <a:ext cx="1063581" cy="1027204"/>
           </a:xfrm>
           <a:prstGeom prst="rect">
             <a:avLst/>
@@ -23104,7 +26474,7 @@
               </a:lnSpc>
             </a:pPr>
             <a:r>
-              <a:rPr lang="en-US" sz="5600">
+              <a:rPr lang="en-US" sz="7200" b="1">
                 <a:solidFill>
                   <a:srgbClr val="3B3B3B"/>
                 </a:solidFill>
@@ -23127,7 +26497,7 @@
         <p:spPr>
           <a:xfrm>
             <a:off x="11356508" y="7798763"/>
-            <a:ext cx="5901593" cy="500137"/>
+            <a:ext cx="5901593" cy="513602"/>
           </a:xfrm>
           <a:prstGeom prst="rect">
             <a:avLst/>
@@ -23145,7 +26515,7 @@
               </a:lnSpc>
             </a:pPr>
             <a:r>
-              <a:rPr lang="en-US" sz="2799" dirty="0">
+              <a:rPr lang="en-US" sz="3600" b="1" dirty="0">
                 <a:solidFill>
                   <a:srgbClr val="3B3B3B"/>
                 </a:solidFill>
@@ -23168,7 +26538,7 @@
         <p:spPr>
           <a:xfrm>
             <a:off x="10000103" y="7567305"/>
-            <a:ext cx="1063581" cy="953135"/>
+            <a:ext cx="1063581" cy="1027204"/>
           </a:xfrm>
           <a:prstGeom prst="rect">
             <a:avLst/>
@@ -23186,7 +26556,7 @@
               </a:lnSpc>
             </a:pPr>
             <a:r>
-              <a:rPr lang="en-US" sz="5600">
+              <a:rPr lang="en-US" sz="7200" b="1">
                 <a:solidFill>
                   <a:srgbClr val="3B3B3B"/>
                 </a:solidFill>
@@ -23268,7 +26638,7 @@
             <a:bodyPr/>
             <a:lstStyle/>
             <a:p>
-              <a:endParaRPr lang="en-GB"/>
+              <a:endParaRPr lang="en-GB" sz="2800" b="1"/>
             </a:p>
           </p:txBody>
         </p:sp>
@@ -23296,7 +26666,7 @@
                   <a:spcPts val="3178"/>
                 </a:lnSpc>
               </a:pPr>
-              <a:endParaRPr/>
+              <a:endParaRPr sz="2800" b="1"/>
             </a:p>
           </p:txBody>
         </p:sp>
@@ -23369,7 +26739,7 @@
             <a:bodyPr/>
             <a:lstStyle/>
             <a:p>
-              <a:endParaRPr lang="en-GB"/>
+              <a:endParaRPr lang="en-GB" sz="2800" b="1"/>
             </a:p>
           </p:txBody>
         </p:sp>
@@ -23397,7 +26767,7 @@
                   <a:spcPts val="3178"/>
                 </a:lnSpc>
               </a:pPr>
-              <a:endParaRPr/>
+              <a:endParaRPr sz="2800" b="1"/>
             </a:p>
           </p:txBody>
         </p:sp>
@@ -23470,7 +26840,7 @@
             <a:bodyPr/>
             <a:lstStyle/>
             <a:p>
-              <a:endParaRPr lang="en-GB"/>
+              <a:endParaRPr lang="en-GB" sz="2800" b="1"/>
             </a:p>
           </p:txBody>
         </p:sp>
@@ -23498,7 +26868,7 @@
                   <a:spcPts val="3178"/>
                 </a:lnSpc>
               </a:pPr>
-              <a:endParaRPr/>
+              <a:endParaRPr sz="2800" b="1"/>
             </a:p>
           </p:txBody>
         </p:sp>
@@ -23571,7 +26941,7 @@
             <a:bodyPr/>
             <a:lstStyle/>
             <a:p>
-              <a:endParaRPr lang="en-GB"/>
+              <a:endParaRPr lang="en-GB" sz="2800" b="1"/>
             </a:p>
           </p:txBody>
         </p:sp>
@@ -23599,7 +26969,7 @@
                   <a:spcPts val="3178"/>
                 </a:lnSpc>
               </a:pPr>
-              <a:endParaRPr/>
+              <a:endParaRPr sz="2800" b="1"/>
             </a:p>
           </p:txBody>
         </p:sp>
@@ -26792,7 +30162,7 @@
         <p:cNvPr id="1" name="">
           <a:extLst>
             <a:ext uri="{FF2B5EF4-FFF2-40B4-BE49-F238E27FC236}">
-              <a16:creationId xmlns:a16="http://schemas.microsoft.com/office/drawing/2014/main" id="{9519462D-CF20-0E64-8B89-4FD1E909C494}"/>
+              <a16:creationId xmlns:a16="http://schemas.microsoft.com/office/drawing/2014/main" id="{4BDA3C92-3B35-D8B9-48CC-2A6B9F75ACBF}"/>
             </a:ext>
           </a:extLst>
         </p:cNvPr>
@@ -26812,7 +30182,7 @@
           <p:cNvPr id="2" name="Freeform 2">
             <a:extLst>
               <a:ext uri="{FF2B5EF4-FFF2-40B4-BE49-F238E27FC236}">
-                <a16:creationId xmlns:a16="http://schemas.microsoft.com/office/drawing/2014/main" id="{620599FE-C9A1-6BD9-693D-D24D4765C95B}"/>
+                <a16:creationId xmlns:a16="http://schemas.microsoft.com/office/drawing/2014/main" id="{12720119-801E-A471-B764-0F96B1315151}"/>
               </a:ext>
             </a:extLst>
           </p:cNvPr>
@@ -26877,7 +30247,7 @@
           <p:cNvPr id="18" name="Group 18">
             <a:extLst>
               <a:ext uri="{FF2B5EF4-FFF2-40B4-BE49-F238E27FC236}">
-                <a16:creationId xmlns:a16="http://schemas.microsoft.com/office/drawing/2014/main" id="{168FDCAA-6B42-1052-5CC9-A6EBF39C9DBB}"/>
+                <a16:creationId xmlns:a16="http://schemas.microsoft.com/office/drawing/2014/main" id="{81E41F1E-5ECB-C1FB-4E72-CAD556DE3BCF}"/>
               </a:ext>
             </a:extLst>
           </p:cNvPr>
@@ -26897,7 +30267,7 @@
             <p:cNvPr id="19" name="Freeform 19">
               <a:extLst>
                 <a:ext uri="{FF2B5EF4-FFF2-40B4-BE49-F238E27FC236}">
-                  <a16:creationId xmlns:a16="http://schemas.microsoft.com/office/drawing/2014/main" id="{E7E43ABA-00F5-40D5-7E9B-AFAE7178EA97}"/>
+                  <a16:creationId xmlns:a16="http://schemas.microsoft.com/office/drawing/2014/main" id="{D8F765CA-5D7D-85B1-9276-99A6AC0B3F13}"/>
                 </a:ext>
               </a:extLst>
             </p:cNvPr>
@@ -26961,7 +30331,7 @@
             <p:cNvPr id="20" name="TextBox 20">
               <a:extLst>
                 <a:ext uri="{FF2B5EF4-FFF2-40B4-BE49-F238E27FC236}">
-                  <a16:creationId xmlns:a16="http://schemas.microsoft.com/office/drawing/2014/main" id="{748FA8AD-35A1-FADF-FC84-C5BE990348E2}"/>
+                  <a16:creationId xmlns:a16="http://schemas.microsoft.com/office/drawing/2014/main" id="{5DFAFEF8-27B3-88ED-9AB2-979592792865}"/>
                 </a:ext>
               </a:extLst>
             </p:cNvPr>
@@ -26996,7 +30366,7 @@
           <p:cNvPr id="21" name="Group 21">
             <a:extLst>
               <a:ext uri="{FF2B5EF4-FFF2-40B4-BE49-F238E27FC236}">
-                <a16:creationId xmlns:a16="http://schemas.microsoft.com/office/drawing/2014/main" id="{D52EB0B3-DEDB-45F3-A454-5D6CA78262BA}"/>
+                <a16:creationId xmlns:a16="http://schemas.microsoft.com/office/drawing/2014/main" id="{61103BC9-5C64-B98B-7C1B-4BA58E6F2D7A}"/>
               </a:ext>
             </a:extLst>
           </p:cNvPr>
@@ -27016,7 +30386,7 @@
             <p:cNvPr id="22" name="Freeform 22">
               <a:extLst>
                 <a:ext uri="{FF2B5EF4-FFF2-40B4-BE49-F238E27FC236}">
-                  <a16:creationId xmlns:a16="http://schemas.microsoft.com/office/drawing/2014/main" id="{E12D80AA-DBFB-5025-7CC7-83DA17E84866}"/>
+                  <a16:creationId xmlns:a16="http://schemas.microsoft.com/office/drawing/2014/main" id="{28F80E00-6681-226D-7FDA-566B1EC9FB77}"/>
                 </a:ext>
               </a:extLst>
             </p:cNvPr>
@@ -27080,7 +30450,7 @@
             <p:cNvPr id="23" name="TextBox 23">
               <a:extLst>
                 <a:ext uri="{FF2B5EF4-FFF2-40B4-BE49-F238E27FC236}">
-                  <a16:creationId xmlns:a16="http://schemas.microsoft.com/office/drawing/2014/main" id="{4FBE3B65-320E-3ACB-A1BA-EBEAAD722DCF}"/>
+                  <a16:creationId xmlns:a16="http://schemas.microsoft.com/office/drawing/2014/main" id="{A3346729-BB0B-C343-3D59-193E7D24CE25}"/>
                 </a:ext>
               </a:extLst>
             </p:cNvPr>
@@ -27115,7 +30485,7 @@
           <p:cNvPr id="24" name="Group 24">
             <a:extLst>
               <a:ext uri="{FF2B5EF4-FFF2-40B4-BE49-F238E27FC236}">
-                <a16:creationId xmlns:a16="http://schemas.microsoft.com/office/drawing/2014/main" id="{12643954-D9FF-BD68-F80E-E443353BEBEB}"/>
+                <a16:creationId xmlns:a16="http://schemas.microsoft.com/office/drawing/2014/main" id="{4129B8F7-7893-5069-482E-8E6FC2D98436}"/>
               </a:ext>
             </a:extLst>
           </p:cNvPr>
@@ -27135,7 +30505,7 @@
             <p:cNvPr id="25" name="Freeform 25">
               <a:extLst>
                 <a:ext uri="{FF2B5EF4-FFF2-40B4-BE49-F238E27FC236}">
-                  <a16:creationId xmlns:a16="http://schemas.microsoft.com/office/drawing/2014/main" id="{D371F74D-0095-E93F-EDC2-7D115CA2778C}"/>
+                  <a16:creationId xmlns:a16="http://schemas.microsoft.com/office/drawing/2014/main" id="{81A94BA1-07EF-5D71-FB0D-4994EC7C50B7}"/>
                 </a:ext>
               </a:extLst>
             </p:cNvPr>
@@ -27199,7 +30569,7 @@
             <p:cNvPr id="26" name="TextBox 26">
               <a:extLst>
                 <a:ext uri="{FF2B5EF4-FFF2-40B4-BE49-F238E27FC236}">
-                  <a16:creationId xmlns:a16="http://schemas.microsoft.com/office/drawing/2014/main" id="{852C5277-2F20-3CA0-0CE5-33994450BA2A}"/>
+                  <a16:creationId xmlns:a16="http://schemas.microsoft.com/office/drawing/2014/main" id="{2D8DDBD5-F84D-396C-6935-8F4A560D974D}"/>
                 </a:ext>
               </a:extLst>
             </p:cNvPr>
@@ -27234,7 +30604,7 @@
           <p:cNvPr id="27" name="Group 27">
             <a:extLst>
               <a:ext uri="{FF2B5EF4-FFF2-40B4-BE49-F238E27FC236}">
-                <a16:creationId xmlns:a16="http://schemas.microsoft.com/office/drawing/2014/main" id="{7F059F0A-13F7-6498-FCD2-DA7BDC41791B}"/>
+                <a16:creationId xmlns:a16="http://schemas.microsoft.com/office/drawing/2014/main" id="{F9A05DA1-757C-1A08-D386-207E815F3B5E}"/>
               </a:ext>
             </a:extLst>
           </p:cNvPr>
@@ -27254,7 +30624,7 @@
             <p:cNvPr id="28" name="Freeform 28">
               <a:extLst>
                 <a:ext uri="{FF2B5EF4-FFF2-40B4-BE49-F238E27FC236}">
-                  <a16:creationId xmlns:a16="http://schemas.microsoft.com/office/drawing/2014/main" id="{1E504452-93D8-CF75-040A-9633182B9932}"/>
+                  <a16:creationId xmlns:a16="http://schemas.microsoft.com/office/drawing/2014/main" id="{165BF7D0-FF62-AEBE-DA20-9F49E5284B57}"/>
                 </a:ext>
               </a:extLst>
             </p:cNvPr>
@@ -27318,7 +30688,7 @@
             <p:cNvPr id="29" name="TextBox 29">
               <a:extLst>
                 <a:ext uri="{FF2B5EF4-FFF2-40B4-BE49-F238E27FC236}">
-                  <a16:creationId xmlns:a16="http://schemas.microsoft.com/office/drawing/2014/main" id="{C67F15AB-21F7-1CCA-0A6C-87F2A0F8ADA3}"/>
+                  <a16:creationId xmlns:a16="http://schemas.microsoft.com/office/drawing/2014/main" id="{96CC85F7-1D12-98CA-090E-F4E965C0C513}"/>
                 </a:ext>
               </a:extLst>
             </p:cNvPr>
@@ -27353,7 +30723,7 @@
           <p:cNvPr id="32" name="Title 31">
             <a:extLst>
               <a:ext uri="{FF2B5EF4-FFF2-40B4-BE49-F238E27FC236}">
-                <a16:creationId xmlns:a16="http://schemas.microsoft.com/office/drawing/2014/main" id="{4454BFE5-1459-9329-798A-3345562154DB}"/>
+                <a16:creationId xmlns:a16="http://schemas.microsoft.com/office/drawing/2014/main" id="{0B45141A-D282-BEBE-1D86-0DD568C54BD7}"/>
               </a:ext>
             </a:extLst>
           </p:cNvPr>
@@ -27376,7 +30746,7 @@
           <a:p>
             <a:r>
               <a:rPr lang="en-GB" b="1" dirty="0"/>
-              <a:t>Objectives</a:t>
+              <a:t>Introduction</a:t>
             </a:r>
           </a:p>
         </p:txBody>
@@ -27386,7 +30756,7 @@
           <p:cNvPr id="33" name="Content Placeholder 32">
             <a:extLst>
               <a:ext uri="{FF2B5EF4-FFF2-40B4-BE49-F238E27FC236}">
-                <a16:creationId xmlns:a16="http://schemas.microsoft.com/office/drawing/2014/main" id="{3B0416DA-B135-A0BB-20A5-2018D72AAD1F}"/>
+                <a16:creationId xmlns:a16="http://schemas.microsoft.com/office/drawing/2014/main" id="{E6B47ADB-01A8-E0C7-D458-2BBB95CD9D2A}"/>
               </a:ext>
             </a:extLst>
           </p:cNvPr>
@@ -27405,38 +30775,77 @@
         </p:spPr>
         <p:txBody>
           <a:bodyPr>
-            <a:normAutofit fontScale="92500" lnSpcReduction="20000"/>
+            <a:normAutofit lnSpcReduction="10000"/>
           </a:bodyPr>
           <a:lstStyle/>
           <a:p>
+            <a:pPr>
+              <a:buNone/>
+            </a:pPr>
             <a:r>
               <a:rPr lang="en-CA" dirty="0"/>
-              <a:t>Analyze HR data to identify trends that contribute to employee retention and satisfaction, providing actionable insights to improve employee engagement.</a:t>
+              <a:t>HR today is about more than just hiring and payroll—it's a key part of shaping company success. From keeping employees happy to building strong teams and planning for the future, HR plays a big role.</a:t>
+            </a:r>
+          </a:p>
+          <a:p>
+            <a:pPr>
+              <a:buNone/>
+            </a:pPr>
+            <a:r>
+              <a:rPr lang="en-CA" dirty="0"/>
+              <a:t>Understanding HR data helps companies:</a:t>
+            </a:r>
+          </a:p>
+          <a:p>
+            <a:pPr>
+              <a:buFont typeface="Arial" panose="020B0604020202020204" pitchFamily="34" charset="0"/>
+              <a:buChar char="•"/>
+            </a:pPr>
+            <a:r>
+              <a:rPr lang="en-CA" dirty="0"/>
+              <a:t>Keep good employees and boost satisfaction</a:t>
+            </a:r>
+          </a:p>
+          <a:p>
+            <a:pPr>
+              <a:buFont typeface="Arial" panose="020B0604020202020204" pitchFamily="34" charset="0"/>
+              <a:buChar char="•"/>
+            </a:pPr>
+            <a:r>
+              <a:rPr lang="en-CA" dirty="0"/>
+              <a:t>Make smart choices about promotions and salaries</a:t>
+            </a:r>
+          </a:p>
+          <a:p>
+            <a:pPr>
+              <a:buFont typeface="Arial" panose="020B0604020202020204" pitchFamily="34" charset="0"/>
+              <a:buChar char="•"/>
+            </a:pPr>
+            <a:r>
+              <a:rPr lang="en-CA" dirty="0"/>
+              <a:t>Create a fair and productive work environment</a:t>
+            </a:r>
+          </a:p>
+          <a:p>
+            <a:pPr>
+              <a:buFont typeface="Arial" panose="020B0604020202020204" pitchFamily="34" charset="0"/>
+              <a:buChar char="•"/>
+            </a:pPr>
+            <a:r>
+              <a:rPr lang="en-CA" dirty="0"/>
+              <a:t>Plan for future growth with the right people in the right roles</a:t>
             </a:r>
           </a:p>
           <a:p>
             <a:r>
               <a:rPr lang="en-CA" dirty="0"/>
-              <a:t>Utilize HR data to recommend informed decisions on promotions and salary adjustments, ensuring equitable outcomes for all employees.</a:t>
+              <a:t>As businesses grow and change, using HR insights is essential to stay competitive and successful</a:t>
             </a:r>
           </a:p>
           <a:p>
-            <a:r>
-              <a:rPr lang="en-CA" dirty="0"/>
-              <a:t>Leverage HR insights to assess and improve workplace fairness and productivity, supporting the development of better policies and practices</a:t>
-            </a:r>
+            <a:endParaRPr lang="en-CA" dirty="0"/>
           </a:p>
           <a:p>
-            <a:r>
-              <a:rPr lang="en-CA" dirty="0"/>
-              <a:t>Conduct workforce analysis to guide strategic decisions, ensuring the right talent is in place to meet future business growth and role requirements</a:t>
-            </a:r>
-          </a:p>
-          <a:p>
-            <a:r>
-              <a:rPr lang="en-CA" dirty="0"/>
-              <a:t>Monitor HR trends and insights to help the organization stay competitive and adaptable as it evolves, providing data-driven support for ongoing success</a:t>
-            </a:r>
             <a:endParaRPr lang="en-GB" dirty="0"/>
           </a:p>
         </p:txBody>
@@ -27446,7 +30855,7 @@
           <p:cNvPr id="35" name="Picture 34" descr="A magnifying glass with a person inside&#10;&#10;AI-generated content may be incorrect.">
             <a:extLst>
               <a:ext uri="{FF2B5EF4-FFF2-40B4-BE49-F238E27FC236}">
-                <a16:creationId xmlns:a16="http://schemas.microsoft.com/office/drawing/2014/main" id="{80E61290-2365-F183-2BA4-94AC99EBA544}"/>
+                <a16:creationId xmlns:a16="http://schemas.microsoft.com/office/drawing/2014/main" id="{E1A3167B-307E-8384-8133-59CF3DAB8432}"/>
               </a:ext>
             </a:extLst>
           </p:cNvPr>
@@ -27479,7 +30888,7 @@
     </p:spTree>
     <p:extLst>
       <p:ext uri="{BB962C8B-B14F-4D97-AF65-F5344CB8AC3E}">
-        <p14:creationId xmlns:p14="http://schemas.microsoft.com/office/powerpoint/2010/main" val="1845101617"/>
+        <p14:creationId xmlns:p14="http://schemas.microsoft.com/office/powerpoint/2010/main" val="954601496"/>
       </p:ext>
     </p:extLst>
   </p:cSld>
@@ -28187,857 +31596,6 @@
         <p:cNvPr id="1" name="">
           <a:extLst>
             <a:ext uri="{FF2B5EF4-FFF2-40B4-BE49-F238E27FC236}">
-              <a16:creationId xmlns:a16="http://schemas.microsoft.com/office/drawing/2014/main" id="{76C083CA-E67E-445C-4F80-1F5EF2121DB4}"/>
-            </a:ext>
-          </a:extLst>
-        </p:cNvPr>
-        <p:cNvGrpSpPr/>
-        <p:nvPr/>
-      </p:nvGrpSpPr>
-      <p:grpSpPr>
-        <a:xfrm>
-          <a:off x="0" y="0"/>
-          <a:ext cx="0" cy="0"/>
-          <a:chOff x="0" y="0"/>
-          <a:chExt cx="0" cy="0"/>
-        </a:xfrm>
-      </p:grpSpPr>
-      <p:sp>
-        <p:nvSpPr>
-          <p:cNvPr id="2" name="Freeform 2">
-            <a:extLst>
-              <a:ext uri="{FF2B5EF4-FFF2-40B4-BE49-F238E27FC236}">
-                <a16:creationId xmlns:a16="http://schemas.microsoft.com/office/drawing/2014/main" id="{D9AC1922-C0A2-53A5-8B8C-3383782BBC8D}"/>
-              </a:ext>
-            </a:extLst>
-          </p:cNvPr>
-          <p:cNvSpPr/>
-          <p:nvPr/>
-        </p:nvSpPr>
-        <p:spPr>
-          <a:xfrm>
-            <a:off x="0" y="27103"/>
-            <a:ext cx="6913821" cy="4114800"/>
-          </a:xfrm>
-          <a:custGeom>
-            <a:avLst/>
-            <a:gdLst/>
-            <a:ahLst/>
-            <a:cxnLst/>
-            <a:rect l="l" t="t" r="r" b="b"/>
-            <a:pathLst>
-              <a:path w="6913821" h="4114800">
-                <a:moveTo>
-                  <a:pt x="0" y="0"/>
-                </a:moveTo>
-                <a:lnTo>
-                  <a:pt x="6913821" y="0"/>
-                </a:lnTo>
-                <a:lnTo>
-                  <a:pt x="6913821" y="4114800"/>
-                </a:lnTo>
-                <a:lnTo>
-                  <a:pt x="0" y="4114800"/>
-                </a:lnTo>
-                <a:lnTo>
-                  <a:pt x="0" y="0"/>
-                </a:lnTo>
-                <a:close/>
-              </a:path>
-            </a:pathLst>
-          </a:custGeom>
-          <a:blipFill>
-            <a:blip r:embed="rId2">
-              <a:extLst>
-                <a:ext uri="{96DAC541-7B7A-43D3-8B79-37D633B846F1}">
-                  <asvg:svgBlip xmlns:asvg="http://schemas.microsoft.com/office/drawing/2016/SVG/main" r:embed="rId3"/>
-                </a:ext>
-              </a:extLst>
-            </a:blip>
-            <a:stretch>
-              <a:fillRect/>
-            </a:stretch>
-          </a:blipFill>
-        </p:spPr>
-        <p:txBody>
-          <a:bodyPr/>
-          <a:lstStyle/>
-          <a:p>
-            <a:endParaRPr lang="en-GB"/>
-          </a:p>
-        </p:txBody>
-      </p:sp>
-      <p:grpSp>
-        <p:nvGrpSpPr>
-          <p:cNvPr id="18" name="Group 18">
-            <a:extLst>
-              <a:ext uri="{FF2B5EF4-FFF2-40B4-BE49-F238E27FC236}">
-                <a16:creationId xmlns:a16="http://schemas.microsoft.com/office/drawing/2014/main" id="{5FD252A4-9CF4-D86B-EC4C-B88B09D998BC}"/>
-              </a:ext>
-            </a:extLst>
-          </p:cNvPr>
-          <p:cNvGrpSpPr/>
-          <p:nvPr/>
-        </p:nvGrpSpPr>
-        <p:grpSpPr>
-          <a:xfrm>
-            <a:off x="471784" y="1219072"/>
-            <a:ext cx="555717" cy="555717"/>
-            <a:chOff x="0" y="0"/>
-            <a:chExt cx="812800" cy="812800"/>
-          </a:xfrm>
-        </p:grpSpPr>
-        <p:sp>
-          <p:nvSpPr>
-            <p:cNvPr id="19" name="Freeform 19">
-              <a:extLst>
-                <a:ext uri="{FF2B5EF4-FFF2-40B4-BE49-F238E27FC236}">
-                  <a16:creationId xmlns:a16="http://schemas.microsoft.com/office/drawing/2014/main" id="{AF7FF490-D003-FCBB-D9E2-12E80CA9A29B}"/>
-                </a:ext>
-              </a:extLst>
-            </p:cNvPr>
-            <p:cNvSpPr/>
-            <p:nvPr/>
-          </p:nvSpPr>
-          <p:spPr>
-            <a:xfrm>
-              <a:off x="0" y="0"/>
-              <a:ext cx="812800" cy="812800"/>
-            </a:xfrm>
-            <a:custGeom>
-              <a:avLst/>
-              <a:gdLst/>
-              <a:ahLst/>
-              <a:cxnLst/>
-              <a:rect l="l" t="t" r="r" b="b"/>
-              <a:pathLst>
-                <a:path w="812800" h="812800">
-                  <a:moveTo>
-                    <a:pt x="406400" y="0"/>
-                  </a:moveTo>
-                  <a:cubicBezTo>
-                    <a:pt x="181951" y="0"/>
-                    <a:pt x="0" y="181951"/>
-                    <a:pt x="0" y="406400"/>
-                  </a:cubicBezTo>
-                  <a:cubicBezTo>
-                    <a:pt x="0" y="630849"/>
-                    <a:pt x="181951" y="812800"/>
-                    <a:pt x="406400" y="812800"/>
-                  </a:cubicBezTo>
-                  <a:cubicBezTo>
-                    <a:pt x="630849" y="812800"/>
-                    <a:pt x="812800" y="630849"/>
-                    <a:pt x="812800" y="406400"/>
-                  </a:cubicBezTo>
-                  <a:cubicBezTo>
-                    <a:pt x="812800" y="181951"/>
-                    <a:pt x="630849" y="0"/>
-                    <a:pt x="406400" y="0"/>
-                  </a:cubicBezTo>
-                  <a:close/>
-                </a:path>
-              </a:pathLst>
-            </a:custGeom>
-            <a:solidFill>
-              <a:srgbClr val="F8F8FA"/>
-            </a:solidFill>
-          </p:spPr>
-          <p:txBody>
-            <a:bodyPr/>
-            <a:lstStyle/>
-            <a:p>
-              <a:endParaRPr lang="en-GB"/>
-            </a:p>
-          </p:txBody>
-        </p:sp>
-        <p:sp>
-          <p:nvSpPr>
-            <p:cNvPr id="20" name="TextBox 20">
-              <a:extLst>
-                <a:ext uri="{FF2B5EF4-FFF2-40B4-BE49-F238E27FC236}">
-                  <a16:creationId xmlns:a16="http://schemas.microsoft.com/office/drawing/2014/main" id="{512C465C-5BA6-C252-D524-4760B0716E16}"/>
-                </a:ext>
-              </a:extLst>
-            </p:cNvPr>
-            <p:cNvSpPr txBox="1"/>
-            <p:nvPr/>
-          </p:nvSpPr>
-          <p:spPr>
-            <a:xfrm>
-              <a:off x="76200" y="28575"/>
-              <a:ext cx="660400" cy="708025"/>
-            </a:xfrm>
-            <a:prstGeom prst="rect">
-              <a:avLst/>
-            </a:prstGeom>
-          </p:spPr>
-          <p:txBody>
-            <a:bodyPr lIns="50800" tIns="50800" rIns="50800" bIns="50800" rtlCol="0" anchor="ctr"/>
-            <a:lstStyle/>
-            <a:p>
-              <a:pPr algn="ctr">
-                <a:lnSpc>
-                  <a:spcPts val="3178"/>
-                </a:lnSpc>
-              </a:pPr>
-              <a:endParaRPr/>
-            </a:p>
-          </p:txBody>
-        </p:sp>
-      </p:grpSp>
-      <p:grpSp>
-        <p:nvGrpSpPr>
-          <p:cNvPr id="21" name="Group 21">
-            <a:extLst>
-              <a:ext uri="{FF2B5EF4-FFF2-40B4-BE49-F238E27FC236}">
-                <a16:creationId xmlns:a16="http://schemas.microsoft.com/office/drawing/2014/main" id="{275CBF35-3BB3-E1AB-3890-AFED83D3ED1D}"/>
-              </a:ext>
-            </a:extLst>
-          </p:cNvPr>
-          <p:cNvGrpSpPr/>
-          <p:nvPr/>
-        </p:nvGrpSpPr>
-        <p:grpSpPr>
-          <a:xfrm>
-            <a:off x="1028700" y="156690"/>
-            <a:ext cx="1062382" cy="1062382"/>
-            <a:chOff x="0" y="0"/>
-            <a:chExt cx="812800" cy="812800"/>
-          </a:xfrm>
-        </p:grpSpPr>
-        <p:sp>
-          <p:nvSpPr>
-            <p:cNvPr id="22" name="Freeform 22">
-              <a:extLst>
-                <a:ext uri="{FF2B5EF4-FFF2-40B4-BE49-F238E27FC236}">
-                  <a16:creationId xmlns:a16="http://schemas.microsoft.com/office/drawing/2014/main" id="{7C9969AE-167B-0563-B4B1-6A1A1159620F}"/>
-                </a:ext>
-              </a:extLst>
-            </p:cNvPr>
-            <p:cNvSpPr/>
-            <p:nvPr/>
-          </p:nvSpPr>
-          <p:spPr>
-            <a:xfrm>
-              <a:off x="0" y="0"/>
-              <a:ext cx="812800" cy="812800"/>
-            </a:xfrm>
-            <a:custGeom>
-              <a:avLst/>
-              <a:gdLst/>
-              <a:ahLst/>
-              <a:cxnLst/>
-              <a:rect l="l" t="t" r="r" b="b"/>
-              <a:pathLst>
-                <a:path w="812800" h="812800">
-                  <a:moveTo>
-                    <a:pt x="406400" y="0"/>
-                  </a:moveTo>
-                  <a:cubicBezTo>
-                    <a:pt x="181951" y="0"/>
-                    <a:pt x="0" y="181951"/>
-                    <a:pt x="0" y="406400"/>
-                  </a:cubicBezTo>
-                  <a:cubicBezTo>
-                    <a:pt x="0" y="630849"/>
-                    <a:pt x="181951" y="812800"/>
-                    <a:pt x="406400" y="812800"/>
-                  </a:cubicBezTo>
-                  <a:cubicBezTo>
-                    <a:pt x="630849" y="812800"/>
-                    <a:pt x="812800" y="630849"/>
-                    <a:pt x="812800" y="406400"/>
-                  </a:cubicBezTo>
-                  <a:cubicBezTo>
-                    <a:pt x="812800" y="181951"/>
-                    <a:pt x="630849" y="0"/>
-                    <a:pt x="406400" y="0"/>
-                  </a:cubicBezTo>
-                  <a:close/>
-                </a:path>
-              </a:pathLst>
-            </a:custGeom>
-            <a:solidFill>
-              <a:srgbClr val="F8F8FA"/>
-            </a:solidFill>
-          </p:spPr>
-          <p:txBody>
-            <a:bodyPr/>
-            <a:lstStyle/>
-            <a:p>
-              <a:endParaRPr lang="en-GB"/>
-            </a:p>
-          </p:txBody>
-        </p:sp>
-        <p:sp>
-          <p:nvSpPr>
-            <p:cNvPr id="23" name="TextBox 23">
-              <a:extLst>
-                <a:ext uri="{FF2B5EF4-FFF2-40B4-BE49-F238E27FC236}">
-                  <a16:creationId xmlns:a16="http://schemas.microsoft.com/office/drawing/2014/main" id="{713E7233-E822-6D50-1BC6-582EC07E17DF}"/>
-                </a:ext>
-              </a:extLst>
-            </p:cNvPr>
-            <p:cNvSpPr txBox="1"/>
-            <p:nvPr/>
-          </p:nvSpPr>
-          <p:spPr>
-            <a:xfrm>
-              <a:off x="76200" y="28575"/>
-              <a:ext cx="660400" cy="708025"/>
-            </a:xfrm>
-            <a:prstGeom prst="rect">
-              <a:avLst/>
-            </a:prstGeom>
-          </p:spPr>
-          <p:txBody>
-            <a:bodyPr lIns="50800" tIns="50800" rIns="50800" bIns="50800" rtlCol="0" anchor="ctr"/>
-            <a:lstStyle/>
-            <a:p>
-              <a:pPr algn="ctr">
-                <a:lnSpc>
-                  <a:spcPts val="3178"/>
-                </a:lnSpc>
-              </a:pPr>
-              <a:endParaRPr/>
-            </a:p>
-          </p:txBody>
-        </p:sp>
-      </p:grpSp>
-      <p:grpSp>
-        <p:nvGrpSpPr>
-          <p:cNvPr id="24" name="Group 24">
-            <a:extLst>
-              <a:ext uri="{FF2B5EF4-FFF2-40B4-BE49-F238E27FC236}">
-                <a16:creationId xmlns:a16="http://schemas.microsoft.com/office/drawing/2014/main" id="{A9E39A5E-1A94-DF4C-F85B-9E23309F6333}"/>
-              </a:ext>
-            </a:extLst>
-          </p:cNvPr>
-          <p:cNvGrpSpPr/>
-          <p:nvPr/>
-        </p:nvGrpSpPr>
-        <p:grpSpPr>
-          <a:xfrm>
-            <a:off x="17232976" y="1818621"/>
-            <a:ext cx="555717" cy="555717"/>
-            <a:chOff x="0" y="0"/>
-            <a:chExt cx="812800" cy="812800"/>
-          </a:xfrm>
-        </p:grpSpPr>
-        <p:sp>
-          <p:nvSpPr>
-            <p:cNvPr id="25" name="Freeform 25">
-              <a:extLst>
-                <a:ext uri="{FF2B5EF4-FFF2-40B4-BE49-F238E27FC236}">
-                  <a16:creationId xmlns:a16="http://schemas.microsoft.com/office/drawing/2014/main" id="{BF078F67-AA5C-3960-7D66-6C0988D9F923}"/>
-                </a:ext>
-              </a:extLst>
-            </p:cNvPr>
-            <p:cNvSpPr/>
-            <p:nvPr/>
-          </p:nvSpPr>
-          <p:spPr>
-            <a:xfrm>
-              <a:off x="0" y="0"/>
-              <a:ext cx="812800" cy="812800"/>
-            </a:xfrm>
-            <a:custGeom>
-              <a:avLst/>
-              <a:gdLst/>
-              <a:ahLst/>
-              <a:cxnLst/>
-              <a:rect l="l" t="t" r="r" b="b"/>
-              <a:pathLst>
-                <a:path w="812800" h="812800">
-                  <a:moveTo>
-                    <a:pt x="406400" y="0"/>
-                  </a:moveTo>
-                  <a:cubicBezTo>
-                    <a:pt x="181951" y="0"/>
-                    <a:pt x="0" y="181951"/>
-                    <a:pt x="0" y="406400"/>
-                  </a:cubicBezTo>
-                  <a:cubicBezTo>
-                    <a:pt x="0" y="630849"/>
-                    <a:pt x="181951" y="812800"/>
-                    <a:pt x="406400" y="812800"/>
-                  </a:cubicBezTo>
-                  <a:cubicBezTo>
-                    <a:pt x="630849" y="812800"/>
-                    <a:pt x="812800" y="630849"/>
-                    <a:pt x="812800" y="406400"/>
-                  </a:cubicBezTo>
-                  <a:cubicBezTo>
-                    <a:pt x="812800" y="181951"/>
-                    <a:pt x="630849" y="0"/>
-                    <a:pt x="406400" y="0"/>
-                  </a:cubicBezTo>
-                  <a:close/>
-                </a:path>
-              </a:pathLst>
-            </a:custGeom>
-            <a:solidFill>
-              <a:srgbClr val="258683"/>
-            </a:solidFill>
-          </p:spPr>
-          <p:txBody>
-            <a:bodyPr/>
-            <a:lstStyle/>
-            <a:p>
-              <a:endParaRPr lang="en-GB"/>
-            </a:p>
-          </p:txBody>
-        </p:sp>
-        <p:sp>
-          <p:nvSpPr>
-            <p:cNvPr id="26" name="TextBox 26">
-              <a:extLst>
-                <a:ext uri="{FF2B5EF4-FFF2-40B4-BE49-F238E27FC236}">
-                  <a16:creationId xmlns:a16="http://schemas.microsoft.com/office/drawing/2014/main" id="{434EBAD7-1FC4-1B01-1AA9-7AF26364A96B}"/>
-                </a:ext>
-              </a:extLst>
-            </p:cNvPr>
-            <p:cNvSpPr txBox="1"/>
-            <p:nvPr/>
-          </p:nvSpPr>
-          <p:spPr>
-            <a:xfrm>
-              <a:off x="76200" y="28575"/>
-              <a:ext cx="660400" cy="708025"/>
-            </a:xfrm>
-            <a:prstGeom prst="rect">
-              <a:avLst/>
-            </a:prstGeom>
-          </p:spPr>
-          <p:txBody>
-            <a:bodyPr lIns="50800" tIns="50800" rIns="50800" bIns="50800" rtlCol="0" anchor="ctr"/>
-            <a:lstStyle/>
-            <a:p>
-              <a:pPr algn="ctr">
-                <a:lnSpc>
-                  <a:spcPts val="3178"/>
-                </a:lnSpc>
-              </a:pPr>
-              <a:endParaRPr/>
-            </a:p>
-          </p:txBody>
-        </p:sp>
-      </p:grpSp>
-      <p:grpSp>
-        <p:nvGrpSpPr>
-          <p:cNvPr id="27" name="Group 27">
-            <a:extLst>
-              <a:ext uri="{FF2B5EF4-FFF2-40B4-BE49-F238E27FC236}">
-                <a16:creationId xmlns:a16="http://schemas.microsoft.com/office/drawing/2014/main" id="{C1BD5A2C-3766-9BF4-0D5E-FAD236163E4B}"/>
-              </a:ext>
-            </a:extLst>
-          </p:cNvPr>
-          <p:cNvGrpSpPr/>
-          <p:nvPr/>
-        </p:nvGrpSpPr>
-        <p:grpSpPr>
-          <a:xfrm>
-            <a:off x="16448452" y="434549"/>
-            <a:ext cx="1062382" cy="1062382"/>
-            <a:chOff x="0" y="0"/>
-            <a:chExt cx="812800" cy="812800"/>
-          </a:xfrm>
-        </p:grpSpPr>
-        <p:sp>
-          <p:nvSpPr>
-            <p:cNvPr id="28" name="Freeform 28">
-              <a:extLst>
-                <a:ext uri="{FF2B5EF4-FFF2-40B4-BE49-F238E27FC236}">
-                  <a16:creationId xmlns:a16="http://schemas.microsoft.com/office/drawing/2014/main" id="{CA5239D3-1AB6-202D-ADCE-2652AD286B51}"/>
-                </a:ext>
-              </a:extLst>
-            </p:cNvPr>
-            <p:cNvSpPr/>
-            <p:nvPr/>
-          </p:nvSpPr>
-          <p:spPr>
-            <a:xfrm>
-              <a:off x="0" y="0"/>
-              <a:ext cx="812800" cy="812800"/>
-            </a:xfrm>
-            <a:custGeom>
-              <a:avLst/>
-              <a:gdLst/>
-              <a:ahLst/>
-              <a:cxnLst/>
-              <a:rect l="l" t="t" r="r" b="b"/>
-              <a:pathLst>
-                <a:path w="812800" h="812800">
-                  <a:moveTo>
-                    <a:pt x="406400" y="0"/>
-                  </a:moveTo>
-                  <a:cubicBezTo>
-                    <a:pt x="181951" y="0"/>
-                    <a:pt x="0" y="181951"/>
-                    <a:pt x="0" y="406400"/>
-                  </a:cubicBezTo>
-                  <a:cubicBezTo>
-                    <a:pt x="0" y="630849"/>
-                    <a:pt x="181951" y="812800"/>
-                    <a:pt x="406400" y="812800"/>
-                  </a:cubicBezTo>
-                  <a:cubicBezTo>
-                    <a:pt x="630849" y="812800"/>
-                    <a:pt x="812800" y="630849"/>
-                    <a:pt x="812800" y="406400"/>
-                  </a:cubicBezTo>
-                  <a:cubicBezTo>
-                    <a:pt x="812800" y="181951"/>
-                    <a:pt x="630849" y="0"/>
-                    <a:pt x="406400" y="0"/>
-                  </a:cubicBezTo>
-                  <a:close/>
-                </a:path>
-              </a:pathLst>
-            </a:custGeom>
-            <a:solidFill>
-              <a:srgbClr val="258683"/>
-            </a:solidFill>
-          </p:spPr>
-          <p:txBody>
-            <a:bodyPr/>
-            <a:lstStyle/>
-            <a:p>
-              <a:endParaRPr lang="en-GB"/>
-            </a:p>
-          </p:txBody>
-        </p:sp>
-        <p:sp>
-          <p:nvSpPr>
-            <p:cNvPr id="29" name="TextBox 29">
-              <a:extLst>
-                <a:ext uri="{FF2B5EF4-FFF2-40B4-BE49-F238E27FC236}">
-                  <a16:creationId xmlns:a16="http://schemas.microsoft.com/office/drawing/2014/main" id="{D88E2D1C-0C4D-EB32-DB3B-A4C4209CBD76}"/>
-                </a:ext>
-              </a:extLst>
-            </p:cNvPr>
-            <p:cNvSpPr txBox="1"/>
-            <p:nvPr/>
-          </p:nvSpPr>
-          <p:spPr>
-            <a:xfrm>
-              <a:off x="76200" y="28575"/>
-              <a:ext cx="660400" cy="708025"/>
-            </a:xfrm>
-            <a:prstGeom prst="rect">
-              <a:avLst/>
-            </a:prstGeom>
-          </p:spPr>
-          <p:txBody>
-            <a:bodyPr lIns="50800" tIns="50800" rIns="50800" bIns="50800" rtlCol="0" anchor="ctr"/>
-            <a:lstStyle/>
-            <a:p>
-              <a:pPr algn="ctr">
-                <a:lnSpc>
-                  <a:spcPts val="3178"/>
-                </a:lnSpc>
-              </a:pPr>
-              <a:endParaRPr/>
-            </a:p>
-          </p:txBody>
-        </p:sp>
-      </p:grpSp>
-      <p:sp>
-        <p:nvSpPr>
-          <p:cNvPr id="32" name="Title 31">
-            <a:extLst>
-              <a:ext uri="{FF2B5EF4-FFF2-40B4-BE49-F238E27FC236}">
-                <a16:creationId xmlns:a16="http://schemas.microsoft.com/office/drawing/2014/main" id="{130E6CCC-FDF3-F964-A7AF-17D44430048D}"/>
-              </a:ext>
-            </a:extLst>
-          </p:cNvPr>
-          <p:cNvSpPr>
-            <a:spLocks noGrp="1"/>
-          </p:cNvSpPr>
-          <p:nvPr>
-            <p:ph type="title"/>
-          </p:nvPr>
-        </p:nvSpPr>
-        <p:spPr>
-          <a:xfrm>
-            <a:off x="5029200" y="3848100"/>
-            <a:ext cx="8229600" cy="1143000"/>
-          </a:xfrm>
-        </p:spPr>
-        <p:txBody>
-          <a:bodyPr/>
-          <a:lstStyle/>
-          <a:p>
-            <a:pPr>
-              <a:buNone/>
-            </a:pPr>
-            <a:r>
-              <a:rPr lang="en-CA" b="1" dirty="0">
-                <a:latin typeface="Arial" panose="020B0604020202020204" pitchFamily="34" charset="0"/>
-                <a:cs typeface="Arial" panose="020B0604020202020204" pitchFamily="34" charset="0"/>
-              </a:rPr>
-              <a:t>Excel Dashboard</a:t>
-            </a:r>
-          </a:p>
-        </p:txBody>
-      </p:sp>
-      <p:pic>
-        <p:nvPicPr>
-          <p:cNvPr id="9" name="Picture 8" descr="A magnifying glass and pen&#10;&#10;AI-generated content may be incorrect.">
-            <a:extLst>
-              <a:ext uri="{FF2B5EF4-FFF2-40B4-BE49-F238E27FC236}">
-                <a16:creationId xmlns:a16="http://schemas.microsoft.com/office/drawing/2014/main" id="{46C46A72-B5EA-8134-380A-BE6AC788CBE5}"/>
-              </a:ext>
-            </a:extLst>
-          </p:cNvPr>
-          <p:cNvPicPr>
-            <a:picLocks noChangeAspect="1"/>
-          </p:cNvPicPr>
-          <p:nvPr/>
-        </p:nvPicPr>
-        <p:blipFill>
-          <a:blip r:embed="rId4">
-            <a:extLst>
-              <a:ext uri="{28A0092B-C50C-407E-A947-70E740481C1C}">
-                <a14:useLocalDpi xmlns:a14="http://schemas.microsoft.com/office/drawing/2010/main" val="0"/>
-              </a:ext>
-            </a:extLst>
-          </a:blip>
-          <a:stretch>
-            <a:fillRect/>
-          </a:stretch>
-        </p:blipFill>
-        <p:spPr>
-          <a:xfrm>
-            <a:off x="11742135" y="1797024"/>
-            <a:ext cx="5994459" cy="5245152"/>
-          </a:xfrm>
-          <a:prstGeom prst="rect">
-            <a:avLst/>
-          </a:prstGeom>
-        </p:spPr>
-      </p:pic>
-    </p:spTree>
-    <p:extLst>
-      <p:ext uri="{BB962C8B-B14F-4D97-AF65-F5344CB8AC3E}">
-        <p14:creationId xmlns:p14="http://schemas.microsoft.com/office/powerpoint/2010/main" val="1389525580"/>
-      </p:ext>
-    </p:extLst>
-  </p:cSld>
-  <p:clrMapOvr>
-    <a:masterClrMapping/>
-  </p:clrMapOvr>
-  <p:transition>
-    <p:cover dir="rd"/>
-  </p:transition>
-</p:sld>
-</file>
-
-<file path=ppt/slides/slide34.xml><?xml version="1.0" encoding="utf-8"?>
-<p:sld xmlns:a="http://schemas.openxmlformats.org/drawingml/2006/main" xmlns:r="http://schemas.openxmlformats.org/officeDocument/2006/relationships" xmlns:p="http://schemas.openxmlformats.org/presentationml/2006/main">
-  <p:cSld>
-    <p:bg>
-      <p:bgPr>
-        <a:solidFill>
-          <a:schemeClr val="bg1"/>
-        </a:solidFill>
-        <a:effectLst/>
-      </p:bgPr>
-    </p:bg>
-    <p:spTree>
-      <p:nvGrpSpPr>
-        <p:cNvPr id="1" name=""/>
-        <p:cNvGrpSpPr/>
-        <p:nvPr/>
-      </p:nvGrpSpPr>
-      <p:grpSpPr>
-        <a:xfrm>
-          <a:off x="0" y="0"/>
-          <a:ext cx="0" cy="0"/>
-          <a:chOff x="0" y="0"/>
-          <a:chExt cx="0" cy="0"/>
-        </a:xfrm>
-      </p:grpSpPr>
-      <p:sp>
-        <p:nvSpPr>
-          <p:cNvPr id="10" name="Rectangle 9">
-            <a:extLst>
-              <a:ext uri="{FF2B5EF4-FFF2-40B4-BE49-F238E27FC236}">
-                <a16:creationId xmlns:a16="http://schemas.microsoft.com/office/drawing/2014/main" id="{32BC26D8-82FB-445E-AA49-62A77D7C1EE0}"/>
-              </a:ext>
-              <a:ext uri="{C183D7F6-B498-43B3-948B-1728B52AA6E4}">
-                <adec:decorative xmlns:adec="http://schemas.microsoft.com/office/drawing/2017/decorative" val="1"/>
-              </a:ext>
-            </a:extLst>
-          </p:cNvPr>
-          <p:cNvSpPr>
-            <a:spLocks noGrp="1" noRot="1" noChangeAspect="1" noMove="1" noResize="1" noEditPoints="1" noAdjustHandles="1" noChangeArrowheads="1" noChangeShapeType="1" noTextEdit="1"/>
-          </p:cNvSpPr>
-          <p:nvPr>
-            <p:extLst>
-              <p:ext uri="{386F3935-93C4-4BCD-93E2-E3B085C9AB24}">
-                <p16:designElem xmlns:p16="http://schemas.microsoft.com/office/powerpoint/2015/main" val="1"/>
-              </p:ext>
-            </p:extLst>
-          </p:nvPr>
-        </p:nvSpPr>
-        <p:spPr>
-          <a:xfrm>
-            <a:off x="0" y="0"/>
-            <a:ext cx="18288000" cy="10287000"/>
-          </a:xfrm>
-          <a:prstGeom prst="rect">
-            <a:avLst/>
-          </a:prstGeom>
-          <a:solidFill>
-            <a:srgbClr val="416065"/>
-          </a:solidFill>
-          <a:ln>
-            <a:noFill/>
-          </a:ln>
-        </p:spPr>
-        <p:style>
-          <a:lnRef idx="2">
-            <a:schemeClr val="accent1">
-              <a:shade val="50000"/>
-            </a:schemeClr>
-          </a:lnRef>
-          <a:fillRef idx="1">
-            <a:schemeClr val="accent1"/>
-          </a:fillRef>
-          <a:effectRef idx="0">
-            <a:schemeClr val="accent1"/>
-          </a:effectRef>
-          <a:fontRef idx="minor">
-            <a:schemeClr val="lt1"/>
-          </a:fontRef>
-        </p:style>
-        <p:txBody>
-          <a:bodyPr rtlCol="0" anchor="ctr"/>
-          <a:lstStyle/>
-          <a:p>
-            <a:pPr algn="ctr"/>
-            <a:endParaRPr lang="en-US"/>
-          </a:p>
-        </p:txBody>
-      </p:sp>
-      <p:sp>
-        <p:nvSpPr>
-          <p:cNvPr id="12" name="Rectangle 11">
-            <a:extLst>
-              <a:ext uri="{FF2B5EF4-FFF2-40B4-BE49-F238E27FC236}">
-                <a16:creationId xmlns:a16="http://schemas.microsoft.com/office/drawing/2014/main" id="{CB44330D-EA18-4254-AA95-EB49948539B8}"/>
-              </a:ext>
-              <a:ext uri="{C183D7F6-B498-43B3-948B-1728B52AA6E4}">
-                <adec:decorative xmlns:adec="http://schemas.microsoft.com/office/drawing/2017/decorative" val="1"/>
-              </a:ext>
-            </a:extLst>
-          </p:cNvPr>
-          <p:cNvSpPr>
-            <a:spLocks noGrp="1" noRot="1" noChangeAspect="1" noMove="1" noResize="1" noEditPoints="1" noAdjustHandles="1" noChangeArrowheads="1" noChangeShapeType="1" noTextEdit="1"/>
-          </p:cNvSpPr>
-          <p:nvPr>
-            <p:extLst>
-              <p:ext uri="{386F3935-93C4-4BCD-93E2-E3B085C9AB24}">
-                <p16:designElem xmlns:p16="http://schemas.microsoft.com/office/powerpoint/2015/main" val="1"/>
-              </p:ext>
-            </p:extLst>
-          </p:nvPr>
-        </p:nvSpPr>
-        <p:spPr>
-          <a:xfrm>
-            <a:off x="715518" y="720090"/>
-            <a:ext cx="16856964" cy="8846820"/>
-          </a:xfrm>
-          <a:prstGeom prst="rect">
-            <a:avLst/>
-          </a:prstGeom>
-          <a:solidFill>
-            <a:srgbClr val="FFFFFF"/>
-          </a:solidFill>
-          <a:ln>
-            <a:noFill/>
-          </a:ln>
-        </p:spPr>
-        <p:style>
-          <a:lnRef idx="2">
-            <a:schemeClr val="accent1">
-              <a:shade val="50000"/>
-            </a:schemeClr>
-          </a:lnRef>
-          <a:fillRef idx="1">
-            <a:schemeClr val="accent1"/>
-          </a:fillRef>
-          <a:effectRef idx="0">
-            <a:schemeClr val="accent1"/>
-          </a:effectRef>
-          <a:fontRef idx="minor">
-            <a:schemeClr val="lt1"/>
-          </a:fontRef>
-        </p:style>
-        <p:txBody>
-          <a:bodyPr rtlCol="0" anchor="ctr"/>
-          <a:lstStyle/>
-          <a:p>
-            <a:pPr algn="ctr"/>
-            <a:endParaRPr lang="en-US"/>
-          </a:p>
-        </p:txBody>
-      </p:sp>
-      <p:pic>
-        <p:nvPicPr>
-          <p:cNvPr id="5" name="Content Placeholder 4">
-            <a:extLst>
-              <a:ext uri="{FF2B5EF4-FFF2-40B4-BE49-F238E27FC236}">
-                <a16:creationId xmlns:a16="http://schemas.microsoft.com/office/drawing/2014/main" id="{4EF015CD-1096-8200-08F4-8AD117E28F80}"/>
-              </a:ext>
-            </a:extLst>
-          </p:cNvPr>
-          <p:cNvPicPr>
-            <a:picLocks noGrp="1" noChangeAspect="1"/>
-          </p:cNvPicPr>
-          <p:nvPr>
-            <p:ph idx="1"/>
-          </p:nvPr>
-        </p:nvPicPr>
-        <p:blipFill>
-          <a:blip r:embed="rId2"/>
-          <a:stretch>
-            <a:fillRect/>
-          </a:stretch>
-        </p:blipFill>
-        <p:spPr>
-          <a:xfrm>
-            <a:off x="1715914" y="965200"/>
-            <a:ext cx="14856171" cy="8356599"/>
-          </a:xfrm>
-          <a:prstGeom prst="rect">
-            <a:avLst/>
-          </a:prstGeom>
-        </p:spPr>
-      </p:pic>
-    </p:spTree>
-    <p:extLst>
-      <p:ext uri="{BB962C8B-B14F-4D97-AF65-F5344CB8AC3E}">
-        <p14:creationId xmlns:p14="http://schemas.microsoft.com/office/powerpoint/2010/main" val="511910751"/>
-      </p:ext>
-    </p:extLst>
-  </p:cSld>
-  <p:clrMapOvr>
-    <a:masterClrMapping/>
-  </p:clrMapOvr>
-</p:sld>
-</file>
-
-<file path=ppt/slides/slide35.xml><?xml version="1.0" encoding="utf-8"?>
-<p:sld xmlns:a="http://schemas.openxmlformats.org/drawingml/2006/main" xmlns:r="http://schemas.openxmlformats.org/officeDocument/2006/relationships" xmlns:p="http://schemas.openxmlformats.org/presentationml/2006/main">
-  <p:cSld>
-    <p:spTree>
-      <p:nvGrpSpPr>
-        <p:cNvPr id="1" name="">
-          <a:extLst>
-            <a:ext uri="{FF2B5EF4-FFF2-40B4-BE49-F238E27FC236}">
               <a16:creationId xmlns:a16="http://schemas.microsoft.com/office/drawing/2014/main" id="{9ECFE9F0-BA5C-A741-8119-AD3ABD2C3DDB}"/>
             </a:ext>
           </a:extLst>
@@ -29692,7 +32250,7 @@
 </p:sld>
 </file>
 
-<file path=ppt/slides/slide36.xml><?xml version="1.0" encoding="utf-8"?>
+<file path=ppt/slides/slide34.xml><?xml version="1.0" encoding="utf-8"?>
 <p:sld xmlns:a="http://schemas.openxmlformats.org/drawingml/2006/main" xmlns:r="http://schemas.openxmlformats.org/officeDocument/2006/relationships" xmlns:p="http://schemas.openxmlformats.org/presentationml/2006/main">
   <p:cSld>
     <p:bg>
@@ -29886,7 +32444,7 @@
 </p:sld>
 </file>
 
-<file path=ppt/slides/slide37.xml><?xml version="1.0" encoding="utf-8"?>
+<file path=ppt/slides/slide35.xml><?xml version="1.0" encoding="utf-8"?>
 <p:sld xmlns:a="http://schemas.openxmlformats.org/drawingml/2006/main" xmlns:r="http://schemas.openxmlformats.org/officeDocument/2006/relationships" xmlns:p="http://schemas.openxmlformats.org/presentationml/2006/main">
   <p:cSld>
     <p:bg>
@@ -30086,7 +32644,7 @@
 </p:sld>
 </file>
 
-<file path=ppt/slides/slide38.xml><?xml version="1.0" encoding="utf-8"?>
+<file path=ppt/slides/slide36.xml><?xml version="1.0" encoding="utf-8"?>
 <p:sld xmlns:a="http://schemas.openxmlformats.org/drawingml/2006/main" xmlns:r="http://schemas.openxmlformats.org/officeDocument/2006/relationships" xmlns:p="http://schemas.openxmlformats.org/presentationml/2006/main">
   <p:cSld>
     <p:spTree>
@@ -30511,7 +33069,7 @@
 </p:sld>
 </file>
 
-<file path=ppt/slides/slide39.xml><?xml version="1.0" encoding="utf-8"?>
+<file path=ppt/slides/slide37.xml><?xml version="1.0" encoding="utf-8"?>
 <p:sld xmlns:a="http://schemas.openxmlformats.org/drawingml/2006/main" xmlns:r="http://schemas.openxmlformats.org/officeDocument/2006/relationships" xmlns:p="http://schemas.openxmlformats.org/presentationml/2006/main">
   <p:cSld>
     <p:bg>
@@ -31325,7 +33883,7 @@
         <p:cNvPr id="1" name="">
           <a:extLst>
             <a:ext uri="{FF2B5EF4-FFF2-40B4-BE49-F238E27FC236}">
-              <a16:creationId xmlns:a16="http://schemas.microsoft.com/office/drawing/2014/main" id="{4BDA3C92-3B35-D8B9-48CC-2A6B9F75ACBF}"/>
+              <a16:creationId xmlns:a16="http://schemas.microsoft.com/office/drawing/2014/main" id="{9519462D-CF20-0E64-8B89-4FD1E909C494}"/>
             </a:ext>
           </a:extLst>
         </p:cNvPr>
@@ -31345,7 +33903,7 @@
           <p:cNvPr id="2" name="Freeform 2">
             <a:extLst>
               <a:ext uri="{FF2B5EF4-FFF2-40B4-BE49-F238E27FC236}">
-                <a16:creationId xmlns:a16="http://schemas.microsoft.com/office/drawing/2014/main" id="{12720119-801E-A471-B764-0F96B1315151}"/>
+                <a16:creationId xmlns:a16="http://schemas.microsoft.com/office/drawing/2014/main" id="{620599FE-C9A1-6BD9-693D-D24D4765C95B}"/>
               </a:ext>
             </a:extLst>
           </p:cNvPr>
@@ -31410,7 +33968,7 @@
           <p:cNvPr id="18" name="Group 18">
             <a:extLst>
               <a:ext uri="{FF2B5EF4-FFF2-40B4-BE49-F238E27FC236}">
-                <a16:creationId xmlns:a16="http://schemas.microsoft.com/office/drawing/2014/main" id="{81E41F1E-5ECB-C1FB-4E72-CAD556DE3BCF}"/>
+                <a16:creationId xmlns:a16="http://schemas.microsoft.com/office/drawing/2014/main" id="{168FDCAA-6B42-1052-5CC9-A6EBF39C9DBB}"/>
               </a:ext>
             </a:extLst>
           </p:cNvPr>
@@ -31430,7 +33988,7 @@
             <p:cNvPr id="19" name="Freeform 19">
               <a:extLst>
                 <a:ext uri="{FF2B5EF4-FFF2-40B4-BE49-F238E27FC236}">
-                  <a16:creationId xmlns:a16="http://schemas.microsoft.com/office/drawing/2014/main" id="{D8F765CA-5D7D-85B1-9276-99A6AC0B3F13}"/>
+                  <a16:creationId xmlns:a16="http://schemas.microsoft.com/office/drawing/2014/main" id="{E7E43ABA-00F5-40D5-7E9B-AFAE7178EA97}"/>
                 </a:ext>
               </a:extLst>
             </p:cNvPr>
@@ -31494,7 +34052,7 @@
             <p:cNvPr id="20" name="TextBox 20">
               <a:extLst>
                 <a:ext uri="{FF2B5EF4-FFF2-40B4-BE49-F238E27FC236}">
-                  <a16:creationId xmlns:a16="http://schemas.microsoft.com/office/drawing/2014/main" id="{5DFAFEF8-27B3-88ED-9AB2-979592792865}"/>
+                  <a16:creationId xmlns:a16="http://schemas.microsoft.com/office/drawing/2014/main" id="{748FA8AD-35A1-FADF-FC84-C5BE990348E2}"/>
                 </a:ext>
               </a:extLst>
             </p:cNvPr>
@@ -31529,7 +34087,7 @@
           <p:cNvPr id="21" name="Group 21">
             <a:extLst>
               <a:ext uri="{FF2B5EF4-FFF2-40B4-BE49-F238E27FC236}">
-                <a16:creationId xmlns:a16="http://schemas.microsoft.com/office/drawing/2014/main" id="{61103BC9-5C64-B98B-7C1B-4BA58E6F2D7A}"/>
+                <a16:creationId xmlns:a16="http://schemas.microsoft.com/office/drawing/2014/main" id="{D52EB0B3-DEDB-45F3-A454-5D6CA78262BA}"/>
               </a:ext>
             </a:extLst>
           </p:cNvPr>
@@ -31549,7 +34107,7 @@
             <p:cNvPr id="22" name="Freeform 22">
               <a:extLst>
                 <a:ext uri="{FF2B5EF4-FFF2-40B4-BE49-F238E27FC236}">
-                  <a16:creationId xmlns:a16="http://schemas.microsoft.com/office/drawing/2014/main" id="{28F80E00-6681-226D-7FDA-566B1EC9FB77}"/>
+                  <a16:creationId xmlns:a16="http://schemas.microsoft.com/office/drawing/2014/main" id="{E12D80AA-DBFB-5025-7CC7-83DA17E84866}"/>
                 </a:ext>
               </a:extLst>
             </p:cNvPr>
@@ -31613,7 +34171,7 @@
             <p:cNvPr id="23" name="TextBox 23">
               <a:extLst>
                 <a:ext uri="{FF2B5EF4-FFF2-40B4-BE49-F238E27FC236}">
-                  <a16:creationId xmlns:a16="http://schemas.microsoft.com/office/drawing/2014/main" id="{A3346729-BB0B-C343-3D59-193E7D24CE25}"/>
+                  <a16:creationId xmlns:a16="http://schemas.microsoft.com/office/drawing/2014/main" id="{4FBE3B65-320E-3ACB-A1BA-EBEAAD722DCF}"/>
                 </a:ext>
               </a:extLst>
             </p:cNvPr>
@@ -31648,7 +34206,7 @@
           <p:cNvPr id="24" name="Group 24">
             <a:extLst>
               <a:ext uri="{FF2B5EF4-FFF2-40B4-BE49-F238E27FC236}">
-                <a16:creationId xmlns:a16="http://schemas.microsoft.com/office/drawing/2014/main" id="{4129B8F7-7893-5069-482E-8E6FC2D98436}"/>
+                <a16:creationId xmlns:a16="http://schemas.microsoft.com/office/drawing/2014/main" id="{12643954-D9FF-BD68-F80E-E443353BEBEB}"/>
               </a:ext>
             </a:extLst>
           </p:cNvPr>
@@ -31668,7 +34226,7 @@
             <p:cNvPr id="25" name="Freeform 25">
               <a:extLst>
                 <a:ext uri="{FF2B5EF4-FFF2-40B4-BE49-F238E27FC236}">
-                  <a16:creationId xmlns:a16="http://schemas.microsoft.com/office/drawing/2014/main" id="{81A94BA1-07EF-5D71-FB0D-4994EC7C50B7}"/>
+                  <a16:creationId xmlns:a16="http://schemas.microsoft.com/office/drawing/2014/main" id="{D371F74D-0095-E93F-EDC2-7D115CA2778C}"/>
                 </a:ext>
               </a:extLst>
             </p:cNvPr>
@@ -31732,7 +34290,7 @@
             <p:cNvPr id="26" name="TextBox 26">
               <a:extLst>
                 <a:ext uri="{FF2B5EF4-FFF2-40B4-BE49-F238E27FC236}">
-                  <a16:creationId xmlns:a16="http://schemas.microsoft.com/office/drawing/2014/main" id="{2D8DDBD5-F84D-396C-6935-8F4A560D974D}"/>
+                  <a16:creationId xmlns:a16="http://schemas.microsoft.com/office/drawing/2014/main" id="{852C5277-2F20-3CA0-0CE5-33994450BA2A}"/>
                 </a:ext>
               </a:extLst>
             </p:cNvPr>
@@ -31767,7 +34325,7 @@
           <p:cNvPr id="27" name="Group 27">
             <a:extLst>
               <a:ext uri="{FF2B5EF4-FFF2-40B4-BE49-F238E27FC236}">
-                <a16:creationId xmlns:a16="http://schemas.microsoft.com/office/drawing/2014/main" id="{F9A05DA1-757C-1A08-D386-207E815F3B5E}"/>
+                <a16:creationId xmlns:a16="http://schemas.microsoft.com/office/drawing/2014/main" id="{7F059F0A-13F7-6498-FCD2-DA7BDC41791B}"/>
               </a:ext>
             </a:extLst>
           </p:cNvPr>
@@ -31787,7 +34345,7 @@
             <p:cNvPr id="28" name="Freeform 28">
               <a:extLst>
                 <a:ext uri="{FF2B5EF4-FFF2-40B4-BE49-F238E27FC236}">
-                  <a16:creationId xmlns:a16="http://schemas.microsoft.com/office/drawing/2014/main" id="{165BF7D0-FF62-AEBE-DA20-9F49E5284B57}"/>
+                  <a16:creationId xmlns:a16="http://schemas.microsoft.com/office/drawing/2014/main" id="{1E504452-93D8-CF75-040A-9633182B9932}"/>
                 </a:ext>
               </a:extLst>
             </p:cNvPr>
@@ -31851,7 +34409,7 @@
             <p:cNvPr id="29" name="TextBox 29">
               <a:extLst>
                 <a:ext uri="{FF2B5EF4-FFF2-40B4-BE49-F238E27FC236}">
-                  <a16:creationId xmlns:a16="http://schemas.microsoft.com/office/drawing/2014/main" id="{96CC85F7-1D12-98CA-090E-F4E965C0C513}"/>
+                  <a16:creationId xmlns:a16="http://schemas.microsoft.com/office/drawing/2014/main" id="{C67F15AB-21F7-1CCA-0A6C-87F2A0F8ADA3}"/>
                 </a:ext>
               </a:extLst>
             </p:cNvPr>
@@ -31886,7 +34444,7 @@
           <p:cNvPr id="32" name="Title 31">
             <a:extLst>
               <a:ext uri="{FF2B5EF4-FFF2-40B4-BE49-F238E27FC236}">
-                <a16:creationId xmlns:a16="http://schemas.microsoft.com/office/drawing/2014/main" id="{0B45141A-D282-BEBE-1D86-0DD568C54BD7}"/>
+                <a16:creationId xmlns:a16="http://schemas.microsoft.com/office/drawing/2014/main" id="{4454BFE5-1459-9329-798A-3345562154DB}"/>
               </a:ext>
             </a:extLst>
           </p:cNvPr>
@@ -31909,116 +34467,48 @@
           <a:p>
             <a:r>
               <a:rPr lang="en-GB" b="1" dirty="0"/>
-              <a:t>Introduction</a:t>
+              <a:t>Objectives</a:t>
             </a:r>
           </a:p>
         </p:txBody>
       </p:sp>
-      <p:sp>
-        <p:nvSpPr>
-          <p:cNvPr id="33" name="Content Placeholder 32">
+      <p:graphicFrame>
+        <p:nvGraphicFramePr>
+          <p:cNvPr id="39" name="Content Placeholder 32">
             <a:extLst>
               <a:ext uri="{FF2B5EF4-FFF2-40B4-BE49-F238E27FC236}">
-                <a16:creationId xmlns:a16="http://schemas.microsoft.com/office/drawing/2014/main" id="{E6B47ADB-01A8-E0C7-D458-2BBB95CD9D2A}"/>
+                <a16:creationId xmlns:a16="http://schemas.microsoft.com/office/drawing/2014/main" id="{C1CAD804-CD2B-12D7-52F1-3708C818CCEF}"/>
               </a:ext>
             </a:extLst>
           </p:cNvPr>
-          <p:cNvSpPr>
-            <a:spLocks noGrp="1"/>
-          </p:cNvSpPr>
+          <p:cNvGraphicFramePr>
+            <a:graphicFrameLocks noGrp="1"/>
+          </p:cNvGraphicFramePr>
           <p:nvPr>
             <p:ph idx="1"/>
+            <p:extLst>
+              <p:ext uri="{D42A27DB-BD31-4B8C-83A1-F6EECF244321}">
+                <p14:modId xmlns:p14="http://schemas.microsoft.com/office/powerpoint/2010/main" val="4093596030"/>
+              </p:ext>
+            </p:extLst>
           </p:nvPr>
-        </p:nvSpPr>
-        <p:spPr>
-          <a:xfrm>
-            <a:off x="1529410" y="2997688"/>
-            <a:ext cx="11697899" cy="5834342"/>
-          </a:xfrm>
-        </p:spPr>
-        <p:txBody>
-          <a:bodyPr>
-            <a:normAutofit lnSpcReduction="10000"/>
-          </a:bodyPr>
-          <a:lstStyle/>
-          <a:p>
-            <a:pPr>
-              <a:buNone/>
-            </a:pPr>
-            <a:r>
-              <a:rPr lang="en-CA" dirty="0"/>
-              <a:t>HR today is about more than just hiring and payroll—it's a key part of shaping company success. From keeping employees happy to building strong teams and planning for the future, HR plays a big role.</a:t>
-            </a:r>
-          </a:p>
-          <a:p>
-            <a:pPr>
-              <a:buNone/>
-            </a:pPr>
-            <a:r>
-              <a:rPr lang="en-CA" dirty="0"/>
-              <a:t>Understanding HR data helps companies:</a:t>
-            </a:r>
-          </a:p>
-          <a:p>
-            <a:pPr>
-              <a:buFont typeface="Arial" panose="020B0604020202020204" pitchFamily="34" charset="0"/>
-              <a:buChar char="•"/>
-            </a:pPr>
-            <a:r>
-              <a:rPr lang="en-CA" dirty="0"/>
-              <a:t>Keep good employees and boost satisfaction</a:t>
-            </a:r>
-          </a:p>
-          <a:p>
-            <a:pPr>
-              <a:buFont typeface="Arial" panose="020B0604020202020204" pitchFamily="34" charset="0"/>
-              <a:buChar char="•"/>
-            </a:pPr>
-            <a:r>
-              <a:rPr lang="en-CA" dirty="0"/>
-              <a:t>Make smart choices about promotions and salaries</a:t>
-            </a:r>
-          </a:p>
-          <a:p>
-            <a:pPr>
-              <a:buFont typeface="Arial" panose="020B0604020202020204" pitchFamily="34" charset="0"/>
-              <a:buChar char="•"/>
-            </a:pPr>
-            <a:r>
-              <a:rPr lang="en-CA" dirty="0"/>
-              <a:t>Create a fair and productive work environment</a:t>
-            </a:r>
-          </a:p>
-          <a:p>
-            <a:pPr>
-              <a:buFont typeface="Arial" panose="020B0604020202020204" pitchFamily="34" charset="0"/>
-              <a:buChar char="•"/>
-            </a:pPr>
-            <a:r>
-              <a:rPr lang="en-CA" dirty="0"/>
-              <a:t>Plan for future growth with the right people in the right roles</a:t>
-            </a:r>
-          </a:p>
-          <a:p>
-            <a:r>
-              <a:rPr lang="en-CA" dirty="0"/>
-              <a:t>As businesses grow and change, using HR insights is essential to stay competitive and successful</a:t>
-            </a:r>
-          </a:p>
-          <a:p>
-            <a:endParaRPr lang="en-CA" dirty="0"/>
-          </a:p>
-          <a:p>
-            <a:endParaRPr lang="en-GB" dirty="0"/>
-          </a:p>
-        </p:txBody>
-      </p:sp>
+        </p:nvGraphicFramePr>
+        <p:xfrm>
+          <a:off x="1529410" y="1638300"/>
+          <a:ext cx="11697899" cy="7193730"/>
+        </p:xfrm>
+        <a:graphic>
+          <a:graphicData uri="http://schemas.openxmlformats.org/drawingml/2006/diagram">
+            <dgm:relIds xmlns:dgm="http://schemas.openxmlformats.org/drawingml/2006/diagram" xmlns:r="http://schemas.openxmlformats.org/officeDocument/2006/relationships" r:dm="rId4" r:lo="rId5" r:qs="rId6" r:cs="rId7"/>
+          </a:graphicData>
+        </a:graphic>
+      </p:graphicFrame>
       <p:pic>
         <p:nvPicPr>
           <p:cNvPr id="35" name="Picture 34" descr="A magnifying glass with a person inside&#10;&#10;AI-generated content may be incorrect.">
             <a:extLst>
               <a:ext uri="{FF2B5EF4-FFF2-40B4-BE49-F238E27FC236}">
-                <a16:creationId xmlns:a16="http://schemas.microsoft.com/office/drawing/2014/main" id="{E1A3167B-307E-8384-8133-59CF3DAB8432}"/>
+                <a16:creationId xmlns:a16="http://schemas.microsoft.com/office/drawing/2014/main" id="{80E61290-2365-F183-2BA4-94AC99EBA544}"/>
               </a:ext>
             </a:extLst>
           </p:cNvPr>
@@ -32028,7 +34518,7 @@
           <p:nvPr/>
         </p:nvPicPr>
         <p:blipFill>
-          <a:blip r:embed="rId4">
+          <a:blip r:embed="rId9">
             <a:extLst>
               <a:ext uri="{28A0092B-C50C-407E-A947-70E740481C1C}">
                 <a14:useLocalDpi xmlns:a14="http://schemas.microsoft.com/office/drawing/2010/main" val="0"/>
@@ -32051,7 +34541,7 @@
     </p:spTree>
     <p:extLst>
       <p:ext uri="{BB962C8B-B14F-4D97-AF65-F5344CB8AC3E}">
-        <p14:creationId xmlns:p14="http://schemas.microsoft.com/office/powerpoint/2010/main" val="954601496"/>
+        <p14:creationId xmlns:p14="http://schemas.microsoft.com/office/powerpoint/2010/main" val="1845101617"/>
       </p:ext>
     </p:extLst>
   </p:cSld>

--- a/Human Resources Data analyiss final.pptx
+++ b/Human Resources Data analyiss final.pptx
@@ -54,12 +54,12 @@
       <p:boldItalic r:id="rId42"/>
     </p:embeddedFont>
     <p:embeddedFont>
-      <p:font typeface="Barlow" panose="00000500000000000000" pitchFamily="2" charset="0"/>
+      <p:font typeface="Barlow" panose="020F0502020204030204" pitchFamily="2" charset="0"/>
       <p:regular r:id="rId43"/>
       <p:bold r:id="rId44"/>
     </p:embeddedFont>
     <p:embeddedFont>
-      <p:font typeface="Barlow Bold" panose="00000800000000000000" charset="0"/>
+      <p:font typeface="Barlow Bold" panose="020B0604020202020204" charset="0"/>
       <p:regular r:id="rId45"/>
     </p:embeddedFont>
     <p:embeddedFont>
@@ -2500,9 +2500,14 @@
         <a:lstStyle/>
         <a:p>
           <a:r>
+            <a:rPr lang="en-US" dirty="0"/>
+            <a:t>1- </a:t>
+          </a:r>
+          <a:r>
             <a:rPr lang="en-US"/>
-            <a:t>1- Ahmed AbdelGawad</a:t>
+            <a:t>Ahmed Mohamed AbdelGawad</a:t>
           </a:r>
+          <a:endParaRPr lang="en-US" dirty="0"/>
         </a:p>
       </dgm:t>
     </dgm:pt>
@@ -4070,9 +4075,14 @@
             <a:buNone/>
           </a:pPr>
           <a:r>
+            <a:rPr lang="en-US" sz="4900" kern="1200" dirty="0"/>
+            <a:t>1- </a:t>
+          </a:r>
+          <a:r>
             <a:rPr lang="en-US" sz="4900" kern="1200"/>
-            <a:t>1- Ahmed AbdelGawad</a:t>
+            <a:t>Ahmed Mohamed AbdelGawad</a:t>
           </a:r>
+          <a:endParaRPr lang="en-US" sz="4900" kern="1200" dirty="0"/>
         </a:p>
       </dsp:txBody>
       <dsp:txXfrm>
@@ -13496,7 +13506,7 @@
           <p:nvPr>
             <p:extLst>
               <p:ext uri="{D42A27DB-BD31-4B8C-83A1-F6EECF244321}">
-                <p14:modId xmlns:p14="http://schemas.microsoft.com/office/powerpoint/2010/main" val="855311961"/>
+                <p14:modId xmlns:p14="http://schemas.microsoft.com/office/powerpoint/2010/main" val="2679907521"/>
               </p:ext>
             </p:extLst>
           </p:nvPr>
